--- a/Presentation/T27_presentation.pptx
+++ b/Presentation/T27_presentation.pptx
@@ -15,7 +15,7 @@
     <p:sldId id="260" r:id="rId9"/>
     <p:sldId id="262" r:id="rId10"/>
     <p:sldId id="263" r:id="rId11"/>
-    <p:sldId id="264" r:id="rId12"/>
+    <p:sldId id="266" r:id="rId12"/>
     <p:sldId id="265" r:id="rId13"/>
     <p:sldId id="261" r:id="rId14"/>
   </p:sldIdLst>
@@ -135,6 +135,14 @@
 </p:presentation>
 </file>
 
+<file path=ppt/revisionInfo.xml><?xml version="1.0" encoding="utf-8"?>
+<p1510:revInfo xmlns:a="http://schemas.openxmlformats.org/drawingml/2006/main" xmlns:r="http://schemas.openxmlformats.org/officeDocument/2006/relationships" xmlns:p1510="http://schemas.microsoft.com/office/powerpoint/2015/10/main">
+  <p1510:revLst>
+    <p1510:client id="{ABA5B8BD-8E38-C674-8C2E-27FE23111C26}" v="325" dt="2019-10-08T22:23:37.793"/>
+  </p1510:revLst>
+</p1510:revInfo>
+</file>
+
 <file path=ppt/notesMasters/notesMaster1.xml><?xml version="1.0" encoding="utf-8"?>
 <p:notesMaster xmlns:a="http://schemas.openxmlformats.org/drawingml/2006/main" xmlns:r="http://schemas.openxmlformats.org/officeDocument/2006/relationships" xmlns:p="http://schemas.openxmlformats.org/presentationml/2006/main">
   <p:cSld>
@@ -217,7 +225,7 @@
           <a:p>
             <a:fld id="{8525F764-39C0-464D-9936-141E26F9A5EB}" type="datetimeFigureOut">
               <a:rPr lang="en-US" smtClean="0"/>
-              <a:t>10/7/2019</a:t>
+              <a:t>10/8/2019</a:t>
             </a:fld>
             <a:endParaRPr lang="en-US"/>
           </a:p>
@@ -1581,11 +1589,11 @@
 </file>
 
 <file path=ppt/notesSlides/notesSlide7.xml><?xml version="1.0" encoding="utf-8"?>
-<p:notes xmlns:a="http://schemas.openxmlformats.org/drawingml/2006/main" xmlns:r="http://schemas.openxmlformats.org/officeDocument/2006/relationships" xmlns:p="http://schemas.openxmlformats.org/presentationml/2006/main">
+<p:notes xmlns:a="http://schemas.openxmlformats.org/drawingml/2006/main" xmlns:r="http://schemas.openxmlformats.org/officeDocument/2006/relationships" xmlns:p="http://schemas.openxmlformats.org/presentationml/2006/main" showMasterSp="0" showMasterPhAnim="0">
   <p:cSld>
     <p:spTree>
       <p:nvGrpSpPr>
-        <p:cNvPr id="1" name=""/>
+        <p:cNvPr id="1" name="Shape 125"/>
         <p:cNvGrpSpPr/>
         <p:nvPr/>
       </p:nvGrpSpPr>
@@ -1599,87 +1607,84 @@
       </p:grpSpPr>
       <p:sp>
         <p:nvSpPr>
-          <p:cNvPr id="2" name="Slide Image Placeholder 1"/>
+          <p:cNvPr id="126" name="Google Shape;126;g648aacfb46_0_5:notes"/>
           <p:cNvSpPr>
             <a:spLocks noGrp="1" noRot="1" noChangeAspect="1"/>
           </p:cNvSpPr>
           <p:nvPr>
-            <p:ph type="sldImg"/>
+            <p:ph type="sldImg" idx="2"/>
           </p:nvPr>
         </p:nvSpPr>
-        <p:spPr/>
+        <p:spPr>
+          <a:xfrm>
+            <a:off x="381000" y="685800"/>
+            <a:ext cx="6096000" cy="3429000"/>
+          </a:xfrm>
+          <a:custGeom>
+            <a:avLst/>
+            <a:gdLst/>
+            <a:ahLst/>
+            <a:cxnLst/>
+            <a:rect l="l" t="t" r="r" b="b"/>
+            <a:pathLst>
+              <a:path w="120000" h="120000" extrusionOk="0">
+                <a:moveTo>
+                  <a:pt x="0" y="0"/>
+                </a:moveTo>
+                <a:lnTo>
+                  <a:pt x="120000" y="0"/>
+                </a:lnTo>
+                <a:lnTo>
+                  <a:pt x="120000" y="120000"/>
+                </a:lnTo>
+                <a:lnTo>
+                  <a:pt x="0" y="120000"/>
+                </a:lnTo>
+                <a:close/>
+              </a:path>
+            </a:pathLst>
+          </a:custGeom>
+        </p:spPr>
       </p:sp>
       <p:sp>
         <p:nvSpPr>
-          <p:cNvPr id="3" name="Notes Placeholder 2"/>
-          <p:cNvSpPr>
+          <p:cNvPr id="127" name="Google Shape;127;g648aacfb46_0_5:notes"/>
+          <p:cNvSpPr txBox="1">
             <a:spLocks noGrp="1"/>
           </p:cNvSpPr>
           <p:nvPr>
             <p:ph type="body" idx="1"/>
           </p:nvPr>
         </p:nvSpPr>
-        <p:spPr/>
+        <p:spPr>
+          <a:xfrm>
+            <a:off x="685800" y="4343400"/>
+            <a:ext cx="5486400" cy="4114800"/>
+          </a:xfrm>
+          <a:prstGeom prst="rect">
+            <a:avLst/>
+          </a:prstGeom>
+        </p:spPr>
         <p:txBody>
-          <a:bodyPr/>
+          <a:bodyPr spcFirstLastPara="1" wrap="square" lIns="91425" tIns="91425" rIns="91425" bIns="91425" anchor="t" anchorCtr="0">
+            <a:noAutofit/>
+          </a:bodyPr>
           <a:lstStyle/>
           <a:p>
-            <a:pPr marL="0" marR="0" lvl="0" indent="0" algn="l" defTabSz="914400" rtl="0" eaLnBrk="1" fontAlgn="auto" latinLnBrk="0" hangingPunct="1">
-              <a:lnSpc>
-                <a:spcPct val="100000"/>
-              </a:lnSpc>
+            <a:pPr marL="0" lvl="0" indent="0" algn="l" rtl="0">
               <a:spcBef>
                 <a:spcPts val="0"/>
               </a:spcBef>
               <a:spcAft>
                 <a:spcPts val="0"/>
               </a:spcAft>
-              <a:buClrTx/>
-              <a:buSzTx/>
-              <a:buFontTx/>
               <a:buNone/>
-              <a:tabLst/>
-              <a:defRPr/>
             </a:pPr>
-            <a:r>
-              <a:rPr lang="en-CA" dirty="0"/>
-              <a:t>Vlad:</a:t>
-            </a:r>
-          </a:p>
-          <a:p>
-            <a:endParaRPr lang="en-US" dirty="0"/>
-          </a:p>
-        </p:txBody>
-      </p:sp>
-      <p:sp>
-        <p:nvSpPr>
-          <p:cNvPr id="4" name="Slide Number Placeholder 3"/>
-          <p:cNvSpPr>
-            <a:spLocks noGrp="1"/>
-          </p:cNvSpPr>
-          <p:nvPr>
-            <p:ph type="sldNum" sz="quarter" idx="5"/>
-          </p:nvPr>
-        </p:nvSpPr>
-        <p:spPr/>
-        <p:txBody>
-          <a:bodyPr/>
-          <a:lstStyle/>
-          <a:p>
-            <a:fld id="{A701296D-2A25-4514-9968-139DC2DD9258}" type="slidenum">
-              <a:rPr lang="en-US" smtClean="0"/>
-              <a:t>8</a:t>
-            </a:fld>
-            <a:endParaRPr lang="en-US"/>
+            <a:endParaRPr/>
           </a:p>
         </p:txBody>
       </p:sp>
     </p:spTree>
-    <p:extLst>
-      <p:ext uri="{BB962C8B-B14F-4D97-AF65-F5344CB8AC3E}">
-        <p14:creationId xmlns:p14="http://schemas.microsoft.com/office/powerpoint/2010/main" val="2579379849"/>
-      </p:ext>
-    </p:extLst>
   </p:cSld>
   <p:clrMapOvr>
     <a:masterClrMapping/>
@@ -2059,7 +2064,7 @@
           <a:p>
             <a:fld id="{FE109C0C-FC66-4590-BD55-29E450DD3C9E}" type="datetimeFigureOut">
               <a:rPr lang="en-US" smtClean="0"/>
-              <a:t>10/7/2019</a:t>
+              <a:t>10/8/2019</a:t>
             </a:fld>
             <a:endParaRPr lang="en-US"/>
           </a:p>
@@ -2227,7 +2232,7 @@
           <a:p>
             <a:fld id="{FE109C0C-FC66-4590-BD55-29E450DD3C9E}" type="datetimeFigureOut">
               <a:rPr lang="en-US" smtClean="0"/>
-              <a:t>10/7/2019</a:t>
+              <a:t>10/8/2019</a:t>
             </a:fld>
             <a:endParaRPr lang="en-US"/>
           </a:p>
@@ -2405,7 +2410,7 @@
           <a:p>
             <a:fld id="{FE109C0C-FC66-4590-BD55-29E450DD3C9E}" type="datetimeFigureOut">
               <a:rPr lang="en-US" smtClean="0"/>
-              <a:t>10/7/2019</a:t>
+              <a:t>10/8/2019</a:t>
             </a:fld>
             <a:endParaRPr lang="en-US"/>
           </a:p>
@@ -2573,7 +2578,7 @@
           <a:p>
             <a:fld id="{FE109C0C-FC66-4590-BD55-29E450DD3C9E}" type="datetimeFigureOut">
               <a:rPr lang="en-US" smtClean="0"/>
-              <a:t>10/7/2019</a:t>
+              <a:t>10/8/2019</a:t>
             </a:fld>
             <a:endParaRPr lang="en-US"/>
           </a:p>
@@ -2818,7 +2823,7 @@
           <a:p>
             <a:fld id="{FE109C0C-FC66-4590-BD55-29E450DD3C9E}" type="datetimeFigureOut">
               <a:rPr lang="en-US" smtClean="0"/>
-              <a:t>10/7/2019</a:t>
+              <a:t>10/8/2019</a:t>
             </a:fld>
             <a:endParaRPr lang="en-US"/>
           </a:p>
@@ -3047,7 +3052,7 @@
           <a:p>
             <a:fld id="{FE109C0C-FC66-4590-BD55-29E450DD3C9E}" type="datetimeFigureOut">
               <a:rPr lang="en-US" smtClean="0"/>
-              <a:t>10/7/2019</a:t>
+              <a:t>10/8/2019</a:t>
             </a:fld>
             <a:endParaRPr lang="en-US"/>
           </a:p>
@@ -3411,7 +3416,7 @@
           <a:p>
             <a:fld id="{FE109C0C-FC66-4590-BD55-29E450DD3C9E}" type="datetimeFigureOut">
               <a:rPr lang="en-US" smtClean="0"/>
-              <a:t>10/7/2019</a:t>
+              <a:t>10/8/2019</a:t>
             </a:fld>
             <a:endParaRPr lang="en-US"/>
           </a:p>
@@ -3528,7 +3533,7 @@
           <a:p>
             <a:fld id="{FE109C0C-FC66-4590-BD55-29E450DD3C9E}" type="datetimeFigureOut">
               <a:rPr lang="en-US" smtClean="0"/>
-              <a:t>10/7/2019</a:t>
+              <a:t>10/8/2019</a:t>
             </a:fld>
             <a:endParaRPr lang="en-US"/>
           </a:p>
@@ -3623,7 +3628,7 @@
           <a:p>
             <a:fld id="{FE109C0C-FC66-4590-BD55-29E450DD3C9E}" type="datetimeFigureOut">
               <a:rPr lang="en-US" smtClean="0"/>
-              <a:t>10/7/2019</a:t>
+              <a:t>10/8/2019</a:t>
             </a:fld>
             <a:endParaRPr lang="en-US"/>
           </a:p>
@@ -3898,7 +3903,7 @@
           <a:p>
             <a:fld id="{FE109C0C-FC66-4590-BD55-29E450DD3C9E}" type="datetimeFigureOut">
               <a:rPr lang="en-US" smtClean="0"/>
-              <a:t>10/7/2019</a:t>
+              <a:t>10/8/2019</a:t>
             </a:fld>
             <a:endParaRPr lang="en-US"/>
           </a:p>
@@ -4150,7 +4155,7 @@
           <a:p>
             <a:fld id="{FE109C0C-FC66-4590-BD55-29E450DD3C9E}" type="datetimeFigureOut">
               <a:rPr lang="en-US" smtClean="0"/>
-              <a:t>10/7/2019</a:t>
+              <a:t>10/8/2019</a:t>
             </a:fld>
             <a:endParaRPr lang="en-US"/>
           </a:p>
@@ -4390,7 +4395,7 @@
           <a:p>
             <a:fld id="{FE109C0C-FC66-4590-BD55-29E450DD3C9E}" type="datetimeFigureOut">
               <a:rPr lang="en-US" smtClean="0"/>
-              <a:t>10/7/2019</a:t>
+              <a:t>10/8/2019</a:t>
             </a:fld>
             <a:endParaRPr lang="en-US"/>
           </a:p>
@@ -7284,7 +7289,7 @@
   <p:cSld>
     <p:spTree>
       <p:nvGrpSpPr>
-        <p:cNvPr id="1" name=""/>
+        <p:cNvPr id="1" name="Shape 128"/>
         <p:cNvGrpSpPr/>
         <p:nvPr/>
       </p:nvGrpSpPr>
@@ -7296,58 +7301,3938 @@
           <a:chExt cx="0" cy="0"/>
         </a:xfrm>
       </p:grpSpPr>
+      <p:graphicFrame>
+        <p:nvGraphicFramePr>
+          <p:cNvPr id="129" name="Google Shape;129;p25"/>
+          <p:cNvGraphicFramePr/>
+          <p:nvPr>
+            <p:extLst>
+              <p:ext uri="{D42A27DB-BD31-4B8C-83A1-F6EECF244321}">
+                <p14:modId xmlns:p14="http://schemas.microsoft.com/office/powerpoint/2010/main" val="1806913427"/>
+              </p:ext>
+            </p:extLst>
+          </p:nvPr>
+        </p:nvGraphicFramePr>
+        <p:xfrm>
+          <a:off x="483973" y="525161"/>
+          <a:ext cx="11063186" cy="6234480"/>
+        </p:xfrm>
+        <a:graphic>
+          <a:graphicData uri="http://schemas.openxmlformats.org/drawingml/2006/table">
+            <a:tbl>
+              <a:tblPr>
+                <a:noFill/>
+              </a:tblPr>
+              <a:tblGrid>
+                <a:gridCol w="354326">
+                  <a:extLst>
+                    <a:ext uri="{9D8B030D-6E8A-4147-A177-3AD203B41FA5}">
+                      <a16:colId xmlns:a16="http://schemas.microsoft.com/office/drawing/2014/main" val="20000"/>
+                    </a:ext>
+                  </a:extLst>
+                </a:gridCol>
+                <a:gridCol w="1126558">
+                  <a:extLst>
+                    <a:ext uri="{9D8B030D-6E8A-4147-A177-3AD203B41FA5}">
+                      <a16:colId xmlns:a16="http://schemas.microsoft.com/office/drawing/2014/main" val="20001"/>
+                    </a:ext>
+                  </a:extLst>
+                </a:gridCol>
+                <a:gridCol w="3260477">
+                  <a:extLst>
+                    <a:ext uri="{9D8B030D-6E8A-4147-A177-3AD203B41FA5}">
+                      <a16:colId xmlns:a16="http://schemas.microsoft.com/office/drawing/2014/main" val="20002"/>
+                    </a:ext>
+                  </a:extLst>
+                </a:gridCol>
+                <a:gridCol w="3929428">
+                  <a:extLst>
+                    <a:ext uri="{9D8B030D-6E8A-4147-A177-3AD203B41FA5}">
+                      <a16:colId xmlns:a16="http://schemas.microsoft.com/office/drawing/2014/main" val="20003"/>
+                    </a:ext>
+                  </a:extLst>
+                </a:gridCol>
+                <a:gridCol w="997087">
+                  <a:extLst>
+                    <a:ext uri="{9D8B030D-6E8A-4147-A177-3AD203B41FA5}">
+                      <a16:colId xmlns:a16="http://schemas.microsoft.com/office/drawing/2014/main" val="20004"/>
+                    </a:ext>
+                  </a:extLst>
+                </a:gridCol>
+                <a:gridCol w="740427">
+                  <a:extLst>
+                    <a:ext uri="{9D8B030D-6E8A-4147-A177-3AD203B41FA5}">
+                      <a16:colId xmlns:a16="http://schemas.microsoft.com/office/drawing/2014/main" val="20005"/>
+                    </a:ext>
+                  </a:extLst>
+                </a:gridCol>
+                <a:gridCol w="654883">
+                  <a:extLst>
+                    <a:ext uri="{9D8B030D-6E8A-4147-A177-3AD203B41FA5}">
+                      <a16:colId xmlns:a16="http://schemas.microsoft.com/office/drawing/2014/main" val="20006"/>
+                    </a:ext>
+                  </a:extLst>
+                </a:gridCol>
+              </a:tblGrid>
+              <a:tr h="360000">
+                <a:tc>
+                  <a:txBody>
+                    <a:bodyPr/>
+                    <a:lstStyle/>
+                    <a:p>
+                      <a:pPr marL="0" lvl="0" indent="0" algn="ctr" rtl="0">
+                        <a:lnSpc>
+                          <a:spcPct val="100000"/>
+                        </a:lnSpc>
+                        <a:spcBef>
+                          <a:spcPts val="0"/>
+                        </a:spcBef>
+                        <a:spcAft>
+                          <a:spcPts val="0"/>
+                        </a:spcAft>
+                        <a:buNone/>
+                      </a:pPr>
+                      <a:r>
+                        <a:rPr lang="en-GB" sz="1400" dirty="0">
+                          <a:solidFill>
+                            <a:schemeClr val="lt1"/>
+                          </a:solidFill>
+                        </a:rPr>
+                        <a:t>ID</a:t>
+                      </a:r>
+                      <a:endParaRPr sz="1400" dirty="0">
+                        <a:solidFill>
+                          <a:schemeClr val="lt1"/>
+                        </a:solidFill>
+                      </a:endParaRPr>
+                    </a:p>
+                  </a:txBody>
+                  <a:tcPr marL="45720" marR="45720" anchor="ctr">
+                    <a:lnL w="9525" cap="flat" cmpd="sng">
+                      <a:solidFill>
+                        <a:schemeClr val="lt1"/>
+                      </a:solidFill>
+                      <a:prstDash val="solid"/>
+                      <a:round/>
+                      <a:headEnd type="none" w="sm" len="sm"/>
+                      <a:tailEnd type="none" w="sm" len="sm"/>
+                    </a:lnL>
+                    <a:lnR w="9525" cap="flat" cmpd="sng">
+                      <a:solidFill>
+                        <a:schemeClr val="lt1"/>
+                      </a:solidFill>
+                      <a:prstDash val="solid"/>
+                      <a:round/>
+                      <a:headEnd type="none" w="sm" len="sm"/>
+                      <a:tailEnd type="none" w="sm" len="sm"/>
+                    </a:lnR>
+                    <a:lnT w="9525" cap="flat" cmpd="sng">
+                      <a:solidFill>
+                        <a:schemeClr val="lt1"/>
+                      </a:solidFill>
+                      <a:prstDash val="solid"/>
+                      <a:round/>
+                      <a:headEnd type="none" w="sm" len="sm"/>
+                      <a:tailEnd type="none" w="sm" len="sm"/>
+                    </a:lnT>
+                    <a:lnB w="9525" cap="flat" cmpd="sng">
+                      <a:solidFill>
+                        <a:schemeClr val="lt1"/>
+                      </a:solidFill>
+                      <a:prstDash val="solid"/>
+                      <a:round/>
+                      <a:headEnd type="none" w="sm" len="sm"/>
+                      <a:tailEnd type="none" w="sm" len="sm"/>
+                    </a:lnB>
+                    <a:solidFill>
+                      <a:srgbClr val="000000"/>
+                    </a:solidFill>
+                  </a:tcPr>
+                </a:tc>
+                <a:tc>
+                  <a:txBody>
+                    <a:bodyPr/>
+                    <a:lstStyle/>
+                    <a:p>
+                      <a:pPr marL="0" lvl="0" indent="0" algn="ctr" rtl="0">
+                        <a:lnSpc>
+                          <a:spcPct val="100000"/>
+                        </a:lnSpc>
+                        <a:spcBef>
+                          <a:spcPts val="0"/>
+                        </a:spcBef>
+                        <a:spcAft>
+                          <a:spcPts val="0"/>
+                        </a:spcAft>
+                        <a:buNone/>
+                      </a:pPr>
+                      <a:r>
+                        <a:rPr lang="en-GB" sz="1400" dirty="0">
+                          <a:solidFill>
+                            <a:schemeClr val="lt1"/>
+                          </a:solidFill>
+                        </a:rPr>
+                        <a:t>AS AN / A</a:t>
+                      </a:r>
+                      <a:endParaRPr sz="1400" dirty="0">
+                        <a:solidFill>
+                          <a:schemeClr val="lt1"/>
+                        </a:solidFill>
+                      </a:endParaRPr>
+                    </a:p>
+                  </a:txBody>
+                  <a:tcPr marL="45720" marR="45720" anchor="ctr">
+                    <a:lnL w="9525" cap="flat" cmpd="sng">
+                      <a:solidFill>
+                        <a:schemeClr val="lt1"/>
+                      </a:solidFill>
+                      <a:prstDash val="solid"/>
+                      <a:round/>
+                      <a:headEnd type="none" w="sm" len="sm"/>
+                      <a:tailEnd type="none" w="sm" len="sm"/>
+                    </a:lnL>
+                    <a:lnR w="9525" cap="flat" cmpd="sng">
+                      <a:solidFill>
+                        <a:schemeClr val="lt1"/>
+                      </a:solidFill>
+                      <a:prstDash val="solid"/>
+                      <a:round/>
+                      <a:headEnd type="none" w="sm" len="sm"/>
+                      <a:tailEnd type="none" w="sm" len="sm"/>
+                    </a:lnR>
+                    <a:lnT w="9525" cap="flat" cmpd="sng">
+                      <a:solidFill>
+                        <a:schemeClr val="lt1"/>
+                      </a:solidFill>
+                      <a:prstDash val="solid"/>
+                      <a:round/>
+                      <a:headEnd type="none" w="sm" len="sm"/>
+                      <a:tailEnd type="none" w="sm" len="sm"/>
+                    </a:lnT>
+                    <a:lnB w="9525" cap="flat" cmpd="sng">
+                      <a:solidFill>
+                        <a:schemeClr val="lt1"/>
+                      </a:solidFill>
+                      <a:prstDash val="solid"/>
+                      <a:round/>
+                      <a:headEnd type="none" w="sm" len="sm"/>
+                      <a:tailEnd type="none" w="sm" len="sm"/>
+                    </a:lnB>
+                    <a:solidFill>
+                      <a:srgbClr val="000000"/>
+                    </a:solidFill>
+                  </a:tcPr>
+                </a:tc>
+                <a:tc>
+                  <a:txBody>
+                    <a:bodyPr/>
+                    <a:lstStyle/>
+                    <a:p>
+                      <a:pPr marL="0" lvl="0" indent="0" algn="ctr" rtl="0">
+                        <a:lnSpc>
+                          <a:spcPct val="100000"/>
+                        </a:lnSpc>
+                        <a:spcBef>
+                          <a:spcPts val="0"/>
+                        </a:spcBef>
+                        <a:spcAft>
+                          <a:spcPts val="0"/>
+                        </a:spcAft>
+                        <a:buNone/>
+                      </a:pPr>
+                      <a:r>
+                        <a:rPr lang="en-GB" sz="1400" dirty="0">
+                          <a:solidFill>
+                            <a:schemeClr val="lt1"/>
+                          </a:solidFill>
+                        </a:rPr>
+                        <a:t>I want to</a:t>
+                      </a:r>
+                      <a:endParaRPr sz="1400" dirty="0">
+                        <a:solidFill>
+                          <a:schemeClr val="lt1"/>
+                        </a:solidFill>
+                      </a:endParaRPr>
+                    </a:p>
+                  </a:txBody>
+                  <a:tcPr marL="45720" marR="45720" anchor="ctr">
+                    <a:lnL w="9525" cap="flat" cmpd="sng">
+                      <a:solidFill>
+                        <a:schemeClr val="lt1"/>
+                      </a:solidFill>
+                      <a:prstDash val="solid"/>
+                      <a:round/>
+                      <a:headEnd type="none" w="sm" len="sm"/>
+                      <a:tailEnd type="none" w="sm" len="sm"/>
+                    </a:lnL>
+                    <a:lnR w="9525" cap="flat" cmpd="sng">
+                      <a:solidFill>
+                        <a:schemeClr val="lt1"/>
+                      </a:solidFill>
+                      <a:prstDash val="solid"/>
+                      <a:round/>
+                      <a:headEnd type="none" w="sm" len="sm"/>
+                      <a:tailEnd type="none" w="sm" len="sm"/>
+                    </a:lnR>
+                    <a:lnT w="9525" cap="flat" cmpd="sng">
+                      <a:solidFill>
+                        <a:schemeClr val="lt1"/>
+                      </a:solidFill>
+                      <a:prstDash val="solid"/>
+                      <a:round/>
+                      <a:headEnd type="none" w="sm" len="sm"/>
+                      <a:tailEnd type="none" w="sm" len="sm"/>
+                    </a:lnT>
+                    <a:lnB w="9525" cap="flat" cmpd="sng">
+                      <a:solidFill>
+                        <a:schemeClr val="lt1"/>
+                      </a:solidFill>
+                      <a:prstDash val="solid"/>
+                      <a:round/>
+                      <a:headEnd type="none" w="sm" len="sm"/>
+                      <a:tailEnd type="none" w="sm" len="sm"/>
+                    </a:lnB>
+                    <a:solidFill>
+                      <a:srgbClr val="000000"/>
+                    </a:solidFill>
+                  </a:tcPr>
+                </a:tc>
+                <a:tc>
+                  <a:txBody>
+                    <a:bodyPr/>
+                    <a:lstStyle/>
+                    <a:p>
+                      <a:pPr marL="0" lvl="0" indent="0" algn="ctr" rtl="0">
+                        <a:lnSpc>
+                          <a:spcPct val="100000"/>
+                        </a:lnSpc>
+                        <a:spcBef>
+                          <a:spcPts val="0"/>
+                        </a:spcBef>
+                        <a:spcAft>
+                          <a:spcPts val="0"/>
+                        </a:spcAft>
+                        <a:buNone/>
+                      </a:pPr>
+                      <a:r>
+                        <a:rPr lang="en-GB" sz="1400" dirty="0">
+                          <a:solidFill>
+                            <a:schemeClr val="lt1"/>
+                          </a:solidFill>
+                        </a:rPr>
+                        <a:t>so that...</a:t>
+                      </a:r>
+                      <a:endParaRPr sz="1400" dirty="0">
+                        <a:solidFill>
+                          <a:schemeClr val="lt1"/>
+                        </a:solidFill>
+                      </a:endParaRPr>
+                    </a:p>
+                  </a:txBody>
+                  <a:tcPr marL="45720" marR="45720" anchor="ctr">
+                    <a:lnL w="9525" cap="flat" cmpd="sng">
+                      <a:solidFill>
+                        <a:schemeClr val="lt1"/>
+                      </a:solidFill>
+                      <a:prstDash val="solid"/>
+                      <a:round/>
+                      <a:headEnd type="none" w="sm" len="sm"/>
+                      <a:tailEnd type="none" w="sm" len="sm"/>
+                    </a:lnL>
+                    <a:lnR w="9525" cap="flat" cmpd="sng">
+                      <a:solidFill>
+                        <a:schemeClr val="lt1"/>
+                      </a:solidFill>
+                      <a:prstDash val="solid"/>
+                      <a:round/>
+                      <a:headEnd type="none" w="sm" len="sm"/>
+                      <a:tailEnd type="none" w="sm" len="sm"/>
+                    </a:lnR>
+                    <a:lnT w="9525" cap="flat" cmpd="sng">
+                      <a:solidFill>
+                        <a:schemeClr val="lt1"/>
+                      </a:solidFill>
+                      <a:prstDash val="solid"/>
+                      <a:round/>
+                      <a:headEnd type="none" w="sm" len="sm"/>
+                      <a:tailEnd type="none" w="sm" len="sm"/>
+                    </a:lnT>
+                    <a:lnB w="9525" cap="flat" cmpd="sng">
+                      <a:solidFill>
+                        <a:schemeClr val="lt1"/>
+                      </a:solidFill>
+                      <a:prstDash val="solid"/>
+                      <a:round/>
+                      <a:headEnd type="none" w="sm" len="sm"/>
+                      <a:tailEnd type="none" w="sm" len="sm"/>
+                    </a:lnB>
+                    <a:solidFill>
+                      <a:srgbClr val="000000"/>
+                    </a:solidFill>
+                  </a:tcPr>
+                </a:tc>
+                <a:tc>
+                  <a:txBody>
+                    <a:bodyPr/>
+                    <a:lstStyle/>
+                    <a:p>
+                      <a:pPr marL="0" lvl="0" indent="0" algn="ctr" rtl="0">
+                        <a:lnSpc>
+                          <a:spcPct val="100000"/>
+                        </a:lnSpc>
+                        <a:spcBef>
+                          <a:spcPts val="0"/>
+                        </a:spcBef>
+                        <a:spcAft>
+                          <a:spcPts val="0"/>
+                        </a:spcAft>
+                        <a:buNone/>
+                      </a:pPr>
+                      <a:r>
+                        <a:rPr lang="en-GB" sz="1400" dirty="0">
+                          <a:solidFill>
+                            <a:schemeClr val="lt1"/>
+                          </a:solidFill>
+                        </a:rPr>
+                        <a:t>Estimation</a:t>
+                      </a:r>
+                      <a:endParaRPr sz="1400" dirty="0">
+                        <a:solidFill>
+                          <a:schemeClr val="lt1"/>
+                        </a:solidFill>
+                      </a:endParaRPr>
+                    </a:p>
+                  </a:txBody>
+                  <a:tcPr marL="45720" marR="45720" anchor="ctr">
+                    <a:lnL w="9525" cap="flat" cmpd="sng">
+                      <a:solidFill>
+                        <a:schemeClr val="lt1"/>
+                      </a:solidFill>
+                      <a:prstDash val="solid"/>
+                      <a:round/>
+                      <a:headEnd type="none" w="sm" len="sm"/>
+                      <a:tailEnd type="none" w="sm" len="sm"/>
+                    </a:lnL>
+                    <a:lnR w="9525" cap="flat" cmpd="sng">
+                      <a:solidFill>
+                        <a:schemeClr val="lt1"/>
+                      </a:solidFill>
+                      <a:prstDash val="solid"/>
+                      <a:round/>
+                      <a:headEnd type="none" w="sm" len="sm"/>
+                      <a:tailEnd type="none" w="sm" len="sm"/>
+                    </a:lnR>
+                    <a:lnT w="9525" cap="flat" cmpd="sng">
+                      <a:solidFill>
+                        <a:schemeClr val="lt1"/>
+                      </a:solidFill>
+                      <a:prstDash val="solid"/>
+                      <a:round/>
+                      <a:headEnd type="none" w="sm" len="sm"/>
+                      <a:tailEnd type="none" w="sm" len="sm"/>
+                    </a:lnT>
+                    <a:lnB w="9525" cap="flat" cmpd="sng">
+                      <a:solidFill>
+                        <a:schemeClr val="lt1"/>
+                      </a:solidFill>
+                      <a:prstDash val="solid"/>
+                      <a:round/>
+                      <a:headEnd type="none" w="sm" len="sm"/>
+                      <a:tailEnd type="none" w="sm" len="sm"/>
+                    </a:lnB>
+                    <a:solidFill>
+                      <a:srgbClr val="000000"/>
+                    </a:solidFill>
+                  </a:tcPr>
+                </a:tc>
+                <a:tc>
+                  <a:txBody>
+                    <a:bodyPr/>
+                    <a:lstStyle/>
+                    <a:p>
+                      <a:pPr marL="0" lvl="0" indent="0" algn="ctr" rtl="0">
+                        <a:lnSpc>
+                          <a:spcPct val="100000"/>
+                        </a:lnSpc>
+                        <a:spcBef>
+                          <a:spcPts val="0"/>
+                        </a:spcBef>
+                        <a:spcAft>
+                          <a:spcPts val="0"/>
+                        </a:spcAft>
+                        <a:buNone/>
+                      </a:pPr>
+                      <a:r>
+                        <a:rPr lang="en-GB" sz="1400" dirty="0">
+                          <a:solidFill>
+                            <a:schemeClr val="lt1"/>
+                          </a:solidFill>
+                        </a:rPr>
+                        <a:t>Priority</a:t>
+                      </a:r>
+                      <a:endParaRPr sz="1400" dirty="0">
+                        <a:solidFill>
+                          <a:schemeClr val="lt1"/>
+                        </a:solidFill>
+                      </a:endParaRPr>
+                    </a:p>
+                  </a:txBody>
+                  <a:tcPr marL="45720" marR="45720" anchor="ctr">
+                    <a:lnL w="9525" cap="flat" cmpd="sng">
+                      <a:solidFill>
+                        <a:schemeClr val="lt1"/>
+                      </a:solidFill>
+                      <a:prstDash val="solid"/>
+                      <a:round/>
+                      <a:headEnd type="none" w="sm" len="sm"/>
+                      <a:tailEnd type="none" w="sm" len="sm"/>
+                    </a:lnL>
+                    <a:lnR w="9525" cap="flat" cmpd="sng">
+                      <a:solidFill>
+                        <a:schemeClr val="lt1"/>
+                      </a:solidFill>
+                      <a:prstDash val="solid"/>
+                      <a:round/>
+                      <a:headEnd type="none" w="sm" len="sm"/>
+                      <a:tailEnd type="none" w="sm" len="sm"/>
+                    </a:lnR>
+                    <a:lnT w="9525" cap="flat" cmpd="sng">
+                      <a:solidFill>
+                        <a:schemeClr val="lt1"/>
+                      </a:solidFill>
+                      <a:prstDash val="solid"/>
+                      <a:round/>
+                      <a:headEnd type="none" w="sm" len="sm"/>
+                      <a:tailEnd type="none" w="sm" len="sm"/>
+                    </a:lnT>
+                    <a:lnB w="9525" cap="flat" cmpd="sng">
+                      <a:solidFill>
+                        <a:schemeClr val="lt1"/>
+                      </a:solidFill>
+                      <a:prstDash val="solid"/>
+                      <a:round/>
+                      <a:headEnd type="none" w="sm" len="sm"/>
+                      <a:tailEnd type="none" w="sm" len="sm"/>
+                    </a:lnB>
+                    <a:solidFill>
+                      <a:srgbClr val="000000"/>
+                    </a:solidFill>
+                  </a:tcPr>
+                </a:tc>
+                <a:tc>
+                  <a:txBody>
+                    <a:bodyPr/>
+                    <a:lstStyle/>
+                    <a:p>
+                      <a:pPr marL="0" lvl="0" indent="0" algn="ctr" rtl="0">
+                        <a:lnSpc>
+                          <a:spcPct val="100000"/>
+                        </a:lnSpc>
+                        <a:spcBef>
+                          <a:spcPts val="0"/>
+                        </a:spcBef>
+                        <a:spcAft>
+                          <a:spcPts val="0"/>
+                        </a:spcAft>
+                        <a:buNone/>
+                      </a:pPr>
+                      <a:r>
+                        <a:rPr lang="en-GB" sz="1400" dirty="0">
+                          <a:solidFill>
+                            <a:schemeClr val="lt1"/>
+                          </a:solidFill>
+                        </a:rPr>
+                        <a:t>Status</a:t>
+                      </a:r>
+                      <a:endParaRPr sz="1400" dirty="0">
+                        <a:solidFill>
+                          <a:schemeClr val="lt1"/>
+                        </a:solidFill>
+                      </a:endParaRPr>
+                    </a:p>
+                  </a:txBody>
+                  <a:tcPr marL="45720" marR="45720" anchor="ctr">
+                    <a:lnL w="9525" cap="flat" cmpd="sng">
+                      <a:solidFill>
+                        <a:schemeClr val="lt1"/>
+                      </a:solidFill>
+                      <a:prstDash val="solid"/>
+                      <a:round/>
+                      <a:headEnd type="none" w="sm" len="sm"/>
+                      <a:tailEnd type="none" w="sm" len="sm"/>
+                    </a:lnL>
+                    <a:lnR w="9525" cap="flat" cmpd="sng">
+                      <a:solidFill>
+                        <a:schemeClr val="lt1"/>
+                      </a:solidFill>
+                      <a:prstDash val="solid"/>
+                      <a:round/>
+                      <a:headEnd type="none" w="sm" len="sm"/>
+                      <a:tailEnd type="none" w="sm" len="sm"/>
+                    </a:lnR>
+                    <a:lnT w="9525" cap="flat" cmpd="sng">
+                      <a:solidFill>
+                        <a:schemeClr val="lt1"/>
+                      </a:solidFill>
+                      <a:prstDash val="solid"/>
+                      <a:round/>
+                      <a:headEnd type="none" w="sm" len="sm"/>
+                      <a:tailEnd type="none" w="sm" len="sm"/>
+                    </a:lnT>
+                    <a:lnB w="9525" cap="flat" cmpd="sng">
+                      <a:solidFill>
+                        <a:schemeClr val="lt1"/>
+                      </a:solidFill>
+                      <a:prstDash val="solid"/>
+                      <a:round/>
+                      <a:headEnd type="none" w="sm" len="sm"/>
+                      <a:tailEnd type="none" w="sm" len="sm"/>
+                    </a:lnB>
+                    <a:solidFill>
+                      <a:srgbClr val="000000"/>
+                    </a:solidFill>
+                  </a:tcPr>
+                </a:tc>
+                <a:extLst>
+                  <a:ext uri="{0D108BD9-81ED-4DB2-BD59-A6C34878D82A}">
+                    <a16:rowId xmlns:a16="http://schemas.microsoft.com/office/drawing/2014/main" val="10000"/>
+                  </a:ext>
+                </a:extLst>
+              </a:tr>
+              <a:tr h="360000">
+                <a:tc>
+                  <a:txBody>
+                    <a:bodyPr/>
+                    <a:lstStyle/>
+                    <a:p>
+                      <a:pPr marL="0" lvl="0" indent="0" algn="l" rtl="0">
+                        <a:lnSpc>
+                          <a:spcPct val="100000"/>
+                        </a:lnSpc>
+                        <a:spcBef>
+                          <a:spcPts val="0"/>
+                        </a:spcBef>
+                        <a:spcAft>
+                          <a:spcPts val="0"/>
+                        </a:spcAft>
+                        <a:buNone/>
+                      </a:pPr>
+                      <a:r>
+                        <a:rPr lang="en-GB" sz="1400" dirty="0"/>
+                        <a:t>1</a:t>
+                      </a:r>
+                      <a:endParaRPr sz="1400" dirty="0"/>
+                    </a:p>
+                  </a:txBody>
+                  <a:tcPr marL="45720" marR="45720" anchor="ctr">
+                    <a:lnT w="9525" cap="flat" cmpd="sng">
+                      <a:solidFill>
+                        <a:schemeClr val="lt1"/>
+                      </a:solidFill>
+                      <a:prstDash val="solid"/>
+                      <a:round/>
+                      <a:headEnd type="none" w="sm" len="sm"/>
+                      <a:tailEnd type="none" w="sm" len="sm"/>
+                    </a:lnT>
+                  </a:tcPr>
+                </a:tc>
+                <a:tc>
+                  <a:txBody>
+                    <a:bodyPr/>
+                    <a:lstStyle/>
+                    <a:p>
+                      <a:pPr marL="0" lvl="0" indent="0" algn="l" rtl="0">
+                        <a:lnSpc>
+                          <a:spcPct val="100000"/>
+                        </a:lnSpc>
+                        <a:spcBef>
+                          <a:spcPts val="0"/>
+                        </a:spcBef>
+                        <a:spcAft>
+                          <a:spcPts val="0"/>
+                        </a:spcAft>
+                        <a:buNone/>
+                      </a:pPr>
+                      <a:r>
+                        <a:rPr lang="en-GB" sz="1400" dirty="0"/>
+                        <a:t>User</a:t>
+                      </a:r>
+                      <a:endParaRPr sz="1400" dirty="0"/>
+                    </a:p>
+                  </a:txBody>
+                  <a:tcPr marL="45720" marR="45720" anchor="ctr">
+                    <a:lnT w="9525" cap="flat" cmpd="sng">
+                      <a:solidFill>
+                        <a:schemeClr val="lt1"/>
+                      </a:solidFill>
+                      <a:prstDash val="solid"/>
+                      <a:round/>
+                      <a:headEnd type="none" w="sm" len="sm"/>
+                      <a:tailEnd type="none" w="sm" len="sm"/>
+                    </a:lnT>
+                  </a:tcPr>
+                </a:tc>
+                <a:tc>
+                  <a:txBody>
+                    <a:bodyPr/>
+                    <a:lstStyle/>
+                    <a:p>
+                      <a:pPr marL="0" lvl="0" indent="0" algn="l" rtl="0">
+                        <a:lnSpc>
+                          <a:spcPct val="100000"/>
+                        </a:lnSpc>
+                        <a:spcBef>
+                          <a:spcPts val="0"/>
+                        </a:spcBef>
+                        <a:spcAft>
+                          <a:spcPts val="0"/>
+                        </a:spcAft>
+                        <a:buNone/>
+                      </a:pPr>
+                      <a:r>
+                        <a:rPr lang="en-GB" sz="1400" dirty="0">
+                          <a:solidFill>
+                            <a:schemeClr val="dk1"/>
+                          </a:solidFill>
+                        </a:rPr>
+                        <a:t>Receive suggested workouts</a:t>
+                      </a:r>
+                      <a:endParaRPr sz="1400" dirty="0"/>
+                    </a:p>
+                  </a:txBody>
+                  <a:tcPr marL="45720" marR="45720" anchor="ctr">
+                    <a:lnT w="9525" cap="flat" cmpd="sng">
+                      <a:solidFill>
+                        <a:schemeClr val="lt1"/>
+                      </a:solidFill>
+                      <a:prstDash val="solid"/>
+                      <a:round/>
+                      <a:headEnd type="none" w="sm" len="sm"/>
+                      <a:tailEnd type="none" w="sm" len="sm"/>
+                    </a:lnT>
+                  </a:tcPr>
+                </a:tc>
+                <a:tc>
+                  <a:txBody>
+                    <a:bodyPr/>
+                    <a:lstStyle/>
+                    <a:p>
+                      <a:pPr marL="0" lvl="0" indent="0" algn="l" rtl="0">
+                        <a:lnSpc>
+                          <a:spcPct val="100000"/>
+                        </a:lnSpc>
+                        <a:spcBef>
+                          <a:spcPts val="0"/>
+                        </a:spcBef>
+                        <a:spcAft>
+                          <a:spcPts val="0"/>
+                        </a:spcAft>
+                        <a:buNone/>
+                      </a:pPr>
+                      <a:r>
+                        <a:rPr lang="en-GB" sz="1400" dirty="0">
+                          <a:solidFill>
+                            <a:schemeClr val="dk1"/>
+                          </a:solidFill>
+                        </a:rPr>
+                        <a:t>I can follow the routines that are best for me. </a:t>
+                      </a:r>
+                      <a:endParaRPr sz="1400" dirty="0"/>
+                    </a:p>
+                  </a:txBody>
+                  <a:tcPr marL="45720" marR="45720" anchor="ctr">
+                    <a:lnT w="9525" cap="flat" cmpd="sng">
+                      <a:solidFill>
+                        <a:schemeClr val="lt1"/>
+                      </a:solidFill>
+                      <a:prstDash val="solid"/>
+                      <a:round/>
+                      <a:headEnd type="none" w="sm" len="sm"/>
+                      <a:tailEnd type="none" w="sm" len="sm"/>
+                    </a:lnT>
+                  </a:tcPr>
+                </a:tc>
+                <a:tc>
+                  <a:txBody>
+                    <a:bodyPr/>
+                    <a:lstStyle/>
+                    <a:p>
+                      <a:pPr marL="0" lvl="0" indent="0" algn="l" rtl="0">
+                        <a:lnSpc>
+                          <a:spcPct val="100000"/>
+                        </a:lnSpc>
+                        <a:spcBef>
+                          <a:spcPts val="0"/>
+                        </a:spcBef>
+                        <a:spcAft>
+                          <a:spcPts val="0"/>
+                        </a:spcAft>
+                        <a:buNone/>
+                      </a:pPr>
+                      <a:r>
+                        <a:rPr lang="en-GB" sz="1400" dirty="0"/>
+                        <a:t>3</a:t>
+                      </a:r>
+                      <a:endParaRPr sz="1400" dirty="0"/>
+                    </a:p>
+                  </a:txBody>
+                  <a:tcPr marL="45720" marR="45720" anchor="ctr">
+                    <a:lnT w="9525" cap="flat" cmpd="sng">
+                      <a:solidFill>
+                        <a:schemeClr val="lt1"/>
+                      </a:solidFill>
+                      <a:prstDash val="solid"/>
+                      <a:round/>
+                      <a:headEnd type="none" w="sm" len="sm"/>
+                      <a:tailEnd type="none" w="sm" len="sm"/>
+                    </a:lnT>
+                  </a:tcPr>
+                </a:tc>
+                <a:tc>
+                  <a:txBody>
+                    <a:bodyPr/>
+                    <a:lstStyle/>
+                    <a:p>
+                      <a:pPr marL="0" lvl="0" indent="0" algn="l" rtl="0">
+                        <a:lnSpc>
+                          <a:spcPct val="100000"/>
+                        </a:lnSpc>
+                        <a:spcBef>
+                          <a:spcPts val="0"/>
+                        </a:spcBef>
+                        <a:spcAft>
+                          <a:spcPts val="0"/>
+                        </a:spcAft>
+                        <a:buNone/>
+                      </a:pPr>
+                      <a:r>
+                        <a:rPr lang="en-GB" sz="1400" dirty="0"/>
+                        <a:t>1</a:t>
+                      </a:r>
+                      <a:endParaRPr sz="1400" dirty="0"/>
+                    </a:p>
+                  </a:txBody>
+                  <a:tcPr marL="45720" marR="45720" anchor="ctr">
+                    <a:lnT w="9525" cap="flat" cmpd="sng">
+                      <a:solidFill>
+                        <a:schemeClr val="lt1"/>
+                      </a:solidFill>
+                      <a:prstDash val="solid"/>
+                      <a:round/>
+                      <a:headEnd type="none" w="sm" len="sm"/>
+                      <a:tailEnd type="none" w="sm" len="sm"/>
+                    </a:lnT>
+                  </a:tcPr>
+                </a:tc>
+                <a:tc>
+                  <a:txBody>
+                    <a:bodyPr/>
+                    <a:lstStyle/>
+                    <a:p>
+                      <a:pPr marL="0" lvl="0" indent="0" algn="l" rtl="0">
+                        <a:lnSpc>
+                          <a:spcPct val="100000"/>
+                        </a:lnSpc>
+                        <a:spcBef>
+                          <a:spcPts val="0"/>
+                        </a:spcBef>
+                        <a:spcAft>
+                          <a:spcPts val="0"/>
+                        </a:spcAft>
+                        <a:buNone/>
+                      </a:pPr>
+                      <a:r>
+                        <a:rPr lang="en-GB" sz="1400" dirty="0"/>
+                        <a:t>Done</a:t>
+                      </a:r>
+                      <a:endParaRPr sz="1400" dirty="0"/>
+                    </a:p>
+                  </a:txBody>
+                  <a:tcPr marL="45720" marR="45720" anchor="ctr">
+                    <a:lnT w="9525" cap="flat" cmpd="sng">
+                      <a:solidFill>
+                        <a:schemeClr val="lt1"/>
+                      </a:solidFill>
+                      <a:prstDash val="solid"/>
+                      <a:round/>
+                      <a:headEnd type="none" w="sm" len="sm"/>
+                      <a:tailEnd type="none" w="sm" len="sm"/>
+                    </a:lnT>
+                  </a:tcPr>
+                </a:tc>
+                <a:extLst>
+                  <a:ext uri="{0D108BD9-81ED-4DB2-BD59-A6C34878D82A}">
+                    <a16:rowId xmlns:a16="http://schemas.microsoft.com/office/drawing/2014/main" val="10001"/>
+                  </a:ext>
+                </a:extLst>
+              </a:tr>
+              <a:tr h="360000">
+                <a:tc>
+                  <a:txBody>
+                    <a:bodyPr/>
+                    <a:lstStyle/>
+                    <a:p>
+                      <a:pPr marL="0" lvl="0" indent="0" algn="l" rtl="0">
+                        <a:lnSpc>
+                          <a:spcPct val="100000"/>
+                        </a:lnSpc>
+                        <a:spcBef>
+                          <a:spcPts val="0"/>
+                        </a:spcBef>
+                        <a:spcAft>
+                          <a:spcPts val="0"/>
+                        </a:spcAft>
+                        <a:buNone/>
+                      </a:pPr>
+                      <a:r>
+                        <a:rPr lang="en-GB" sz="1400" dirty="0"/>
+                        <a:t>2</a:t>
+                      </a:r>
+                      <a:endParaRPr sz="1400" dirty="0"/>
+                    </a:p>
+                  </a:txBody>
+                  <a:tcPr marL="45720" marR="45720" anchor="ctr"/>
+                </a:tc>
+                <a:tc>
+                  <a:txBody>
+                    <a:bodyPr/>
+                    <a:lstStyle/>
+                    <a:p>
+                      <a:pPr marL="0" lvl="0" indent="0" algn="l" rtl="0">
+                        <a:lnSpc>
+                          <a:spcPct val="100000"/>
+                        </a:lnSpc>
+                        <a:spcBef>
+                          <a:spcPts val="0"/>
+                        </a:spcBef>
+                        <a:spcAft>
+                          <a:spcPts val="0"/>
+                        </a:spcAft>
+                        <a:buClr>
+                          <a:schemeClr val="dk1"/>
+                        </a:buClr>
+                        <a:buSzPts val="800"/>
+                        <a:buFont typeface="Arial"/>
+                        <a:buNone/>
+                      </a:pPr>
+                      <a:r>
+                        <a:rPr lang="en-GB" sz="1400" dirty="0">
+                          <a:solidFill>
+                            <a:schemeClr val="dk1"/>
+                          </a:solidFill>
+                        </a:rPr>
+                        <a:t>Technician</a:t>
+                      </a:r>
+                      <a:endParaRPr sz="1400" dirty="0"/>
+                    </a:p>
+                  </a:txBody>
+                  <a:tcPr marL="45720" marR="45720" anchor="ctr"/>
+                </a:tc>
+                <a:tc>
+                  <a:txBody>
+                    <a:bodyPr/>
+                    <a:lstStyle/>
+                    <a:p>
+                      <a:pPr marL="0" lvl="0" indent="0" algn="l" rtl="0">
+                        <a:lnSpc>
+                          <a:spcPct val="100000"/>
+                        </a:lnSpc>
+                        <a:spcBef>
+                          <a:spcPts val="0"/>
+                        </a:spcBef>
+                        <a:spcAft>
+                          <a:spcPts val="0"/>
+                        </a:spcAft>
+                        <a:buNone/>
+                      </a:pPr>
+                      <a:r>
+                        <a:rPr lang="en-GB" sz="1400" dirty="0">
+                          <a:solidFill>
+                            <a:schemeClr val="dk1"/>
+                          </a:solidFill>
+                        </a:rPr>
+                        <a:t>Collect user feedback</a:t>
+                      </a:r>
+                      <a:endParaRPr sz="1400" dirty="0"/>
+                    </a:p>
+                  </a:txBody>
+                  <a:tcPr marL="45720" marR="45720" anchor="ctr"/>
+                </a:tc>
+                <a:tc>
+                  <a:txBody>
+                    <a:bodyPr/>
+                    <a:lstStyle/>
+                    <a:p>
+                      <a:pPr marL="0" lvl="0" indent="0" algn="l" rtl="0">
+                        <a:lnSpc>
+                          <a:spcPct val="100000"/>
+                        </a:lnSpc>
+                        <a:spcBef>
+                          <a:spcPts val="0"/>
+                        </a:spcBef>
+                        <a:spcAft>
+                          <a:spcPts val="0"/>
+                        </a:spcAft>
+                        <a:buNone/>
+                      </a:pPr>
+                      <a:r>
+                        <a:rPr lang="en-GB" sz="1400" dirty="0">
+                          <a:solidFill>
+                            <a:schemeClr val="dk1"/>
+                          </a:solidFill>
+                        </a:rPr>
+                        <a:t>The developers can make proper changes  </a:t>
+                      </a:r>
+                      <a:endParaRPr sz="1400" dirty="0"/>
+                    </a:p>
+                  </a:txBody>
+                  <a:tcPr marL="45720" marR="45720" anchor="ctr"/>
+                </a:tc>
+                <a:tc>
+                  <a:txBody>
+                    <a:bodyPr/>
+                    <a:lstStyle/>
+                    <a:p>
+                      <a:pPr marL="0" lvl="0" indent="0" algn="l" rtl="0">
+                        <a:lnSpc>
+                          <a:spcPct val="100000"/>
+                        </a:lnSpc>
+                        <a:spcBef>
+                          <a:spcPts val="0"/>
+                        </a:spcBef>
+                        <a:spcAft>
+                          <a:spcPts val="0"/>
+                        </a:spcAft>
+                        <a:buNone/>
+                      </a:pPr>
+                      <a:r>
+                        <a:rPr lang="en-GB" sz="1400" dirty="0"/>
+                        <a:t>2</a:t>
+                      </a:r>
+                      <a:endParaRPr sz="1400" dirty="0"/>
+                    </a:p>
+                  </a:txBody>
+                  <a:tcPr marL="45720" marR="45720" anchor="ctr"/>
+                </a:tc>
+                <a:tc>
+                  <a:txBody>
+                    <a:bodyPr/>
+                    <a:lstStyle/>
+                    <a:p>
+                      <a:pPr marL="0" lvl="0" indent="0" algn="l" rtl="0">
+                        <a:lnSpc>
+                          <a:spcPct val="100000"/>
+                        </a:lnSpc>
+                        <a:spcBef>
+                          <a:spcPts val="0"/>
+                        </a:spcBef>
+                        <a:spcAft>
+                          <a:spcPts val="0"/>
+                        </a:spcAft>
+                        <a:buNone/>
+                      </a:pPr>
+                      <a:r>
+                        <a:rPr lang="en-GB" sz="1400" dirty="0"/>
+                        <a:t>10</a:t>
+                      </a:r>
+                      <a:endParaRPr sz="1400" dirty="0"/>
+                    </a:p>
+                  </a:txBody>
+                  <a:tcPr marL="45720" marR="45720" anchor="ctr"/>
+                </a:tc>
+                <a:tc>
+                  <a:txBody>
+                    <a:bodyPr/>
+                    <a:lstStyle/>
+                    <a:p>
+                      <a:pPr marL="0" lvl="0" indent="0" algn="l" rtl="0">
+                        <a:lnSpc>
+                          <a:spcPct val="100000"/>
+                        </a:lnSpc>
+                        <a:spcBef>
+                          <a:spcPts val="0"/>
+                        </a:spcBef>
+                        <a:spcAft>
+                          <a:spcPts val="0"/>
+                        </a:spcAft>
+                        <a:buClr>
+                          <a:schemeClr val="dk1"/>
+                        </a:buClr>
+                        <a:buSzPts val="800"/>
+                        <a:buFont typeface="Arial"/>
+                        <a:buNone/>
+                      </a:pPr>
+                      <a:r>
+                        <a:rPr lang="en-GB" sz="1400" dirty="0">
+                          <a:solidFill>
+                            <a:schemeClr val="dk1"/>
+                          </a:solidFill>
+                        </a:rPr>
+                        <a:t>Done</a:t>
+                      </a:r>
+                      <a:endParaRPr sz="1400" dirty="0"/>
+                    </a:p>
+                  </a:txBody>
+                  <a:tcPr marL="45720" marR="45720" anchor="ctr"/>
+                </a:tc>
+                <a:extLst>
+                  <a:ext uri="{0D108BD9-81ED-4DB2-BD59-A6C34878D82A}">
+                    <a16:rowId xmlns:a16="http://schemas.microsoft.com/office/drawing/2014/main" val="10002"/>
+                  </a:ext>
+                </a:extLst>
+              </a:tr>
+              <a:tr h="360000">
+                <a:tc>
+                  <a:txBody>
+                    <a:bodyPr/>
+                    <a:lstStyle/>
+                    <a:p>
+                      <a:pPr marL="0" lvl="0" indent="0" algn="l" rtl="0">
+                        <a:lnSpc>
+                          <a:spcPct val="100000"/>
+                        </a:lnSpc>
+                        <a:spcBef>
+                          <a:spcPts val="0"/>
+                        </a:spcBef>
+                        <a:spcAft>
+                          <a:spcPts val="0"/>
+                        </a:spcAft>
+                        <a:buNone/>
+                      </a:pPr>
+                      <a:r>
+                        <a:rPr lang="en-GB" sz="1400" dirty="0"/>
+                        <a:t>3</a:t>
+                      </a:r>
+                      <a:endParaRPr sz="1400" dirty="0"/>
+                    </a:p>
+                  </a:txBody>
+                  <a:tcPr marL="45720" marR="45720" anchor="ctr"/>
+                </a:tc>
+                <a:tc>
+                  <a:txBody>
+                    <a:bodyPr/>
+                    <a:lstStyle/>
+                    <a:p>
+                      <a:pPr marL="0" lvl="0" indent="0" algn="l" rtl="0">
+                        <a:lnSpc>
+                          <a:spcPct val="100000"/>
+                        </a:lnSpc>
+                        <a:spcBef>
+                          <a:spcPts val="0"/>
+                        </a:spcBef>
+                        <a:spcAft>
+                          <a:spcPts val="0"/>
+                        </a:spcAft>
+                        <a:buClr>
+                          <a:schemeClr val="dk1"/>
+                        </a:buClr>
+                        <a:buSzPts val="800"/>
+                        <a:buFont typeface="Arial"/>
+                        <a:buNone/>
+                      </a:pPr>
+                      <a:r>
+                        <a:rPr lang="en-GB" sz="1400" dirty="0">
+                          <a:solidFill>
+                            <a:schemeClr val="dk1"/>
+                          </a:solidFill>
+                        </a:rPr>
+                        <a:t>Technician</a:t>
+                      </a:r>
+                      <a:endParaRPr sz="1400" dirty="0"/>
+                    </a:p>
+                  </a:txBody>
+                  <a:tcPr marL="45720" marR="45720" anchor="ctr"/>
+                </a:tc>
+                <a:tc>
+                  <a:txBody>
+                    <a:bodyPr/>
+                    <a:lstStyle/>
+                    <a:p>
+                      <a:pPr marL="0" lvl="0" indent="0" algn="l" rtl="0">
+                        <a:lnSpc>
+                          <a:spcPct val="100000"/>
+                        </a:lnSpc>
+                        <a:spcBef>
+                          <a:spcPts val="0"/>
+                        </a:spcBef>
+                        <a:spcAft>
+                          <a:spcPts val="0"/>
+                        </a:spcAft>
+                        <a:buNone/>
+                      </a:pPr>
+                      <a:r>
+                        <a:rPr lang="en-GB" sz="1400" dirty="0">
+                          <a:solidFill>
+                            <a:schemeClr val="dk1"/>
+                          </a:solidFill>
+                        </a:rPr>
+                        <a:t>Change a workout content </a:t>
+                      </a:r>
+                      <a:endParaRPr sz="1400"/>
+                    </a:p>
+                  </a:txBody>
+                  <a:tcPr marL="45720" marR="45720" anchor="ctr"/>
+                </a:tc>
+                <a:tc>
+                  <a:txBody>
+                    <a:bodyPr/>
+                    <a:lstStyle/>
+                    <a:p>
+                      <a:pPr marL="0" lvl="0" indent="0" algn="l" rtl="0">
+                        <a:lnSpc>
+                          <a:spcPct val="100000"/>
+                        </a:lnSpc>
+                        <a:spcBef>
+                          <a:spcPts val="0"/>
+                        </a:spcBef>
+                        <a:spcAft>
+                          <a:spcPts val="0"/>
+                        </a:spcAft>
+                        <a:buNone/>
+                      </a:pPr>
+                      <a:r>
+                        <a:rPr lang="en-GB" sz="1400" dirty="0">
+                          <a:solidFill>
+                            <a:schemeClr val="dk1"/>
+                          </a:solidFill>
+                        </a:rPr>
+                        <a:t> Users have most efficient exercises </a:t>
+                      </a:r>
+                      <a:endParaRPr sz="1400"/>
+                    </a:p>
+                  </a:txBody>
+                  <a:tcPr marL="45720" marR="45720" anchor="ctr"/>
+                </a:tc>
+                <a:tc>
+                  <a:txBody>
+                    <a:bodyPr/>
+                    <a:lstStyle/>
+                    <a:p>
+                      <a:pPr marL="0" lvl="0" indent="0" algn="l" rtl="0">
+                        <a:lnSpc>
+                          <a:spcPct val="100000"/>
+                        </a:lnSpc>
+                        <a:spcBef>
+                          <a:spcPts val="0"/>
+                        </a:spcBef>
+                        <a:spcAft>
+                          <a:spcPts val="0"/>
+                        </a:spcAft>
+                        <a:buNone/>
+                      </a:pPr>
+                      <a:r>
+                        <a:rPr lang="en-GB" sz="1400" dirty="0"/>
+                        <a:t>2</a:t>
+                      </a:r>
+                      <a:endParaRPr sz="1400" dirty="0"/>
+                    </a:p>
+                  </a:txBody>
+                  <a:tcPr marL="45720" marR="45720" anchor="ctr"/>
+                </a:tc>
+                <a:tc>
+                  <a:txBody>
+                    <a:bodyPr/>
+                    <a:lstStyle/>
+                    <a:p>
+                      <a:pPr marL="0" lvl="0" indent="0" algn="l" rtl="0">
+                        <a:lnSpc>
+                          <a:spcPct val="100000"/>
+                        </a:lnSpc>
+                        <a:spcBef>
+                          <a:spcPts val="0"/>
+                        </a:spcBef>
+                        <a:spcAft>
+                          <a:spcPts val="0"/>
+                        </a:spcAft>
+                        <a:buNone/>
+                      </a:pPr>
+                      <a:r>
+                        <a:rPr lang="en-GB" sz="1400" dirty="0"/>
+                        <a:t>4</a:t>
+                      </a:r>
+                      <a:endParaRPr sz="1400" dirty="0"/>
+                    </a:p>
+                  </a:txBody>
+                  <a:tcPr marL="45720" marR="45720" anchor="ctr"/>
+                </a:tc>
+                <a:tc>
+                  <a:txBody>
+                    <a:bodyPr/>
+                    <a:lstStyle/>
+                    <a:p>
+                      <a:pPr marL="0" lvl="0" indent="0" algn="l" rtl="0">
+                        <a:lnSpc>
+                          <a:spcPct val="100000"/>
+                        </a:lnSpc>
+                        <a:spcBef>
+                          <a:spcPts val="0"/>
+                        </a:spcBef>
+                        <a:spcAft>
+                          <a:spcPts val="0"/>
+                        </a:spcAft>
+                        <a:buClr>
+                          <a:schemeClr val="dk1"/>
+                        </a:buClr>
+                        <a:buSzPts val="800"/>
+                        <a:buFont typeface="Arial"/>
+                        <a:buNone/>
+                      </a:pPr>
+                      <a:r>
+                        <a:rPr lang="en-GB" sz="1400" dirty="0">
+                          <a:solidFill>
+                            <a:schemeClr val="dk1"/>
+                          </a:solidFill>
+                        </a:rPr>
+                        <a:t>Done</a:t>
+                      </a:r>
+                      <a:endParaRPr sz="1400" dirty="0"/>
+                    </a:p>
+                  </a:txBody>
+                  <a:tcPr marL="45720" marR="45720" anchor="ctr"/>
+                </a:tc>
+                <a:extLst>
+                  <a:ext uri="{0D108BD9-81ED-4DB2-BD59-A6C34878D82A}">
+                    <a16:rowId xmlns:a16="http://schemas.microsoft.com/office/drawing/2014/main" val="10003"/>
+                  </a:ext>
+                </a:extLst>
+              </a:tr>
+              <a:tr h="360000">
+                <a:tc>
+                  <a:txBody>
+                    <a:bodyPr/>
+                    <a:lstStyle/>
+                    <a:p>
+                      <a:pPr marL="0" lvl="0" indent="0" algn="l" rtl="0">
+                        <a:lnSpc>
+                          <a:spcPct val="100000"/>
+                        </a:lnSpc>
+                        <a:spcBef>
+                          <a:spcPts val="0"/>
+                        </a:spcBef>
+                        <a:spcAft>
+                          <a:spcPts val="0"/>
+                        </a:spcAft>
+                        <a:buNone/>
+                      </a:pPr>
+                      <a:r>
+                        <a:rPr lang="en-GB" sz="1400" dirty="0"/>
+                        <a:t>4</a:t>
+                      </a:r>
+                      <a:endParaRPr sz="1400" dirty="0"/>
+                    </a:p>
+                  </a:txBody>
+                  <a:tcPr marL="45720" marR="45720" anchor="ctr"/>
+                </a:tc>
+                <a:tc>
+                  <a:txBody>
+                    <a:bodyPr/>
+                    <a:lstStyle/>
+                    <a:p>
+                      <a:pPr marL="0" lvl="0" indent="0" algn="l" rtl="0">
+                        <a:lnSpc>
+                          <a:spcPct val="100000"/>
+                        </a:lnSpc>
+                        <a:spcBef>
+                          <a:spcPts val="0"/>
+                        </a:spcBef>
+                        <a:spcAft>
+                          <a:spcPts val="0"/>
+                        </a:spcAft>
+                        <a:buNone/>
+                      </a:pPr>
+                      <a:r>
+                        <a:rPr lang="en-GB" sz="1400" dirty="0">
+                          <a:solidFill>
+                            <a:schemeClr val="dk1"/>
+                          </a:solidFill>
+                        </a:rPr>
+                        <a:t>Technician</a:t>
+                      </a:r>
+                      <a:endParaRPr sz="1400" dirty="0"/>
+                    </a:p>
+                  </a:txBody>
+                  <a:tcPr marL="45720" marR="45720" anchor="ctr"/>
+                </a:tc>
+                <a:tc>
+                  <a:txBody>
+                    <a:bodyPr/>
+                    <a:lstStyle/>
+                    <a:p>
+                      <a:pPr marL="0" lvl="0" indent="0" algn="l" rtl="0">
+                        <a:lnSpc>
+                          <a:spcPct val="100000"/>
+                        </a:lnSpc>
+                        <a:spcBef>
+                          <a:spcPts val="0"/>
+                        </a:spcBef>
+                        <a:spcAft>
+                          <a:spcPts val="0"/>
+                        </a:spcAft>
+                        <a:buNone/>
+                      </a:pPr>
+                      <a:r>
+                        <a:rPr lang="en-GB" sz="1400" dirty="0">
+                          <a:solidFill>
+                            <a:schemeClr val="dk1"/>
+                          </a:solidFill>
+                        </a:rPr>
+                        <a:t>Communicate technical issues to the development team </a:t>
+                      </a:r>
+                      <a:endParaRPr sz="1400"/>
+                    </a:p>
+                  </a:txBody>
+                  <a:tcPr marL="45720" marR="45720" anchor="ctr"/>
+                </a:tc>
+                <a:tc>
+                  <a:txBody>
+                    <a:bodyPr/>
+                    <a:lstStyle/>
+                    <a:p>
+                      <a:pPr marL="0" lvl="0" indent="0" algn="l" rtl="0">
+                        <a:lnSpc>
+                          <a:spcPct val="100000"/>
+                        </a:lnSpc>
+                        <a:spcBef>
+                          <a:spcPts val="0"/>
+                        </a:spcBef>
+                        <a:spcAft>
+                          <a:spcPts val="0"/>
+                        </a:spcAft>
+                        <a:buNone/>
+                      </a:pPr>
+                      <a:r>
+                        <a:rPr lang="en-GB" sz="1400" dirty="0">
+                          <a:solidFill>
+                            <a:schemeClr val="dk1"/>
+                          </a:solidFill>
+                        </a:rPr>
+                        <a:t>The service is not disrupted for long </a:t>
+                      </a:r>
+                      <a:endParaRPr sz="1400"/>
+                    </a:p>
+                  </a:txBody>
+                  <a:tcPr marL="45720" marR="45720" anchor="ctr"/>
+                </a:tc>
+                <a:tc>
+                  <a:txBody>
+                    <a:bodyPr/>
+                    <a:lstStyle/>
+                    <a:p>
+                      <a:pPr marL="0" lvl="0" indent="0" algn="l" rtl="0">
+                        <a:lnSpc>
+                          <a:spcPct val="100000"/>
+                        </a:lnSpc>
+                        <a:spcBef>
+                          <a:spcPts val="0"/>
+                        </a:spcBef>
+                        <a:spcAft>
+                          <a:spcPts val="0"/>
+                        </a:spcAft>
+                        <a:buNone/>
+                      </a:pPr>
+                      <a:r>
+                        <a:rPr lang="en-GB" sz="1400" dirty="0"/>
+                        <a:t>1</a:t>
+                      </a:r>
+                      <a:endParaRPr sz="1400" dirty="0"/>
+                    </a:p>
+                  </a:txBody>
+                  <a:tcPr marL="45720" marR="45720" anchor="ctr"/>
+                </a:tc>
+                <a:tc>
+                  <a:txBody>
+                    <a:bodyPr/>
+                    <a:lstStyle/>
+                    <a:p>
+                      <a:pPr marL="0" lvl="0" indent="0" algn="l" rtl="0">
+                        <a:lnSpc>
+                          <a:spcPct val="100000"/>
+                        </a:lnSpc>
+                        <a:spcBef>
+                          <a:spcPts val="0"/>
+                        </a:spcBef>
+                        <a:spcAft>
+                          <a:spcPts val="0"/>
+                        </a:spcAft>
+                        <a:buNone/>
+                      </a:pPr>
+                      <a:r>
+                        <a:rPr lang="en-GB" sz="1400" dirty="0"/>
+                        <a:t>3</a:t>
+                      </a:r>
+                      <a:endParaRPr sz="1400" dirty="0"/>
+                    </a:p>
+                  </a:txBody>
+                  <a:tcPr marL="45720" marR="45720" anchor="ctr"/>
+                </a:tc>
+                <a:tc>
+                  <a:txBody>
+                    <a:bodyPr/>
+                    <a:lstStyle/>
+                    <a:p>
+                      <a:pPr marL="0" lvl="0" indent="0" algn="l" rtl="0">
+                        <a:lnSpc>
+                          <a:spcPct val="100000"/>
+                        </a:lnSpc>
+                        <a:spcBef>
+                          <a:spcPts val="0"/>
+                        </a:spcBef>
+                        <a:spcAft>
+                          <a:spcPts val="0"/>
+                        </a:spcAft>
+                        <a:buClr>
+                          <a:schemeClr val="dk1"/>
+                        </a:buClr>
+                        <a:buSzPts val="800"/>
+                        <a:buFont typeface="Arial"/>
+                        <a:buNone/>
+                      </a:pPr>
+                      <a:r>
+                        <a:rPr lang="en-GB" sz="1400" dirty="0">
+                          <a:solidFill>
+                            <a:schemeClr val="dk1"/>
+                          </a:solidFill>
+                        </a:rPr>
+                        <a:t>Done</a:t>
+                      </a:r>
+                      <a:endParaRPr sz="1400" dirty="0"/>
+                    </a:p>
+                  </a:txBody>
+                  <a:tcPr marL="45720" marR="45720" anchor="ctr"/>
+                </a:tc>
+                <a:extLst>
+                  <a:ext uri="{0D108BD9-81ED-4DB2-BD59-A6C34878D82A}">
+                    <a16:rowId xmlns:a16="http://schemas.microsoft.com/office/drawing/2014/main" val="10004"/>
+                  </a:ext>
+                </a:extLst>
+              </a:tr>
+              <a:tr h="360000">
+                <a:tc>
+                  <a:txBody>
+                    <a:bodyPr/>
+                    <a:lstStyle/>
+                    <a:p>
+                      <a:pPr marL="0" lvl="0" indent="0" algn="l" rtl="0">
+                        <a:lnSpc>
+                          <a:spcPct val="100000"/>
+                        </a:lnSpc>
+                        <a:spcBef>
+                          <a:spcPts val="0"/>
+                        </a:spcBef>
+                        <a:spcAft>
+                          <a:spcPts val="0"/>
+                        </a:spcAft>
+                        <a:buNone/>
+                      </a:pPr>
+                      <a:r>
+                        <a:rPr lang="en-GB" sz="1400" dirty="0"/>
+                        <a:t>5</a:t>
+                      </a:r>
+                      <a:endParaRPr sz="1400" dirty="0"/>
+                    </a:p>
+                  </a:txBody>
+                  <a:tcPr marL="45720" marR="45720" anchor="ctr"/>
+                </a:tc>
+                <a:tc>
+                  <a:txBody>
+                    <a:bodyPr/>
+                    <a:lstStyle/>
+                    <a:p>
+                      <a:pPr marL="0" lvl="0" indent="0" algn="l" rtl="0">
+                        <a:lnSpc>
+                          <a:spcPct val="100000"/>
+                        </a:lnSpc>
+                        <a:spcBef>
+                          <a:spcPts val="0"/>
+                        </a:spcBef>
+                        <a:spcAft>
+                          <a:spcPts val="0"/>
+                        </a:spcAft>
+                        <a:buClr>
+                          <a:schemeClr val="dk1"/>
+                        </a:buClr>
+                        <a:buSzPts val="800"/>
+                        <a:buFont typeface="Arial"/>
+                        <a:buNone/>
+                      </a:pPr>
+                      <a:r>
+                        <a:rPr lang="en-GB" sz="1400" dirty="0">
+                          <a:solidFill>
+                            <a:schemeClr val="dk1"/>
+                          </a:solidFill>
+                        </a:rPr>
+                        <a:t>Technician</a:t>
+                      </a:r>
+                      <a:endParaRPr sz="1400" dirty="0"/>
+                    </a:p>
+                  </a:txBody>
+                  <a:tcPr marL="45720" marR="45720" anchor="ctr"/>
+                </a:tc>
+                <a:tc>
+                  <a:txBody>
+                    <a:bodyPr/>
+                    <a:lstStyle/>
+                    <a:p>
+                      <a:pPr marL="0" lvl="0" indent="0" algn="l" rtl="0">
+                        <a:lnSpc>
+                          <a:spcPct val="100000"/>
+                        </a:lnSpc>
+                        <a:spcBef>
+                          <a:spcPts val="0"/>
+                        </a:spcBef>
+                        <a:spcAft>
+                          <a:spcPts val="0"/>
+                        </a:spcAft>
+                        <a:buNone/>
+                      </a:pPr>
+                      <a:r>
+                        <a:rPr lang="en-GB" sz="1400" dirty="0">
+                          <a:solidFill>
+                            <a:schemeClr val="dk1"/>
+                          </a:solidFill>
+                        </a:rPr>
+                        <a:t>Modify personal data stored by the application</a:t>
+                      </a:r>
+                      <a:endParaRPr sz="1400" dirty="0"/>
+                    </a:p>
+                  </a:txBody>
+                  <a:tcPr marL="45720" marR="45720" anchor="ctr"/>
+                </a:tc>
+                <a:tc>
+                  <a:txBody>
+                    <a:bodyPr/>
+                    <a:lstStyle/>
+                    <a:p>
+                      <a:pPr marL="0" lvl="0" indent="0" algn="l" rtl="0">
+                        <a:lnSpc>
+                          <a:spcPct val="100000"/>
+                        </a:lnSpc>
+                        <a:spcBef>
+                          <a:spcPts val="0"/>
+                        </a:spcBef>
+                        <a:spcAft>
+                          <a:spcPts val="0"/>
+                        </a:spcAft>
+                        <a:buNone/>
+                      </a:pPr>
+                      <a:r>
+                        <a:rPr lang="en-GB" sz="1400" dirty="0">
+                          <a:solidFill>
+                            <a:schemeClr val="dk1"/>
+                          </a:solidFill>
+                        </a:rPr>
+                        <a:t>The information is up to date</a:t>
+                      </a:r>
+                      <a:endParaRPr sz="1400" dirty="0"/>
+                    </a:p>
+                  </a:txBody>
+                  <a:tcPr marL="45720" marR="45720" anchor="ctr"/>
+                </a:tc>
+                <a:tc>
+                  <a:txBody>
+                    <a:bodyPr/>
+                    <a:lstStyle/>
+                    <a:p>
+                      <a:pPr marL="0" lvl="0" indent="0" algn="l" rtl="0">
+                        <a:lnSpc>
+                          <a:spcPct val="100000"/>
+                        </a:lnSpc>
+                        <a:spcBef>
+                          <a:spcPts val="0"/>
+                        </a:spcBef>
+                        <a:spcAft>
+                          <a:spcPts val="0"/>
+                        </a:spcAft>
+                        <a:buNone/>
+                      </a:pPr>
+                      <a:r>
+                        <a:rPr lang="en-GB" sz="1400" dirty="0"/>
+                        <a:t>3</a:t>
+                      </a:r>
+                      <a:endParaRPr sz="1400" dirty="0"/>
+                    </a:p>
+                  </a:txBody>
+                  <a:tcPr marL="45720" marR="45720" anchor="ctr"/>
+                </a:tc>
+                <a:tc>
+                  <a:txBody>
+                    <a:bodyPr/>
+                    <a:lstStyle/>
+                    <a:p>
+                      <a:pPr marL="0" lvl="0" indent="0" algn="l" rtl="0">
+                        <a:lnSpc>
+                          <a:spcPct val="100000"/>
+                        </a:lnSpc>
+                        <a:spcBef>
+                          <a:spcPts val="0"/>
+                        </a:spcBef>
+                        <a:spcAft>
+                          <a:spcPts val="0"/>
+                        </a:spcAft>
+                        <a:buNone/>
+                      </a:pPr>
+                      <a:r>
+                        <a:rPr lang="en-GB" sz="1400" dirty="0"/>
+                        <a:t>5</a:t>
+                      </a:r>
+                      <a:endParaRPr sz="1400" dirty="0"/>
+                    </a:p>
+                  </a:txBody>
+                  <a:tcPr marL="45720" marR="45720" anchor="ctr"/>
+                </a:tc>
+                <a:tc>
+                  <a:txBody>
+                    <a:bodyPr/>
+                    <a:lstStyle/>
+                    <a:p>
+                      <a:pPr marL="0" lvl="0" indent="0" algn="l" rtl="0">
+                        <a:lnSpc>
+                          <a:spcPct val="100000"/>
+                        </a:lnSpc>
+                        <a:spcBef>
+                          <a:spcPts val="0"/>
+                        </a:spcBef>
+                        <a:spcAft>
+                          <a:spcPts val="0"/>
+                        </a:spcAft>
+                        <a:buClr>
+                          <a:schemeClr val="dk1"/>
+                        </a:buClr>
+                        <a:buSzPts val="800"/>
+                        <a:buFont typeface="Arial"/>
+                        <a:buNone/>
+                      </a:pPr>
+                      <a:r>
+                        <a:rPr lang="en-GB" sz="1400" dirty="0">
+                          <a:solidFill>
+                            <a:schemeClr val="dk1"/>
+                          </a:solidFill>
+                        </a:rPr>
+                        <a:t>Done</a:t>
+                      </a:r>
+                      <a:endParaRPr sz="1400" dirty="0"/>
+                    </a:p>
+                  </a:txBody>
+                  <a:tcPr marL="45720" marR="45720" anchor="ctr"/>
+                </a:tc>
+                <a:extLst>
+                  <a:ext uri="{0D108BD9-81ED-4DB2-BD59-A6C34878D82A}">
+                    <a16:rowId xmlns:a16="http://schemas.microsoft.com/office/drawing/2014/main" val="10005"/>
+                  </a:ext>
+                </a:extLst>
+              </a:tr>
+              <a:tr h="360000">
+                <a:tc>
+                  <a:txBody>
+                    <a:bodyPr/>
+                    <a:lstStyle/>
+                    <a:p>
+                      <a:pPr marL="0" lvl="0" indent="0" algn="l" rtl="0">
+                        <a:lnSpc>
+                          <a:spcPct val="100000"/>
+                        </a:lnSpc>
+                        <a:spcBef>
+                          <a:spcPts val="0"/>
+                        </a:spcBef>
+                        <a:spcAft>
+                          <a:spcPts val="0"/>
+                        </a:spcAft>
+                        <a:buNone/>
+                      </a:pPr>
+                      <a:r>
+                        <a:rPr lang="en-GB" sz="1400" dirty="0"/>
+                        <a:t>6</a:t>
+                      </a:r>
+                      <a:endParaRPr sz="1400" dirty="0"/>
+                    </a:p>
+                  </a:txBody>
+                  <a:tcPr marL="45720" marR="45720" anchor="ctr"/>
+                </a:tc>
+                <a:tc>
+                  <a:txBody>
+                    <a:bodyPr/>
+                    <a:lstStyle/>
+                    <a:p>
+                      <a:pPr marL="0" lvl="0" indent="0" algn="l" rtl="0">
+                        <a:lnSpc>
+                          <a:spcPct val="100000"/>
+                        </a:lnSpc>
+                        <a:spcBef>
+                          <a:spcPts val="0"/>
+                        </a:spcBef>
+                        <a:spcAft>
+                          <a:spcPts val="0"/>
+                        </a:spcAft>
+                        <a:buClr>
+                          <a:schemeClr val="dk1"/>
+                        </a:buClr>
+                        <a:buSzPts val="800"/>
+                        <a:buFont typeface="Arial"/>
+                        <a:buNone/>
+                      </a:pPr>
+                      <a:r>
+                        <a:rPr lang="en-GB" sz="1400" dirty="0">
+                          <a:solidFill>
+                            <a:schemeClr val="dk1"/>
+                          </a:solidFill>
+                        </a:rPr>
+                        <a:t>User</a:t>
+                      </a:r>
+                      <a:endParaRPr sz="1400" dirty="0"/>
+                    </a:p>
+                  </a:txBody>
+                  <a:tcPr marL="45720" marR="45720" anchor="ctr"/>
+                </a:tc>
+                <a:tc>
+                  <a:txBody>
+                    <a:bodyPr/>
+                    <a:lstStyle/>
+                    <a:p>
+                      <a:pPr marL="0" lvl="0" indent="0" algn="l" rtl="0">
+                        <a:lnSpc>
+                          <a:spcPct val="100000"/>
+                        </a:lnSpc>
+                        <a:spcBef>
+                          <a:spcPts val="0"/>
+                        </a:spcBef>
+                        <a:spcAft>
+                          <a:spcPts val="0"/>
+                        </a:spcAft>
+                        <a:buNone/>
+                      </a:pPr>
+                      <a:r>
+                        <a:rPr lang="en-GB" sz="1400" dirty="0">
+                          <a:solidFill>
+                            <a:schemeClr val="dk1"/>
+                          </a:solidFill>
+                        </a:rPr>
+                        <a:t>Change  workout preference any time </a:t>
+                      </a:r>
+                      <a:endParaRPr sz="1400"/>
+                    </a:p>
+                  </a:txBody>
+                  <a:tcPr marL="45720" marR="45720" anchor="ctr"/>
+                </a:tc>
+                <a:tc>
+                  <a:txBody>
+                    <a:bodyPr/>
+                    <a:lstStyle/>
+                    <a:p>
+                      <a:pPr marL="0" lvl="0" indent="0" algn="l" rtl="0">
+                        <a:lnSpc>
+                          <a:spcPct val="100000"/>
+                        </a:lnSpc>
+                        <a:spcBef>
+                          <a:spcPts val="0"/>
+                        </a:spcBef>
+                        <a:spcAft>
+                          <a:spcPts val="0"/>
+                        </a:spcAft>
+                        <a:buNone/>
+                      </a:pPr>
+                      <a:r>
+                        <a:rPr lang="en-GB" sz="1400" dirty="0">
+                          <a:solidFill>
+                            <a:schemeClr val="dk1"/>
+                          </a:solidFill>
+                        </a:rPr>
+                        <a:t>I can try a different exercise</a:t>
+                      </a:r>
+                      <a:endParaRPr sz="1400" dirty="0"/>
+                    </a:p>
+                  </a:txBody>
+                  <a:tcPr marL="45720" marR="45720" anchor="ctr"/>
+                </a:tc>
+                <a:tc>
+                  <a:txBody>
+                    <a:bodyPr/>
+                    <a:lstStyle/>
+                    <a:p>
+                      <a:pPr marL="0" lvl="0" indent="0" algn="l" rtl="0">
+                        <a:lnSpc>
+                          <a:spcPct val="100000"/>
+                        </a:lnSpc>
+                        <a:spcBef>
+                          <a:spcPts val="0"/>
+                        </a:spcBef>
+                        <a:spcAft>
+                          <a:spcPts val="0"/>
+                        </a:spcAft>
+                        <a:buNone/>
+                      </a:pPr>
+                      <a:r>
+                        <a:rPr lang="en-GB" sz="1400" dirty="0"/>
+                        <a:t>2</a:t>
+                      </a:r>
+                      <a:endParaRPr sz="1400" dirty="0"/>
+                    </a:p>
+                  </a:txBody>
+                  <a:tcPr marL="45720" marR="45720" anchor="ctr"/>
+                </a:tc>
+                <a:tc>
+                  <a:txBody>
+                    <a:bodyPr/>
+                    <a:lstStyle/>
+                    <a:p>
+                      <a:pPr marL="0" lvl="0" indent="0" algn="l" rtl="0">
+                        <a:lnSpc>
+                          <a:spcPct val="100000"/>
+                        </a:lnSpc>
+                        <a:spcBef>
+                          <a:spcPts val="0"/>
+                        </a:spcBef>
+                        <a:spcAft>
+                          <a:spcPts val="0"/>
+                        </a:spcAft>
+                        <a:buNone/>
+                      </a:pPr>
+                      <a:r>
+                        <a:rPr lang="en-GB" sz="1400" dirty="0"/>
+                        <a:t>9</a:t>
+                      </a:r>
+                      <a:endParaRPr sz="1400" dirty="0"/>
+                    </a:p>
+                  </a:txBody>
+                  <a:tcPr marL="45720" marR="45720" anchor="ctr"/>
+                </a:tc>
+                <a:tc>
+                  <a:txBody>
+                    <a:bodyPr/>
+                    <a:lstStyle/>
+                    <a:p>
+                      <a:pPr marL="0" lvl="0" indent="0" algn="l" rtl="0">
+                        <a:lnSpc>
+                          <a:spcPct val="100000"/>
+                        </a:lnSpc>
+                        <a:spcBef>
+                          <a:spcPts val="0"/>
+                        </a:spcBef>
+                        <a:spcAft>
+                          <a:spcPts val="0"/>
+                        </a:spcAft>
+                        <a:buClr>
+                          <a:schemeClr val="dk1"/>
+                        </a:buClr>
+                        <a:buSzPts val="800"/>
+                        <a:buFont typeface="Arial"/>
+                        <a:buNone/>
+                      </a:pPr>
+                      <a:r>
+                        <a:rPr lang="en-GB" sz="1400" dirty="0">
+                          <a:solidFill>
+                            <a:schemeClr val="dk1"/>
+                          </a:solidFill>
+                        </a:rPr>
+                        <a:t>Done</a:t>
+                      </a:r>
+                      <a:endParaRPr sz="1400" dirty="0"/>
+                    </a:p>
+                  </a:txBody>
+                  <a:tcPr marL="45720" marR="45720" anchor="ctr"/>
+                </a:tc>
+                <a:extLst>
+                  <a:ext uri="{0D108BD9-81ED-4DB2-BD59-A6C34878D82A}">
+                    <a16:rowId xmlns:a16="http://schemas.microsoft.com/office/drawing/2014/main" val="10006"/>
+                  </a:ext>
+                </a:extLst>
+              </a:tr>
+              <a:tr h="360000">
+                <a:tc>
+                  <a:txBody>
+                    <a:bodyPr/>
+                    <a:lstStyle/>
+                    <a:p>
+                      <a:pPr marL="0" lvl="0" indent="0" algn="l" rtl="0">
+                        <a:lnSpc>
+                          <a:spcPct val="100000"/>
+                        </a:lnSpc>
+                        <a:spcBef>
+                          <a:spcPts val="0"/>
+                        </a:spcBef>
+                        <a:spcAft>
+                          <a:spcPts val="0"/>
+                        </a:spcAft>
+                        <a:buNone/>
+                      </a:pPr>
+                      <a:r>
+                        <a:rPr lang="en-GB" sz="1400" dirty="0"/>
+                        <a:t>7</a:t>
+                      </a:r>
+                      <a:endParaRPr sz="1400" dirty="0"/>
+                    </a:p>
+                  </a:txBody>
+                  <a:tcPr marL="45720" marR="45720" anchor="ctr"/>
+                </a:tc>
+                <a:tc>
+                  <a:txBody>
+                    <a:bodyPr/>
+                    <a:lstStyle/>
+                    <a:p>
+                      <a:pPr marL="0" lvl="0" indent="0" algn="l" rtl="0">
+                        <a:lnSpc>
+                          <a:spcPct val="100000"/>
+                        </a:lnSpc>
+                        <a:spcBef>
+                          <a:spcPts val="0"/>
+                        </a:spcBef>
+                        <a:spcAft>
+                          <a:spcPts val="0"/>
+                        </a:spcAft>
+                        <a:buNone/>
+                      </a:pPr>
+                      <a:r>
+                        <a:rPr lang="en-GB" sz="1400" dirty="0">
+                          <a:solidFill>
+                            <a:schemeClr val="dk1"/>
+                          </a:solidFill>
+                        </a:rPr>
+                        <a:t>User</a:t>
+                      </a:r>
+                      <a:endParaRPr sz="1400" dirty="0"/>
+                    </a:p>
+                  </a:txBody>
+                  <a:tcPr marL="45720" marR="45720" anchor="ctr"/>
+                </a:tc>
+                <a:tc>
+                  <a:txBody>
+                    <a:bodyPr/>
+                    <a:lstStyle/>
+                    <a:p>
+                      <a:pPr marL="0" lvl="0" indent="0" algn="l" rtl="0">
+                        <a:lnSpc>
+                          <a:spcPct val="100000"/>
+                        </a:lnSpc>
+                        <a:spcBef>
+                          <a:spcPts val="0"/>
+                        </a:spcBef>
+                        <a:spcAft>
+                          <a:spcPts val="0"/>
+                        </a:spcAft>
+                        <a:buNone/>
+                      </a:pPr>
+                      <a:r>
+                        <a:rPr lang="en-GB" sz="1400" dirty="0">
+                          <a:solidFill>
+                            <a:schemeClr val="dk1"/>
+                          </a:solidFill>
+                        </a:rPr>
+                        <a:t>Contact technical support </a:t>
+                      </a:r>
+                      <a:endParaRPr sz="1400"/>
+                    </a:p>
+                  </a:txBody>
+                  <a:tcPr marL="45720" marR="45720" anchor="ctr"/>
+                </a:tc>
+                <a:tc>
+                  <a:txBody>
+                    <a:bodyPr/>
+                    <a:lstStyle/>
+                    <a:p>
+                      <a:pPr marL="0" lvl="0" indent="0" algn="l" rtl="0">
+                        <a:lnSpc>
+                          <a:spcPct val="100000"/>
+                        </a:lnSpc>
+                        <a:spcBef>
+                          <a:spcPts val="0"/>
+                        </a:spcBef>
+                        <a:spcAft>
+                          <a:spcPts val="0"/>
+                        </a:spcAft>
+                        <a:buNone/>
+                      </a:pPr>
+                      <a:r>
+                        <a:rPr lang="en-GB" sz="1400" dirty="0">
+                          <a:solidFill>
+                            <a:schemeClr val="dk1"/>
+                          </a:solidFill>
+                        </a:rPr>
+                        <a:t>Problem is quickly fixed and they  can continue using the application. </a:t>
+                      </a:r>
+                      <a:endParaRPr sz="1400" dirty="0"/>
+                    </a:p>
+                  </a:txBody>
+                  <a:tcPr marL="45720" marR="45720" anchor="ctr"/>
+                </a:tc>
+                <a:tc>
+                  <a:txBody>
+                    <a:bodyPr/>
+                    <a:lstStyle/>
+                    <a:p>
+                      <a:pPr marL="0" lvl="0" indent="0" algn="l" rtl="0">
+                        <a:lnSpc>
+                          <a:spcPct val="100000"/>
+                        </a:lnSpc>
+                        <a:spcBef>
+                          <a:spcPts val="0"/>
+                        </a:spcBef>
+                        <a:spcAft>
+                          <a:spcPts val="0"/>
+                        </a:spcAft>
+                        <a:buNone/>
+                      </a:pPr>
+                      <a:r>
+                        <a:rPr lang="en-GB" sz="1400" dirty="0"/>
+                        <a:t>1</a:t>
+                      </a:r>
+                      <a:endParaRPr sz="1400" dirty="0"/>
+                    </a:p>
+                  </a:txBody>
+                  <a:tcPr marL="45720" marR="45720" anchor="ctr"/>
+                </a:tc>
+                <a:tc>
+                  <a:txBody>
+                    <a:bodyPr/>
+                    <a:lstStyle/>
+                    <a:p>
+                      <a:pPr marL="0" lvl="0" indent="0" algn="l" rtl="0">
+                        <a:lnSpc>
+                          <a:spcPct val="100000"/>
+                        </a:lnSpc>
+                        <a:spcBef>
+                          <a:spcPts val="0"/>
+                        </a:spcBef>
+                        <a:spcAft>
+                          <a:spcPts val="0"/>
+                        </a:spcAft>
+                        <a:buNone/>
+                      </a:pPr>
+                      <a:r>
+                        <a:rPr lang="en-GB" sz="1400" dirty="0"/>
+                        <a:t>8</a:t>
+                      </a:r>
+                      <a:endParaRPr sz="1400" dirty="0"/>
+                    </a:p>
+                  </a:txBody>
+                  <a:tcPr marL="45720" marR="45720" anchor="ctr"/>
+                </a:tc>
+                <a:tc>
+                  <a:txBody>
+                    <a:bodyPr/>
+                    <a:lstStyle/>
+                    <a:p>
+                      <a:pPr marL="0" lvl="0" indent="0" algn="l" rtl="0">
+                        <a:lnSpc>
+                          <a:spcPct val="100000"/>
+                        </a:lnSpc>
+                        <a:spcBef>
+                          <a:spcPts val="0"/>
+                        </a:spcBef>
+                        <a:spcAft>
+                          <a:spcPts val="0"/>
+                        </a:spcAft>
+                        <a:buClr>
+                          <a:schemeClr val="dk1"/>
+                        </a:buClr>
+                        <a:buSzPts val="800"/>
+                        <a:buFont typeface="Arial"/>
+                        <a:buNone/>
+                      </a:pPr>
+                      <a:r>
+                        <a:rPr lang="en-GB" sz="1400" dirty="0">
+                          <a:solidFill>
+                            <a:schemeClr val="dk1"/>
+                          </a:solidFill>
+                        </a:rPr>
+                        <a:t>Done</a:t>
+                      </a:r>
+                      <a:endParaRPr sz="1400" dirty="0"/>
+                    </a:p>
+                  </a:txBody>
+                  <a:tcPr marL="45720" marR="45720" anchor="ctr"/>
+                </a:tc>
+                <a:extLst>
+                  <a:ext uri="{0D108BD9-81ED-4DB2-BD59-A6C34878D82A}">
+                    <a16:rowId xmlns:a16="http://schemas.microsoft.com/office/drawing/2014/main" val="10007"/>
+                  </a:ext>
+                </a:extLst>
+              </a:tr>
+              <a:tr h="360000">
+                <a:tc>
+                  <a:txBody>
+                    <a:bodyPr/>
+                    <a:lstStyle/>
+                    <a:p>
+                      <a:pPr marL="0" lvl="0" indent="0" algn="l" rtl="0">
+                        <a:lnSpc>
+                          <a:spcPct val="100000"/>
+                        </a:lnSpc>
+                        <a:spcBef>
+                          <a:spcPts val="0"/>
+                        </a:spcBef>
+                        <a:spcAft>
+                          <a:spcPts val="0"/>
+                        </a:spcAft>
+                        <a:buNone/>
+                      </a:pPr>
+                      <a:r>
+                        <a:rPr lang="en-GB" sz="1400" dirty="0"/>
+                        <a:t>8</a:t>
+                      </a:r>
+                      <a:endParaRPr sz="1400" dirty="0"/>
+                    </a:p>
+                  </a:txBody>
+                  <a:tcPr marL="45720" marR="45720" anchor="ctr"/>
+                </a:tc>
+                <a:tc>
+                  <a:txBody>
+                    <a:bodyPr/>
+                    <a:lstStyle/>
+                    <a:p>
+                      <a:pPr marL="0" lvl="0" indent="0" algn="l" rtl="0">
+                        <a:lnSpc>
+                          <a:spcPct val="100000"/>
+                        </a:lnSpc>
+                        <a:spcBef>
+                          <a:spcPts val="0"/>
+                        </a:spcBef>
+                        <a:spcAft>
+                          <a:spcPts val="0"/>
+                        </a:spcAft>
+                        <a:buClr>
+                          <a:schemeClr val="dk1"/>
+                        </a:buClr>
+                        <a:buSzPts val="800"/>
+                        <a:buFont typeface="Arial"/>
+                        <a:buNone/>
+                      </a:pPr>
+                      <a:r>
+                        <a:rPr lang="en-GB" sz="1400" dirty="0">
+                          <a:solidFill>
+                            <a:schemeClr val="dk1"/>
+                          </a:solidFill>
+                        </a:rPr>
+                        <a:t>User</a:t>
+                      </a:r>
+                      <a:endParaRPr sz="1400" dirty="0"/>
+                    </a:p>
+                  </a:txBody>
+                  <a:tcPr marL="45720" marR="45720" anchor="ctr"/>
+                </a:tc>
+                <a:tc>
+                  <a:txBody>
+                    <a:bodyPr/>
+                    <a:lstStyle/>
+                    <a:p>
+                      <a:pPr marL="0" lvl="0" indent="0" algn="l" rtl="0">
+                        <a:lnSpc>
+                          <a:spcPct val="100000"/>
+                        </a:lnSpc>
+                        <a:spcBef>
+                          <a:spcPts val="0"/>
+                        </a:spcBef>
+                        <a:spcAft>
+                          <a:spcPts val="0"/>
+                        </a:spcAft>
+                        <a:buNone/>
+                      </a:pPr>
+                      <a:r>
+                        <a:rPr lang="en-GB" sz="1400" dirty="0">
+                          <a:solidFill>
+                            <a:schemeClr val="dk1"/>
+                          </a:solidFill>
+                        </a:rPr>
+                        <a:t>Reschedule a workout</a:t>
+                      </a:r>
+                      <a:endParaRPr sz="1400" dirty="0"/>
+                    </a:p>
+                  </a:txBody>
+                  <a:tcPr marL="45720" marR="45720" anchor="ctr"/>
+                </a:tc>
+                <a:tc>
+                  <a:txBody>
+                    <a:bodyPr/>
+                    <a:lstStyle/>
+                    <a:p>
+                      <a:pPr marL="0" lvl="0" indent="0" algn="l" rtl="0">
+                        <a:lnSpc>
+                          <a:spcPct val="100000"/>
+                        </a:lnSpc>
+                        <a:spcBef>
+                          <a:spcPts val="0"/>
+                        </a:spcBef>
+                        <a:spcAft>
+                          <a:spcPts val="0"/>
+                        </a:spcAft>
+                        <a:buNone/>
+                      </a:pPr>
+                      <a:r>
+                        <a:rPr lang="en-GB" sz="1400" dirty="0">
+                          <a:solidFill>
+                            <a:schemeClr val="dk1"/>
+                          </a:solidFill>
+                        </a:rPr>
+                        <a:t>I can still access it when my availability changes.</a:t>
+                      </a:r>
+                      <a:endParaRPr sz="1400" dirty="0"/>
+                    </a:p>
+                  </a:txBody>
+                  <a:tcPr marL="45720" marR="45720" anchor="ctr"/>
+                </a:tc>
+                <a:tc>
+                  <a:txBody>
+                    <a:bodyPr/>
+                    <a:lstStyle/>
+                    <a:p>
+                      <a:pPr marL="0" lvl="0" indent="0" algn="l" rtl="0">
+                        <a:lnSpc>
+                          <a:spcPct val="100000"/>
+                        </a:lnSpc>
+                        <a:spcBef>
+                          <a:spcPts val="0"/>
+                        </a:spcBef>
+                        <a:spcAft>
+                          <a:spcPts val="0"/>
+                        </a:spcAft>
+                        <a:buNone/>
+                      </a:pPr>
+                      <a:r>
+                        <a:rPr lang="en-GB" sz="1400" dirty="0"/>
+                        <a:t>2</a:t>
+                      </a:r>
+                      <a:endParaRPr sz="1400" dirty="0"/>
+                    </a:p>
+                  </a:txBody>
+                  <a:tcPr marL="45720" marR="45720" anchor="ctr"/>
+                </a:tc>
+                <a:tc>
+                  <a:txBody>
+                    <a:bodyPr/>
+                    <a:lstStyle/>
+                    <a:p>
+                      <a:pPr marL="0" lvl="0" indent="0" algn="l" rtl="0">
+                        <a:lnSpc>
+                          <a:spcPct val="100000"/>
+                        </a:lnSpc>
+                        <a:spcBef>
+                          <a:spcPts val="0"/>
+                        </a:spcBef>
+                        <a:spcAft>
+                          <a:spcPts val="0"/>
+                        </a:spcAft>
+                        <a:buNone/>
+                      </a:pPr>
+                      <a:r>
+                        <a:rPr lang="en-GB" sz="1400" dirty="0"/>
+                        <a:t>6</a:t>
+                      </a:r>
+                      <a:endParaRPr sz="1400" dirty="0"/>
+                    </a:p>
+                  </a:txBody>
+                  <a:tcPr marL="45720" marR="45720" anchor="ctr"/>
+                </a:tc>
+                <a:tc>
+                  <a:txBody>
+                    <a:bodyPr/>
+                    <a:lstStyle/>
+                    <a:p>
+                      <a:pPr marL="0" lvl="0" indent="0" algn="l" rtl="0">
+                        <a:lnSpc>
+                          <a:spcPct val="100000"/>
+                        </a:lnSpc>
+                        <a:spcBef>
+                          <a:spcPts val="0"/>
+                        </a:spcBef>
+                        <a:spcAft>
+                          <a:spcPts val="0"/>
+                        </a:spcAft>
+                        <a:buClr>
+                          <a:schemeClr val="dk1"/>
+                        </a:buClr>
+                        <a:buSzPts val="800"/>
+                        <a:buFont typeface="Arial"/>
+                        <a:buNone/>
+                      </a:pPr>
+                      <a:r>
+                        <a:rPr lang="en-GB" sz="1400" dirty="0">
+                          <a:solidFill>
+                            <a:schemeClr val="dk1"/>
+                          </a:solidFill>
+                        </a:rPr>
+                        <a:t>Done</a:t>
+                      </a:r>
+                      <a:endParaRPr sz="1400" dirty="0"/>
+                    </a:p>
+                  </a:txBody>
+                  <a:tcPr marL="45720" marR="45720" anchor="ctr"/>
+                </a:tc>
+                <a:extLst>
+                  <a:ext uri="{0D108BD9-81ED-4DB2-BD59-A6C34878D82A}">
+                    <a16:rowId xmlns:a16="http://schemas.microsoft.com/office/drawing/2014/main" val="10008"/>
+                  </a:ext>
+                </a:extLst>
+              </a:tr>
+              <a:tr h="360000">
+                <a:tc>
+                  <a:txBody>
+                    <a:bodyPr/>
+                    <a:lstStyle/>
+                    <a:p>
+                      <a:pPr marL="0" lvl="0" indent="0" algn="l" rtl="0">
+                        <a:lnSpc>
+                          <a:spcPct val="100000"/>
+                        </a:lnSpc>
+                        <a:spcBef>
+                          <a:spcPts val="0"/>
+                        </a:spcBef>
+                        <a:spcAft>
+                          <a:spcPts val="0"/>
+                        </a:spcAft>
+                        <a:buNone/>
+                      </a:pPr>
+                      <a:r>
+                        <a:rPr lang="en-GB" sz="1400" dirty="0"/>
+                        <a:t>9</a:t>
+                      </a:r>
+                      <a:endParaRPr sz="1400" dirty="0"/>
+                    </a:p>
+                  </a:txBody>
+                  <a:tcPr marL="45720" marR="45720" anchor="ctr"/>
+                </a:tc>
+                <a:tc>
+                  <a:txBody>
+                    <a:bodyPr/>
+                    <a:lstStyle/>
+                    <a:p>
+                      <a:pPr marL="0" lvl="0" indent="0" algn="l" rtl="0">
+                        <a:lnSpc>
+                          <a:spcPct val="100000"/>
+                        </a:lnSpc>
+                        <a:spcBef>
+                          <a:spcPts val="0"/>
+                        </a:spcBef>
+                        <a:spcAft>
+                          <a:spcPts val="0"/>
+                        </a:spcAft>
+                        <a:buClr>
+                          <a:schemeClr val="dk1"/>
+                        </a:buClr>
+                        <a:buSzPts val="800"/>
+                        <a:buFont typeface="Arial"/>
+                        <a:buNone/>
+                      </a:pPr>
+                      <a:r>
+                        <a:rPr lang="en-GB" sz="1400" dirty="0">
+                          <a:solidFill>
+                            <a:schemeClr val="dk1"/>
+                          </a:solidFill>
+                        </a:rPr>
+                        <a:t>User</a:t>
+                      </a:r>
+                      <a:endParaRPr sz="1400" dirty="0"/>
+                    </a:p>
+                  </a:txBody>
+                  <a:tcPr marL="45720" marR="45720" anchor="ctr"/>
+                </a:tc>
+                <a:tc>
+                  <a:txBody>
+                    <a:bodyPr/>
+                    <a:lstStyle/>
+                    <a:p>
+                      <a:pPr marL="0" lvl="0" indent="0" algn="l" rtl="0">
+                        <a:lnSpc>
+                          <a:spcPct val="100000"/>
+                        </a:lnSpc>
+                        <a:spcBef>
+                          <a:spcPts val="0"/>
+                        </a:spcBef>
+                        <a:spcAft>
+                          <a:spcPts val="0"/>
+                        </a:spcAft>
+                        <a:buNone/>
+                      </a:pPr>
+                      <a:r>
+                        <a:rPr lang="en-GB" sz="1400" dirty="0">
+                          <a:solidFill>
+                            <a:schemeClr val="dk1"/>
+                          </a:solidFill>
+                        </a:rPr>
+                        <a:t>Receive notifications</a:t>
+                      </a:r>
+                      <a:endParaRPr sz="1400" dirty="0"/>
+                    </a:p>
+                  </a:txBody>
+                  <a:tcPr marL="45720" marR="45720" anchor="ctr"/>
+                </a:tc>
+                <a:tc>
+                  <a:txBody>
+                    <a:bodyPr/>
+                    <a:lstStyle/>
+                    <a:p>
+                      <a:pPr marL="0" lvl="0" indent="0" algn="l" rtl="0">
+                        <a:lnSpc>
+                          <a:spcPct val="100000"/>
+                        </a:lnSpc>
+                        <a:spcBef>
+                          <a:spcPts val="0"/>
+                        </a:spcBef>
+                        <a:spcAft>
+                          <a:spcPts val="0"/>
+                        </a:spcAft>
+                        <a:buNone/>
+                      </a:pPr>
+                      <a:r>
+                        <a:rPr lang="en-GB" sz="1400" dirty="0">
+                          <a:solidFill>
+                            <a:schemeClr val="dk1"/>
+                          </a:solidFill>
+                          <a:latin typeface="Calibri"/>
+                          <a:ea typeface="Calibri"/>
+                          <a:cs typeface="Calibri"/>
+                          <a:sym typeface="Calibri"/>
+                        </a:rPr>
+                        <a:t>I </a:t>
+                      </a:r>
+                      <a:r>
+                        <a:rPr lang="en-GB" sz="1400" dirty="0">
+                          <a:solidFill>
+                            <a:schemeClr val="dk1"/>
+                          </a:solidFill>
+                        </a:rPr>
+                        <a:t>don’t forget about my workout</a:t>
+                      </a:r>
+                      <a:endParaRPr sz="1400" dirty="0"/>
+                    </a:p>
+                  </a:txBody>
+                  <a:tcPr marL="45720" marR="45720" anchor="ctr"/>
+                </a:tc>
+                <a:tc>
+                  <a:txBody>
+                    <a:bodyPr/>
+                    <a:lstStyle/>
+                    <a:p>
+                      <a:pPr marL="0" lvl="0" indent="0" algn="l" rtl="0">
+                        <a:lnSpc>
+                          <a:spcPct val="100000"/>
+                        </a:lnSpc>
+                        <a:spcBef>
+                          <a:spcPts val="0"/>
+                        </a:spcBef>
+                        <a:spcAft>
+                          <a:spcPts val="0"/>
+                        </a:spcAft>
+                        <a:buNone/>
+                      </a:pPr>
+                      <a:r>
+                        <a:rPr lang="en-GB" sz="1400" dirty="0"/>
+                        <a:t>2</a:t>
+                      </a:r>
+                      <a:endParaRPr sz="1400" dirty="0"/>
+                    </a:p>
+                  </a:txBody>
+                  <a:tcPr marL="45720" marR="45720" anchor="ctr"/>
+                </a:tc>
+                <a:tc>
+                  <a:txBody>
+                    <a:bodyPr/>
+                    <a:lstStyle/>
+                    <a:p>
+                      <a:pPr marL="0" lvl="0" indent="0" algn="l" rtl="0">
+                        <a:lnSpc>
+                          <a:spcPct val="100000"/>
+                        </a:lnSpc>
+                        <a:spcBef>
+                          <a:spcPts val="0"/>
+                        </a:spcBef>
+                        <a:spcAft>
+                          <a:spcPts val="0"/>
+                        </a:spcAft>
+                        <a:buNone/>
+                      </a:pPr>
+                      <a:r>
+                        <a:rPr lang="en-GB" sz="1400" dirty="0"/>
+                        <a:t>7</a:t>
+                      </a:r>
+                      <a:endParaRPr sz="1400" dirty="0"/>
+                    </a:p>
+                  </a:txBody>
+                  <a:tcPr marL="45720" marR="45720" anchor="ctr"/>
+                </a:tc>
+                <a:tc>
+                  <a:txBody>
+                    <a:bodyPr/>
+                    <a:lstStyle/>
+                    <a:p>
+                      <a:pPr marL="0" lvl="0" indent="0" algn="l" rtl="0">
+                        <a:lnSpc>
+                          <a:spcPct val="100000"/>
+                        </a:lnSpc>
+                        <a:spcBef>
+                          <a:spcPts val="0"/>
+                        </a:spcBef>
+                        <a:spcAft>
+                          <a:spcPts val="0"/>
+                        </a:spcAft>
+                        <a:buClr>
+                          <a:schemeClr val="dk1"/>
+                        </a:buClr>
+                        <a:buSzPts val="800"/>
+                        <a:buFont typeface="Arial"/>
+                        <a:buNone/>
+                      </a:pPr>
+                      <a:r>
+                        <a:rPr lang="en-GB" sz="1400" dirty="0">
+                          <a:solidFill>
+                            <a:schemeClr val="dk1"/>
+                          </a:solidFill>
+                        </a:rPr>
+                        <a:t>Done</a:t>
+                      </a:r>
+                      <a:endParaRPr sz="1400" dirty="0"/>
+                    </a:p>
+                  </a:txBody>
+                  <a:tcPr marL="45720" marR="45720" anchor="ctr"/>
+                </a:tc>
+                <a:extLst>
+                  <a:ext uri="{0D108BD9-81ED-4DB2-BD59-A6C34878D82A}">
+                    <a16:rowId xmlns:a16="http://schemas.microsoft.com/office/drawing/2014/main" val="10009"/>
+                  </a:ext>
+                </a:extLst>
+              </a:tr>
+              <a:tr h="360000">
+                <a:tc>
+                  <a:txBody>
+                    <a:bodyPr/>
+                    <a:lstStyle/>
+                    <a:p>
+                      <a:pPr marL="0" lvl="0" indent="0" algn="l" rtl="0">
+                        <a:lnSpc>
+                          <a:spcPct val="100000"/>
+                        </a:lnSpc>
+                        <a:spcBef>
+                          <a:spcPts val="0"/>
+                        </a:spcBef>
+                        <a:spcAft>
+                          <a:spcPts val="0"/>
+                        </a:spcAft>
+                        <a:buNone/>
+                      </a:pPr>
+                      <a:r>
+                        <a:rPr lang="en-GB" sz="1400" dirty="0"/>
+                        <a:t>10</a:t>
+                      </a:r>
+                      <a:endParaRPr sz="1400" dirty="0"/>
+                    </a:p>
+                  </a:txBody>
+                  <a:tcPr marL="45720" marR="45720" anchor="ctr"/>
+                </a:tc>
+                <a:tc>
+                  <a:txBody>
+                    <a:bodyPr/>
+                    <a:lstStyle/>
+                    <a:p>
+                      <a:pPr marL="0" lvl="0" indent="0" algn="l" rtl="0">
+                        <a:lnSpc>
+                          <a:spcPct val="100000"/>
+                        </a:lnSpc>
+                        <a:spcBef>
+                          <a:spcPts val="0"/>
+                        </a:spcBef>
+                        <a:spcAft>
+                          <a:spcPts val="0"/>
+                        </a:spcAft>
+                        <a:buNone/>
+                      </a:pPr>
+                      <a:r>
+                        <a:rPr lang="en-GB" sz="1400" dirty="0">
+                          <a:solidFill>
+                            <a:schemeClr val="dk1"/>
+                          </a:solidFill>
+                        </a:rPr>
+                        <a:t>User</a:t>
+                      </a:r>
+                      <a:endParaRPr sz="1400" dirty="0"/>
+                    </a:p>
+                  </a:txBody>
+                  <a:tcPr marL="45720" marR="45720" anchor="ctr"/>
+                </a:tc>
+                <a:tc>
+                  <a:txBody>
+                    <a:bodyPr/>
+                    <a:lstStyle/>
+                    <a:p>
+                      <a:pPr marL="0" lvl="0" indent="0" algn="l" rtl="0">
+                        <a:lnSpc>
+                          <a:spcPct val="100000"/>
+                        </a:lnSpc>
+                        <a:spcBef>
+                          <a:spcPts val="0"/>
+                        </a:spcBef>
+                        <a:spcAft>
+                          <a:spcPts val="0"/>
+                        </a:spcAft>
+                        <a:buNone/>
+                      </a:pPr>
+                      <a:r>
+                        <a:rPr lang="en-GB" sz="1400" dirty="0">
+                          <a:solidFill>
+                            <a:schemeClr val="dk1"/>
+                          </a:solidFill>
+                        </a:rPr>
+                        <a:t>Track  daily activity</a:t>
+                      </a:r>
+                      <a:endParaRPr sz="1400" dirty="0"/>
+                    </a:p>
+                  </a:txBody>
+                  <a:tcPr marL="45720" marR="45720" anchor="ctr"/>
+                </a:tc>
+                <a:tc>
+                  <a:txBody>
+                    <a:bodyPr/>
+                    <a:lstStyle/>
+                    <a:p>
+                      <a:pPr marL="0" lvl="0" indent="0" algn="l" rtl="0">
+                        <a:lnSpc>
+                          <a:spcPct val="100000"/>
+                        </a:lnSpc>
+                        <a:spcBef>
+                          <a:spcPts val="0"/>
+                        </a:spcBef>
+                        <a:spcAft>
+                          <a:spcPts val="0"/>
+                        </a:spcAft>
+                        <a:buNone/>
+                      </a:pPr>
+                      <a:r>
+                        <a:rPr lang="en-GB" sz="1400" dirty="0">
+                          <a:solidFill>
+                            <a:schemeClr val="dk1"/>
+                          </a:solidFill>
+                        </a:rPr>
+                        <a:t>Maintains a proper level of exercise.</a:t>
+                      </a:r>
+                      <a:endParaRPr sz="1400" dirty="0"/>
+                    </a:p>
+                  </a:txBody>
+                  <a:tcPr marL="45720" marR="45720" anchor="ctr"/>
+                </a:tc>
+                <a:tc>
+                  <a:txBody>
+                    <a:bodyPr/>
+                    <a:lstStyle/>
+                    <a:p>
+                      <a:pPr marL="0" lvl="0" indent="0" algn="l" rtl="0">
+                        <a:lnSpc>
+                          <a:spcPct val="100000"/>
+                        </a:lnSpc>
+                        <a:spcBef>
+                          <a:spcPts val="0"/>
+                        </a:spcBef>
+                        <a:spcAft>
+                          <a:spcPts val="0"/>
+                        </a:spcAft>
+                        <a:buNone/>
+                      </a:pPr>
+                      <a:r>
+                        <a:rPr lang="en-GB" sz="1400" dirty="0"/>
+                        <a:t>4</a:t>
+                      </a:r>
+                      <a:endParaRPr sz="1400" dirty="0"/>
+                    </a:p>
+                  </a:txBody>
+                  <a:tcPr marL="45720" marR="45720" anchor="ctr"/>
+                </a:tc>
+                <a:tc>
+                  <a:txBody>
+                    <a:bodyPr/>
+                    <a:lstStyle/>
+                    <a:p>
+                      <a:pPr marL="0" lvl="0" indent="0" algn="l" rtl="0">
+                        <a:lnSpc>
+                          <a:spcPct val="100000"/>
+                        </a:lnSpc>
+                        <a:spcBef>
+                          <a:spcPts val="0"/>
+                        </a:spcBef>
+                        <a:spcAft>
+                          <a:spcPts val="0"/>
+                        </a:spcAft>
+                        <a:buNone/>
+                      </a:pPr>
+                      <a:r>
+                        <a:rPr lang="en-GB" sz="1400" dirty="0"/>
+                        <a:t>11</a:t>
+                      </a:r>
+                      <a:endParaRPr sz="1400" dirty="0"/>
+                    </a:p>
+                  </a:txBody>
+                  <a:tcPr marL="45720" marR="45720" anchor="ctr"/>
+                </a:tc>
+                <a:tc>
+                  <a:txBody>
+                    <a:bodyPr/>
+                    <a:lstStyle/>
+                    <a:p>
+                      <a:pPr marL="0" lvl="0" indent="0" algn="l" rtl="0">
+                        <a:lnSpc>
+                          <a:spcPct val="100000"/>
+                        </a:lnSpc>
+                        <a:spcBef>
+                          <a:spcPts val="0"/>
+                        </a:spcBef>
+                        <a:spcAft>
+                          <a:spcPts val="0"/>
+                        </a:spcAft>
+                        <a:buClr>
+                          <a:schemeClr val="dk1"/>
+                        </a:buClr>
+                        <a:buSzPts val="800"/>
+                        <a:buFont typeface="Arial"/>
+                        <a:buNone/>
+                      </a:pPr>
+                      <a:r>
+                        <a:rPr lang="en-GB" sz="1400" dirty="0">
+                          <a:solidFill>
+                            <a:schemeClr val="dk1"/>
+                          </a:solidFill>
+                        </a:rPr>
+                        <a:t>Done</a:t>
+                      </a:r>
+                      <a:endParaRPr sz="1400" dirty="0"/>
+                    </a:p>
+                  </a:txBody>
+                  <a:tcPr marL="45720" marR="45720" anchor="ctr"/>
+                </a:tc>
+                <a:extLst>
+                  <a:ext uri="{0D108BD9-81ED-4DB2-BD59-A6C34878D82A}">
+                    <a16:rowId xmlns:a16="http://schemas.microsoft.com/office/drawing/2014/main" val="10010"/>
+                  </a:ext>
+                </a:extLst>
+              </a:tr>
+              <a:tr h="360000">
+                <a:tc>
+                  <a:txBody>
+                    <a:bodyPr/>
+                    <a:lstStyle/>
+                    <a:p>
+                      <a:pPr marL="0" lvl="0" indent="0" algn="l" rtl="0">
+                        <a:lnSpc>
+                          <a:spcPct val="100000"/>
+                        </a:lnSpc>
+                        <a:spcBef>
+                          <a:spcPts val="0"/>
+                        </a:spcBef>
+                        <a:spcAft>
+                          <a:spcPts val="0"/>
+                        </a:spcAft>
+                        <a:buNone/>
+                      </a:pPr>
+                      <a:r>
+                        <a:rPr lang="en-GB" sz="1400" dirty="0"/>
+                        <a:t>11</a:t>
+                      </a:r>
+                      <a:endParaRPr sz="1400" dirty="0"/>
+                    </a:p>
+                  </a:txBody>
+                  <a:tcPr marL="45720" marR="45720" anchor="ctr"/>
+                </a:tc>
+                <a:tc>
+                  <a:txBody>
+                    <a:bodyPr/>
+                    <a:lstStyle/>
+                    <a:p>
+                      <a:pPr marL="0" lvl="0" indent="0" algn="l" rtl="0">
+                        <a:lnSpc>
+                          <a:spcPct val="100000"/>
+                        </a:lnSpc>
+                        <a:spcBef>
+                          <a:spcPts val="0"/>
+                        </a:spcBef>
+                        <a:spcAft>
+                          <a:spcPts val="0"/>
+                        </a:spcAft>
+                        <a:buClr>
+                          <a:schemeClr val="dk1"/>
+                        </a:buClr>
+                        <a:buSzPts val="800"/>
+                        <a:buFont typeface="Arial"/>
+                        <a:buNone/>
+                      </a:pPr>
+                      <a:r>
+                        <a:rPr lang="en-GB" sz="1400" dirty="0">
+                          <a:solidFill>
+                            <a:schemeClr val="dk1"/>
+                          </a:solidFill>
+                        </a:rPr>
+                        <a:t>User</a:t>
+                      </a:r>
+                      <a:endParaRPr sz="1400" dirty="0"/>
+                    </a:p>
+                  </a:txBody>
+                  <a:tcPr marL="45720" marR="45720" anchor="ctr"/>
+                </a:tc>
+                <a:tc>
+                  <a:txBody>
+                    <a:bodyPr/>
+                    <a:lstStyle/>
+                    <a:p>
+                      <a:pPr marL="0" lvl="0" indent="0" algn="l" rtl="0">
+                        <a:lnSpc>
+                          <a:spcPct val="100000"/>
+                        </a:lnSpc>
+                        <a:spcBef>
+                          <a:spcPts val="0"/>
+                        </a:spcBef>
+                        <a:spcAft>
+                          <a:spcPts val="0"/>
+                        </a:spcAft>
+                        <a:buNone/>
+                      </a:pPr>
+                      <a:r>
+                        <a:rPr lang="en-GB" sz="1400" dirty="0">
+                          <a:solidFill>
+                            <a:schemeClr val="dk1"/>
+                          </a:solidFill>
+                        </a:rPr>
+                        <a:t> Track a  progress</a:t>
+                      </a:r>
+                      <a:endParaRPr sz="1400" dirty="0"/>
+                    </a:p>
+                  </a:txBody>
+                  <a:tcPr marL="45720" marR="45720" anchor="ctr"/>
+                </a:tc>
+                <a:tc>
+                  <a:txBody>
+                    <a:bodyPr/>
+                    <a:lstStyle/>
+                    <a:p>
+                      <a:pPr marL="0" lvl="0" indent="0" algn="l" rtl="0">
+                        <a:lnSpc>
+                          <a:spcPct val="100000"/>
+                        </a:lnSpc>
+                        <a:spcBef>
+                          <a:spcPts val="0"/>
+                        </a:spcBef>
+                        <a:spcAft>
+                          <a:spcPts val="0"/>
+                        </a:spcAft>
+                        <a:buNone/>
+                      </a:pPr>
+                      <a:r>
+                        <a:rPr lang="en-GB" sz="1400" dirty="0">
+                          <a:solidFill>
+                            <a:schemeClr val="dk1"/>
+                          </a:solidFill>
+                        </a:rPr>
+                        <a:t>I stay motivated</a:t>
+                      </a:r>
+                      <a:endParaRPr sz="1400" dirty="0"/>
+                    </a:p>
+                  </a:txBody>
+                  <a:tcPr marL="45720" marR="45720" anchor="ctr"/>
+                </a:tc>
+                <a:tc>
+                  <a:txBody>
+                    <a:bodyPr/>
+                    <a:lstStyle/>
+                    <a:p>
+                      <a:pPr marL="0" lvl="0" indent="0" algn="l" rtl="0">
+                        <a:lnSpc>
+                          <a:spcPct val="100000"/>
+                        </a:lnSpc>
+                        <a:spcBef>
+                          <a:spcPts val="0"/>
+                        </a:spcBef>
+                        <a:spcAft>
+                          <a:spcPts val="0"/>
+                        </a:spcAft>
+                        <a:buNone/>
+                      </a:pPr>
+                      <a:r>
+                        <a:rPr lang="en-GB" sz="1400" dirty="0"/>
+                        <a:t>4</a:t>
+                      </a:r>
+                      <a:endParaRPr sz="1400" dirty="0"/>
+                    </a:p>
+                  </a:txBody>
+                  <a:tcPr marL="45720" marR="45720" anchor="ctr"/>
+                </a:tc>
+                <a:tc>
+                  <a:txBody>
+                    <a:bodyPr/>
+                    <a:lstStyle/>
+                    <a:p>
+                      <a:pPr marL="0" lvl="0" indent="0" algn="l" rtl="0">
+                        <a:lnSpc>
+                          <a:spcPct val="100000"/>
+                        </a:lnSpc>
+                        <a:spcBef>
+                          <a:spcPts val="0"/>
+                        </a:spcBef>
+                        <a:spcAft>
+                          <a:spcPts val="0"/>
+                        </a:spcAft>
+                        <a:buNone/>
+                      </a:pPr>
+                      <a:r>
+                        <a:rPr lang="en-GB" sz="1400" dirty="0"/>
+                        <a:t>12</a:t>
+                      </a:r>
+                      <a:endParaRPr sz="1400" dirty="0"/>
+                    </a:p>
+                  </a:txBody>
+                  <a:tcPr marL="45720" marR="45720" anchor="ctr"/>
+                </a:tc>
+                <a:tc>
+                  <a:txBody>
+                    <a:bodyPr/>
+                    <a:lstStyle/>
+                    <a:p>
+                      <a:pPr marL="0" lvl="0" indent="0" algn="l" rtl="0">
+                        <a:lnSpc>
+                          <a:spcPct val="100000"/>
+                        </a:lnSpc>
+                        <a:spcBef>
+                          <a:spcPts val="0"/>
+                        </a:spcBef>
+                        <a:spcAft>
+                          <a:spcPts val="0"/>
+                        </a:spcAft>
+                        <a:buClr>
+                          <a:schemeClr val="dk1"/>
+                        </a:buClr>
+                        <a:buSzPts val="800"/>
+                        <a:buFont typeface="Arial"/>
+                        <a:buNone/>
+                      </a:pPr>
+                      <a:r>
+                        <a:rPr lang="en-GB" sz="1400" dirty="0">
+                          <a:solidFill>
+                            <a:schemeClr val="dk1"/>
+                          </a:solidFill>
+                        </a:rPr>
+                        <a:t>Done</a:t>
+                      </a:r>
+                      <a:endParaRPr sz="1400" dirty="0"/>
+                    </a:p>
+                  </a:txBody>
+                  <a:tcPr marL="45720" marR="45720" anchor="ctr"/>
+                </a:tc>
+                <a:extLst>
+                  <a:ext uri="{0D108BD9-81ED-4DB2-BD59-A6C34878D82A}">
+                    <a16:rowId xmlns:a16="http://schemas.microsoft.com/office/drawing/2014/main" val="10011"/>
+                  </a:ext>
+                </a:extLst>
+              </a:tr>
+              <a:tr h="360000">
+                <a:tc>
+                  <a:txBody>
+                    <a:bodyPr/>
+                    <a:lstStyle/>
+                    <a:p>
+                      <a:pPr marL="0" lvl="0" indent="0" algn="l" rtl="0">
+                        <a:lnSpc>
+                          <a:spcPct val="100000"/>
+                        </a:lnSpc>
+                        <a:spcBef>
+                          <a:spcPts val="0"/>
+                        </a:spcBef>
+                        <a:spcAft>
+                          <a:spcPts val="0"/>
+                        </a:spcAft>
+                        <a:buNone/>
+                      </a:pPr>
+                      <a:r>
+                        <a:rPr lang="en-GB" sz="1400" dirty="0"/>
+                        <a:t>12</a:t>
+                      </a:r>
+                      <a:endParaRPr sz="1400" dirty="0"/>
+                    </a:p>
+                  </a:txBody>
+                  <a:tcPr marL="45720" marR="45720" anchor="ctr"/>
+                </a:tc>
+                <a:tc>
+                  <a:txBody>
+                    <a:bodyPr/>
+                    <a:lstStyle/>
+                    <a:p>
+                      <a:pPr marL="0" lvl="0" indent="0" algn="l" rtl="0">
+                        <a:lnSpc>
+                          <a:spcPct val="100000"/>
+                        </a:lnSpc>
+                        <a:spcBef>
+                          <a:spcPts val="0"/>
+                        </a:spcBef>
+                        <a:spcAft>
+                          <a:spcPts val="0"/>
+                        </a:spcAft>
+                        <a:buClr>
+                          <a:schemeClr val="dk1"/>
+                        </a:buClr>
+                        <a:buSzPts val="800"/>
+                        <a:buFont typeface="Arial"/>
+                        <a:buNone/>
+                      </a:pPr>
+                      <a:r>
+                        <a:rPr lang="en-GB" sz="1400" dirty="0">
+                          <a:solidFill>
+                            <a:schemeClr val="dk1"/>
+                          </a:solidFill>
+                        </a:rPr>
+                        <a:t>Technician</a:t>
+                      </a:r>
+                      <a:endParaRPr sz="1400" dirty="0"/>
+                    </a:p>
+                  </a:txBody>
+                  <a:tcPr marL="45720" marR="45720" anchor="ctr"/>
+                </a:tc>
+                <a:tc>
+                  <a:txBody>
+                    <a:bodyPr/>
+                    <a:lstStyle/>
+                    <a:p>
+                      <a:pPr marL="0" lvl="0" indent="0" algn="l" rtl="0">
+                        <a:lnSpc>
+                          <a:spcPct val="100000"/>
+                        </a:lnSpc>
+                        <a:spcBef>
+                          <a:spcPts val="0"/>
+                        </a:spcBef>
+                        <a:spcAft>
+                          <a:spcPts val="0"/>
+                        </a:spcAft>
+                        <a:buNone/>
+                      </a:pPr>
+                      <a:r>
+                        <a:rPr lang="en-GB" sz="1400" dirty="0">
+                          <a:solidFill>
+                            <a:schemeClr val="dk1"/>
+                          </a:solidFill>
+                        </a:rPr>
+                        <a:t>Be able to delete account</a:t>
+                      </a:r>
+                      <a:endParaRPr sz="1400" dirty="0"/>
+                    </a:p>
+                  </a:txBody>
+                  <a:tcPr marL="45720" marR="45720" anchor="ctr"/>
+                </a:tc>
+                <a:tc>
+                  <a:txBody>
+                    <a:bodyPr/>
+                    <a:lstStyle/>
+                    <a:p>
+                      <a:pPr marL="0" lvl="0" indent="0" algn="l" rtl="0">
+                        <a:lnSpc>
+                          <a:spcPct val="100000"/>
+                        </a:lnSpc>
+                        <a:spcBef>
+                          <a:spcPts val="0"/>
+                        </a:spcBef>
+                        <a:spcAft>
+                          <a:spcPts val="0"/>
+                        </a:spcAft>
+                        <a:buNone/>
+                      </a:pPr>
+                      <a:r>
+                        <a:rPr lang="en-GB" sz="1400" dirty="0">
+                          <a:solidFill>
+                            <a:schemeClr val="dk1"/>
+                          </a:solidFill>
+                        </a:rPr>
+                        <a:t>System doesn't contain none active accounts </a:t>
+                      </a:r>
+                      <a:endParaRPr sz="1400"/>
+                    </a:p>
+                  </a:txBody>
+                  <a:tcPr marL="45720" marR="45720" anchor="ctr"/>
+                </a:tc>
+                <a:tc>
+                  <a:txBody>
+                    <a:bodyPr/>
+                    <a:lstStyle/>
+                    <a:p>
+                      <a:pPr marL="0" lvl="0" indent="0" algn="l" rtl="0">
+                        <a:lnSpc>
+                          <a:spcPct val="100000"/>
+                        </a:lnSpc>
+                        <a:spcBef>
+                          <a:spcPts val="0"/>
+                        </a:spcBef>
+                        <a:spcAft>
+                          <a:spcPts val="0"/>
+                        </a:spcAft>
+                        <a:buNone/>
+                      </a:pPr>
+                      <a:r>
+                        <a:rPr lang="en-GB" sz="1400" dirty="0"/>
+                        <a:t>2</a:t>
+                      </a:r>
+                      <a:endParaRPr sz="1400" dirty="0"/>
+                    </a:p>
+                  </a:txBody>
+                  <a:tcPr marL="45720" marR="45720" anchor="ctr"/>
+                </a:tc>
+                <a:tc>
+                  <a:txBody>
+                    <a:bodyPr/>
+                    <a:lstStyle/>
+                    <a:p>
+                      <a:pPr marL="0" lvl="0" indent="0" algn="l" rtl="0">
+                        <a:lnSpc>
+                          <a:spcPct val="100000"/>
+                        </a:lnSpc>
+                        <a:spcBef>
+                          <a:spcPts val="0"/>
+                        </a:spcBef>
+                        <a:spcAft>
+                          <a:spcPts val="0"/>
+                        </a:spcAft>
+                        <a:buNone/>
+                      </a:pPr>
+                      <a:r>
+                        <a:rPr lang="en-GB" sz="1400" dirty="0"/>
+                        <a:t>13</a:t>
+                      </a:r>
+                      <a:endParaRPr sz="1400" dirty="0"/>
+                    </a:p>
+                  </a:txBody>
+                  <a:tcPr marL="45720" marR="45720" anchor="ctr"/>
+                </a:tc>
+                <a:tc>
+                  <a:txBody>
+                    <a:bodyPr/>
+                    <a:lstStyle/>
+                    <a:p>
+                      <a:pPr marL="0" lvl="0" indent="0" algn="l" rtl="0">
+                        <a:lnSpc>
+                          <a:spcPct val="100000"/>
+                        </a:lnSpc>
+                        <a:spcBef>
+                          <a:spcPts val="0"/>
+                        </a:spcBef>
+                        <a:spcAft>
+                          <a:spcPts val="0"/>
+                        </a:spcAft>
+                        <a:buClr>
+                          <a:schemeClr val="dk1"/>
+                        </a:buClr>
+                        <a:buSzPts val="800"/>
+                        <a:buFont typeface="Arial"/>
+                        <a:buNone/>
+                      </a:pPr>
+                      <a:r>
+                        <a:rPr lang="en-GB" sz="1400" dirty="0">
+                          <a:solidFill>
+                            <a:schemeClr val="dk1"/>
+                          </a:solidFill>
+                        </a:rPr>
+                        <a:t>Done</a:t>
+                      </a:r>
+                      <a:endParaRPr sz="1400" dirty="0"/>
+                    </a:p>
+                  </a:txBody>
+                  <a:tcPr marL="45720" marR="45720" anchor="ctr"/>
+                </a:tc>
+                <a:extLst>
+                  <a:ext uri="{0D108BD9-81ED-4DB2-BD59-A6C34878D82A}">
+                    <a16:rowId xmlns:a16="http://schemas.microsoft.com/office/drawing/2014/main" val="10012"/>
+                  </a:ext>
+                </a:extLst>
+              </a:tr>
+              <a:tr h="360000">
+                <a:tc>
+                  <a:txBody>
+                    <a:bodyPr/>
+                    <a:lstStyle/>
+                    <a:p>
+                      <a:pPr marL="0" lvl="0" indent="0" algn="l" rtl="0">
+                        <a:lnSpc>
+                          <a:spcPct val="100000"/>
+                        </a:lnSpc>
+                        <a:spcBef>
+                          <a:spcPts val="0"/>
+                        </a:spcBef>
+                        <a:spcAft>
+                          <a:spcPts val="0"/>
+                        </a:spcAft>
+                        <a:buNone/>
+                      </a:pPr>
+                      <a:r>
+                        <a:rPr lang="en-GB" sz="1400" dirty="0"/>
+                        <a:t>13</a:t>
+                      </a:r>
+                      <a:endParaRPr sz="1400" dirty="0"/>
+                    </a:p>
+                  </a:txBody>
+                  <a:tcPr marL="45720" marR="45720" anchor="ctr"/>
+                </a:tc>
+                <a:tc>
+                  <a:txBody>
+                    <a:bodyPr/>
+                    <a:lstStyle/>
+                    <a:p>
+                      <a:pPr marL="0" lvl="0" indent="0" algn="l" rtl="0">
+                        <a:lnSpc>
+                          <a:spcPct val="100000"/>
+                        </a:lnSpc>
+                        <a:spcBef>
+                          <a:spcPts val="0"/>
+                        </a:spcBef>
+                        <a:spcAft>
+                          <a:spcPts val="0"/>
+                        </a:spcAft>
+                        <a:buNone/>
+                      </a:pPr>
+                      <a:r>
+                        <a:rPr lang="en-GB" sz="1400" dirty="0">
+                          <a:solidFill>
+                            <a:schemeClr val="dk1"/>
+                          </a:solidFill>
+                        </a:rPr>
+                        <a:t>User</a:t>
+                      </a:r>
+                      <a:endParaRPr sz="1400" dirty="0"/>
+                    </a:p>
+                  </a:txBody>
+                  <a:tcPr marL="45720" marR="45720" anchor="ctr"/>
+                </a:tc>
+                <a:tc>
+                  <a:txBody>
+                    <a:bodyPr/>
+                    <a:lstStyle/>
+                    <a:p>
+                      <a:pPr marL="0" lvl="0" indent="0" algn="l" rtl="0">
+                        <a:lnSpc>
+                          <a:spcPct val="100000"/>
+                        </a:lnSpc>
+                        <a:spcBef>
+                          <a:spcPts val="0"/>
+                        </a:spcBef>
+                        <a:spcAft>
+                          <a:spcPts val="0"/>
+                        </a:spcAft>
+                        <a:buNone/>
+                      </a:pPr>
+                      <a:r>
+                        <a:rPr lang="en-GB" sz="1400" dirty="0">
+                          <a:solidFill>
+                            <a:schemeClr val="dk1"/>
+                          </a:solidFill>
+                        </a:rPr>
+                        <a:t>Remove a workout when it is not used </a:t>
+                      </a:r>
+                      <a:endParaRPr sz="1400"/>
+                    </a:p>
+                  </a:txBody>
+                  <a:tcPr marL="45720" marR="45720" anchor="ctr"/>
+                </a:tc>
+                <a:tc>
+                  <a:txBody>
+                    <a:bodyPr/>
+                    <a:lstStyle/>
+                    <a:p>
+                      <a:pPr marL="0" lvl="0" indent="0" algn="l" rtl="0">
+                        <a:lnSpc>
+                          <a:spcPct val="100000"/>
+                        </a:lnSpc>
+                        <a:spcBef>
+                          <a:spcPts val="0"/>
+                        </a:spcBef>
+                        <a:spcAft>
+                          <a:spcPts val="0"/>
+                        </a:spcAft>
+                        <a:buNone/>
+                      </a:pPr>
+                      <a:r>
+                        <a:rPr lang="en-GB" sz="1400" dirty="0">
+                          <a:solidFill>
+                            <a:schemeClr val="dk1"/>
+                          </a:solidFill>
+                        </a:rPr>
+                        <a:t>The system has only highly demanded content.</a:t>
+                      </a:r>
+                      <a:endParaRPr sz="1400" dirty="0"/>
+                    </a:p>
+                  </a:txBody>
+                  <a:tcPr marL="45720" marR="45720" anchor="ctr"/>
+                </a:tc>
+                <a:tc>
+                  <a:txBody>
+                    <a:bodyPr/>
+                    <a:lstStyle/>
+                    <a:p>
+                      <a:pPr marL="0" lvl="0" indent="0" algn="l" rtl="0">
+                        <a:lnSpc>
+                          <a:spcPct val="100000"/>
+                        </a:lnSpc>
+                        <a:spcBef>
+                          <a:spcPts val="0"/>
+                        </a:spcBef>
+                        <a:spcAft>
+                          <a:spcPts val="0"/>
+                        </a:spcAft>
+                        <a:buNone/>
+                      </a:pPr>
+                      <a:r>
+                        <a:rPr lang="en-GB" sz="1400" dirty="0"/>
+                        <a:t>2</a:t>
+                      </a:r>
+                      <a:endParaRPr sz="1400" dirty="0"/>
+                    </a:p>
+                  </a:txBody>
+                  <a:tcPr marL="45720" marR="45720" anchor="ctr"/>
+                </a:tc>
+                <a:tc>
+                  <a:txBody>
+                    <a:bodyPr/>
+                    <a:lstStyle/>
+                    <a:p>
+                      <a:pPr marL="0" lvl="0" indent="0" algn="l" rtl="0">
+                        <a:lnSpc>
+                          <a:spcPct val="100000"/>
+                        </a:lnSpc>
+                        <a:spcBef>
+                          <a:spcPts val="0"/>
+                        </a:spcBef>
+                        <a:spcAft>
+                          <a:spcPts val="0"/>
+                        </a:spcAft>
+                        <a:buNone/>
+                      </a:pPr>
+                      <a:r>
+                        <a:rPr lang="en-GB" sz="1400" dirty="0"/>
+                        <a:t>14</a:t>
+                      </a:r>
+                      <a:endParaRPr sz="1400" dirty="0"/>
+                    </a:p>
+                  </a:txBody>
+                  <a:tcPr marL="45720" marR="45720" anchor="ctr"/>
+                </a:tc>
+                <a:tc>
+                  <a:txBody>
+                    <a:bodyPr/>
+                    <a:lstStyle/>
+                    <a:p>
+                      <a:pPr marL="0" lvl="0" indent="0" algn="l" rtl="0">
+                        <a:lnSpc>
+                          <a:spcPct val="100000"/>
+                        </a:lnSpc>
+                        <a:spcBef>
+                          <a:spcPts val="0"/>
+                        </a:spcBef>
+                        <a:spcAft>
+                          <a:spcPts val="0"/>
+                        </a:spcAft>
+                        <a:buClr>
+                          <a:schemeClr val="dk1"/>
+                        </a:buClr>
+                        <a:buSzPts val="800"/>
+                        <a:buFont typeface="Arial"/>
+                        <a:buNone/>
+                      </a:pPr>
+                      <a:r>
+                        <a:rPr lang="en-GB" sz="1400" dirty="0">
+                          <a:solidFill>
+                            <a:schemeClr val="dk1"/>
+                          </a:solidFill>
+                        </a:rPr>
+                        <a:t>Done</a:t>
+                      </a:r>
+                      <a:endParaRPr sz="1400" dirty="0"/>
+                    </a:p>
+                  </a:txBody>
+                  <a:tcPr marL="45720" marR="45720" anchor="ctr"/>
+                </a:tc>
+                <a:extLst>
+                  <a:ext uri="{0D108BD9-81ED-4DB2-BD59-A6C34878D82A}">
+                    <a16:rowId xmlns:a16="http://schemas.microsoft.com/office/drawing/2014/main" val="10013"/>
+                  </a:ext>
+                </a:extLst>
+              </a:tr>
+              <a:tr h="360000">
+                <a:tc>
+                  <a:txBody>
+                    <a:bodyPr/>
+                    <a:lstStyle/>
+                    <a:p>
+                      <a:pPr marL="0" lvl="0" indent="0" algn="l" rtl="0">
+                        <a:lnSpc>
+                          <a:spcPct val="100000"/>
+                        </a:lnSpc>
+                        <a:spcBef>
+                          <a:spcPts val="0"/>
+                        </a:spcBef>
+                        <a:spcAft>
+                          <a:spcPts val="0"/>
+                        </a:spcAft>
+                        <a:buNone/>
+                      </a:pPr>
+                      <a:r>
+                        <a:rPr lang="en-GB" sz="1400" dirty="0"/>
+                        <a:t>14</a:t>
+                      </a:r>
+                      <a:endParaRPr sz="1400" dirty="0"/>
+                    </a:p>
+                  </a:txBody>
+                  <a:tcPr marL="45720" marR="45720" anchor="ctr"/>
+                </a:tc>
+                <a:tc>
+                  <a:txBody>
+                    <a:bodyPr/>
+                    <a:lstStyle/>
+                    <a:p>
+                      <a:pPr marL="0" lvl="0" indent="0" algn="l" rtl="0">
+                        <a:lnSpc>
+                          <a:spcPct val="100000"/>
+                        </a:lnSpc>
+                        <a:spcBef>
+                          <a:spcPts val="0"/>
+                        </a:spcBef>
+                        <a:spcAft>
+                          <a:spcPts val="0"/>
+                        </a:spcAft>
+                        <a:buClr>
+                          <a:schemeClr val="dk1"/>
+                        </a:buClr>
+                        <a:buSzPts val="800"/>
+                        <a:buFont typeface="Arial"/>
+                        <a:buNone/>
+                      </a:pPr>
+                      <a:r>
+                        <a:rPr lang="en-GB" sz="1400" dirty="0">
+                          <a:solidFill>
+                            <a:schemeClr val="dk1"/>
+                          </a:solidFill>
+                        </a:rPr>
+                        <a:t>Technician</a:t>
+                      </a:r>
+                      <a:endParaRPr sz="1400" dirty="0">
+                        <a:solidFill>
+                          <a:schemeClr val="dk1"/>
+                        </a:solidFill>
+                      </a:endParaRPr>
+                    </a:p>
+                  </a:txBody>
+                  <a:tcPr marL="45720" marR="45720" anchor="ctr"/>
+                </a:tc>
+                <a:tc>
+                  <a:txBody>
+                    <a:bodyPr/>
+                    <a:lstStyle/>
+                    <a:p>
+                      <a:pPr marL="0" lvl="0" indent="0" algn="l" rtl="0">
+                        <a:lnSpc>
+                          <a:spcPct val="100000"/>
+                        </a:lnSpc>
+                        <a:spcBef>
+                          <a:spcPts val="0"/>
+                        </a:spcBef>
+                        <a:spcAft>
+                          <a:spcPts val="0"/>
+                        </a:spcAft>
+                        <a:buNone/>
+                      </a:pPr>
+                      <a:r>
+                        <a:rPr lang="en-GB" sz="1400" dirty="0">
+                          <a:solidFill>
+                            <a:schemeClr val="dk1"/>
+                          </a:solidFill>
+                        </a:rPr>
+                        <a:t>Add a new workout to the system</a:t>
+                      </a:r>
+                      <a:endParaRPr sz="1400" dirty="0"/>
+                    </a:p>
+                  </a:txBody>
+                  <a:tcPr marL="45720" marR="45720" anchor="ctr"/>
+                </a:tc>
+                <a:tc>
+                  <a:txBody>
+                    <a:bodyPr/>
+                    <a:lstStyle/>
+                    <a:p>
+                      <a:pPr marL="0" lvl="0" indent="0" algn="l" rtl="0">
+                        <a:lnSpc>
+                          <a:spcPct val="100000"/>
+                        </a:lnSpc>
+                        <a:spcBef>
+                          <a:spcPts val="0"/>
+                        </a:spcBef>
+                        <a:spcAft>
+                          <a:spcPts val="0"/>
+                        </a:spcAft>
+                        <a:buNone/>
+                      </a:pPr>
+                      <a:r>
+                        <a:rPr lang="en-GB" sz="1400" dirty="0">
+                          <a:solidFill>
+                            <a:schemeClr val="dk1"/>
+                          </a:solidFill>
+                        </a:rPr>
+                        <a:t>The customers can vary their routines</a:t>
+                      </a:r>
+                      <a:endParaRPr sz="1400" dirty="0"/>
+                    </a:p>
+                  </a:txBody>
+                  <a:tcPr marL="45720" marR="45720" anchor="ctr"/>
+                </a:tc>
+                <a:tc>
+                  <a:txBody>
+                    <a:bodyPr/>
+                    <a:lstStyle/>
+                    <a:p>
+                      <a:pPr marL="0" lvl="0" indent="0" algn="l" rtl="0">
+                        <a:lnSpc>
+                          <a:spcPct val="100000"/>
+                        </a:lnSpc>
+                        <a:spcBef>
+                          <a:spcPts val="0"/>
+                        </a:spcBef>
+                        <a:spcAft>
+                          <a:spcPts val="0"/>
+                        </a:spcAft>
+                        <a:buNone/>
+                      </a:pPr>
+                      <a:r>
+                        <a:rPr lang="en-GB" sz="1400" dirty="0"/>
+                        <a:t>2</a:t>
+                      </a:r>
+                      <a:endParaRPr sz="1400" dirty="0"/>
+                    </a:p>
+                  </a:txBody>
+                  <a:tcPr marL="45720" marR="45720" anchor="ctr"/>
+                </a:tc>
+                <a:tc>
+                  <a:txBody>
+                    <a:bodyPr/>
+                    <a:lstStyle/>
+                    <a:p>
+                      <a:pPr marL="0" lvl="0" indent="0" algn="l" rtl="0">
+                        <a:lnSpc>
+                          <a:spcPct val="100000"/>
+                        </a:lnSpc>
+                        <a:spcBef>
+                          <a:spcPts val="0"/>
+                        </a:spcBef>
+                        <a:spcAft>
+                          <a:spcPts val="0"/>
+                        </a:spcAft>
+                        <a:buNone/>
+                      </a:pPr>
+                      <a:r>
+                        <a:rPr lang="en-GB" sz="1400" dirty="0"/>
+                        <a:t>2</a:t>
+                      </a:r>
+                      <a:endParaRPr sz="1400" dirty="0"/>
+                    </a:p>
+                  </a:txBody>
+                  <a:tcPr marL="45720" marR="45720" anchor="ctr"/>
+                </a:tc>
+                <a:tc>
+                  <a:txBody>
+                    <a:bodyPr/>
+                    <a:lstStyle/>
+                    <a:p>
+                      <a:pPr marL="0" lvl="0" indent="0" algn="l" rtl="0">
+                        <a:lnSpc>
+                          <a:spcPct val="100000"/>
+                        </a:lnSpc>
+                        <a:spcBef>
+                          <a:spcPts val="0"/>
+                        </a:spcBef>
+                        <a:spcAft>
+                          <a:spcPts val="0"/>
+                        </a:spcAft>
+                        <a:buClr>
+                          <a:schemeClr val="dk1"/>
+                        </a:buClr>
+                        <a:buSzPts val="800"/>
+                        <a:buFont typeface="Arial"/>
+                        <a:buNone/>
+                      </a:pPr>
+                      <a:r>
+                        <a:rPr lang="en-GB" sz="1400" dirty="0">
+                          <a:solidFill>
+                            <a:schemeClr val="dk1"/>
+                          </a:solidFill>
+                        </a:rPr>
+                        <a:t>Done</a:t>
+                      </a:r>
+                      <a:endParaRPr sz="1400" dirty="0"/>
+                    </a:p>
+                  </a:txBody>
+                  <a:tcPr marL="45720" marR="45720" anchor="ctr"/>
+                </a:tc>
+                <a:extLst>
+                  <a:ext uri="{0D108BD9-81ED-4DB2-BD59-A6C34878D82A}">
+                    <a16:rowId xmlns:a16="http://schemas.microsoft.com/office/drawing/2014/main" val="10014"/>
+                  </a:ext>
+                </a:extLst>
+              </a:tr>
+              <a:tr h="360000">
+                <a:tc>
+                  <a:txBody>
+                    <a:bodyPr/>
+                    <a:lstStyle/>
+                    <a:p>
+                      <a:pPr marL="0" lvl="0" indent="0" algn="l" rtl="0">
+                        <a:lnSpc>
+                          <a:spcPct val="100000"/>
+                        </a:lnSpc>
+                        <a:spcBef>
+                          <a:spcPts val="0"/>
+                        </a:spcBef>
+                        <a:spcAft>
+                          <a:spcPts val="0"/>
+                        </a:spcAft>
+                        <a:buNone/>
+                      </a:pPr>
+                      <a:r>
+                        <a:rPr lang="en-GB" sz="1400" dirty="0"/>
+                        <a:t>15</a:t>
+                      </a:r>
+                      <a:endParaRPr sz="1400" dirty="0"/>
+                    </a:p>
+                  </a:txBody>
+                  <a:tcPr marL="45720" marR="45720" anchor="ctr"/>
+                </a:tc>
+                <a:tc>
+                  <a:txBody>
+                    <a:bodyPr/>
+                    <a:lstStyle/>
+                    <a:p>
+                      <a:pPr marL="0" lvl="0" indent="0" algn="l" rtl="0">
+                        <a:lnSpc>
+                          <a:spcPct val="100000"/>
+                        </a:lnSpc>
+                        <a:spcBef>
+                          <a:spcPts val="0"/>
+                        </a:spcBef>
+                        <a:spcAft>
+                          <a:spcPts val="0"/>
+                        </a:spcAft>
+                        <a:buClr>
+                          <a:schemeClr val="dk1"/>
+                        </a:buClr>
+                        <a:buSzPts val="800"/>
+                        <a:buFont typeface="Arial"/>
+                        <a:buNone/>
+                      </a:pPr>
+                      <a:r>
+                        <a:rPr lang="en-GB" sz="1400" dirty="0">
+                          <a:solidFill>
+                            <a:schemeClr val="dk1"/>
+                          </a:solidFill>
+                        </a:rPr>
+                        <a:t>User</a:t>
+                      </a:r>
+                      <a:endParaRPr sz="1400" dirty="0"/>
+                    </a:p>
+                  </a:txBody>
+                  <a:tcPr marL="45720" marR="45720" anchor="ctr"/>
+                </a:tc>
+                <a:tc>
+                  <a:txBody>
+                    <a:bodyPr/>
+                    <a:lstStyle/>
+                    <a:p>
+                      <a:pPr marL="0" lvl="0" indent="0" algn="l" rtl="0">
+                        <a:lnSpc>
+                          <a:spcPct val="100000"/>
+                        </a:lnSpc>
+                        <a:spcBef>
+                          <a:spcPts val="0"/>
+                        </a:spcBef>
+                        <a:spcAft>
+                          <a:spcPts val="0"/>
+                        </a:spcAft>
+                        <a:buNone/>
+                      </a:pPr>
+                      <a:r>
+                        <a:rPr lang="en-GB" sz="1400" dirty="0">
+                          <a:solidFill>
+                            <a:schemeClr val="dk1"/>
+                          </a:solidFill>
+                        </a:rPr>
+                        <a:t>Synchronize routines with a calendar</a:t>
+                      </a:r>
+                      <a:endParaRPr sz="1400" dirty="0"/>
+                    </a:p>
+                  </a:txBody>
+                  <a:tcPr marL="45720" marR="45720" anchor="ctr"/>
+                </a:tc>
+                <a:tc>
+                  <a:txBody>
+                    <a:bodyPr/>
+                    <a:lstStyle/>
+                    <a:p>
+                      <a:pPr marL="0" lvl="0" indent="0" algn="l" rtl="0">
+                        <a:lnSpc>
+                          <a:spcPct val="100000"/>
+                        </a:lnSpc>
+                        <a:spcBef>
+                          <a:spcPts val="0"/>
+                        </a:spcBef>
+                        <a:spcAft>
+                          <a:spcPts val="0"/>
+                        </a:spcAft>
+                        <a:buNone/>
+                      </a:pPr>
+                      <a:r>
+                        <a:rPr lang="en-GB" sz="1400" dirty="0">
+                          <a:solidFill>
+                            <a:schemeClr val="dk1"/>
+                          </a:solidFill>
+                        </a:rPr>
+                        <a:t>That activities don’t overlap. </a:t>
+                      </a:r>
+                      <a:endParaRPr sz="1400"/>
+                    </a:p>
+                  </a:txBody>
+                  <a:tcPr marL="45720" marR="45720" anchor="ctr"/>
+                </a:tc>
+                <a:tc>
+                  <a:txBody>
+                    <a:bodyPr/>
+                    <a:lstStyle/>
+                    <a:p>
+                      <a:pPr marL="0" lvl="0" indent="0" algn="l" rtl="0">
+                        <a:lnSpc>
+                          <a:spcPct val="100000"/>
+                        </a:lnSpc>
+                        <a:spcBef>
+                          <a:spcPts val="0"/>
+                        </a:spcBef>
+                        <a:spcAft>
+                          <a:spcPts val="0"/>
+                        </a:spcAft>
+                        <a:buNone/>
+                      </a:pPr>
+                      <a:r>
+                        <a:rPr lang="en-GB" sz="1400" dirty="0"/>
+                        <a:t>3</a:t>
+                      </a:r>
+                      <a:endParaRPr sz="1400" dirty="0"/>
+                    </a:p>
+                  </a:txBody>
+                  <a:tcPr marL="45720" marR="45720" anchor="ctr"/>
+                </a:tc>
+                <a:tc>
+                  <a:txBody>
+                    <a:bodyPr/>
+                    <a:lstStyle/>
+                    <a:p>
+                      <a:pPr marL="0" lvl="0" indent="0" algn="l" rtl="0">
+                        <a:lnSpc>
+                          <a:spcPct val="100000"/>
+                        </a:lnSpc>
+                        <a:spcBef>
+                          <a:spcPts val="0"/>
+                        </a:spcBef>
+                        <a:spcAft>
+                          <a:spcPts val="0"/>
+                        </a:spcAft>
+                        <a:buNone/>
+                      </a:pPr>
+                      <a:r>
+                        <a:rPr lang="en-GB" sz="1400" dirty="0"/>
+                        <a:t>15</a:t>
+                      </a:r>
+                      <a:endParaRPr sz="1400" dirty="0"/>
+                    </a:p>
+                  </a:txBody>
+                  <a:tcPr marL="45720" marR="45720" anchor="ctr"/>
+                </a:tc>
+                <a:tc>
+                  <a:txBody>
+                    <a:bodyPr/>
+                    <a:lstStyle/>
+                    <a:p>
+                      <a:pPr marL="0" lvl="0" indent="0" algn="l" rtl="0">
+                        <a:lnSpc>
+                          <a:spcPct val="100000"/>
+                        </a:lnSpc>
+                        <a:spcBef>
+                          <a:spcPts val="0"/>
+                        </a:spcBef>
+                        <a:spcAft>
+                          <a:spcPts val="0"/>
+                        </a:spcAft>
+                        <a:buClr>
+                          <a:schemeClr val="dk1"/>
+                        </a:buClr>
+                        <a:buSzPts val="800"/>
+                        <a:buFont typeface="Arial"/>
+                        <a:buNone/>
+                      </a:pPr>
+                      <a:r>
+                        <a:rPr lang="en-GB" sz="1400" dirty="0">
+                          <a:solidFill>
+                            <a:schemeClr val="dk1"/>
+                          </a:solidFill>
+                        </a:rPr>
+                        <a:t>Done</a:t>
+                      </a:r>
+                      <a:endParaRPr sz="1400" dirty="0"/>
+                    </a:p>
+                  </a:txBody>
+                  <a:tcPr marL="45720" marR="45720" anchor="ctr"/>
+                </a:tc>
+                <a:extLst>
+                  <a:ext uri="{0D108BD9-81ED-4DB2-BD59-A6C34878D82A}">
+                    <a16:rowId xmlns:a16="http://schemas.microsoft.com/office/drawing/2014/main" val="10015"/>
+                  </a:ext>
+                </a:extLst>
+              </a:tr>
+            </a:tbl>
+          </a:graphicData>
+        </a:graphic>
+      </p:graphicFrame>
       <p:sp>
         <p:nvSpPr>
-          <p:cNvPr id="2" name="Title 1">
+          <p:cNvPr id="2" name="TextBox 1">
             <a:extLst>
               <a:ext uri="{FF2B5EF4-FFF2-40B4-BE49-F238E27FC236}">
-                <a16:creationId xmlns:a16="http://schemas.microsoft.com/office/drawing/2014/main" id="{5C32DEFF-93F6-4F72-8207-E2DA28CE826F}"/>
+                <a16:creationId xmlns:a16="http://schemas.microsoft.com/office/drawing/2014/main" id="{2749B398-05D0-475E-A956-385AF67BC6DD}"/>
               </a:ext>
             </a:extLst>
           </p:cNvPr>
-          <p:cNvSpPr>
-            <a:spLocks noGrp="1"/>
-          </p:cNvSpPr>
-          <p:nvPr>
-            <p:ph type="title"/>
-          </p:nvPr>
+          <p:cNvSpPr txBox="1"/>
+          <p:nvPr/>
         </p:nvSpPr>
-        <p:spPr/>
+        <p:spPr>
+          <a:xfrm>
+            <a:off x="8763912" y="53639"/>
+            <a:ext cx="3641761" cy="492443"/>
+          </a:xfrm>
+          <a:prstGeom prst="rect">
+            <a:avLst/>
+          </a:prstGeom>
+          <a:noFill/>
+        </p:spPr>
         <p:txBody>
-          <a:bodyPr/>
+          <a:bodyPr rot="0" spcFirstLastPara="0" vertOverflow="overflow" horzOverflow="overflow" vert="horz" wrap="square" lIns="91440" tIns="45720" rIns="91440" bIns="45720" numCol="1" spcCol="0" rtlCol="0" fromWordArt="0" anchor="t" anchorCtr="0" forceAA="0" compatLnSpc="1">
+            <a:prstTxWarp prst="textNoShape">
+              <a:avLst/>
+            </a:prstTxWarp>
+            <a:spAutoFit/>
+          </a:bodyPr>
           <a:lstStyle/>
           <a:p>
-            <a:pPr algn="r"/>
-            <a:r>
-              <a:rPr lang="en-CA" b="1" dirty="0">
+            <a:r>
+              <a:rPr lang="en-CA" sz="2600" b="1" dirty="0">
                 <a:solidFill>
-                  <a:schemeClr val="bg2">
-                    <a:lumMod val="10000"/>
-                  </a:schemeClr>
+                  <a:srgbClr val="181717"/>
                 </a:solidFill>
-                <a:latin typeface="Century Gothic" panose="020B0502020202020204" pitchFamily="34" charset="0"/>
+                <a:latin typeface="Century Gothic"/>
               </a:rPr>
-              <a:t>Sprint Backlog</a:t>
-            </a:r>
-            <a:endParaRPr lang="en-US" dirty="0"/>
+              <a:t>Product Backlog</a:t>
+            </a:r>
+            <a:endParaRPr lang="en-US" sz="2600" dirty="0"/>
           </a:p>
         </p:txBody>
       </p:sp>
       <p:pic>
         <p:nvPicPr>
-          <p:cNvPr id="5" name="Content Placeholder 4" descr="Application Logo&#10;">
+          <p:cNvPr id="3" name="Content Placeholder 4" descr="Application Logo&#10;">
             <a:extLst>
               <a:ext uri="{FF2B5EF4-FFF2-40B4-BE49-F238E27FC236}">
-                <a16:creationId xmlns:a16="http://schemas.microsoft.com/office/drawing/2014/main" id="{5D9D0740-9906-461C-AA67-F598ACABA633}"/>
+                <a16:creationId xmlns:a16="http://schemas.microsoft.com/office/drawing/2014/main" id="{565245D1-41DC-4EFF-BDD9-63A0C24D15FF}"/>
               </a:ext>
             </a:extLst>
           </p:cNvPr>
           <p:cNvPicPr>
-            <a:picLocks noGrp="1" noChangeAspect="1"/>
+            <a:picLocks noChangeAspect="1"/>
           </p:cNvPicPr>
-          <p:nvPr>
-            <p:ph idx="1"/>
-          </p:nvPr>
+          <p:nvPr/>
         </p:nvPicPr>
         <p:blipFill>
           <a:blip r:embed="rId3" cstate="print">
@@ -7363,52 +11248,18 @@
         </p:blipFill>
         <p:spPr>
           <a:xfrm>
-            <a:off x="838199" y="365124"/>
-            <a:ext cx="3469573" cy="1325563"/>
-          </a:xfrm>
-        </p:spPr>
-      </p:pic>
-      <p:sp>
-        <p:nvSpPr>
-          <p:cNvPr id="4" name="Rectangle 3">
-            <a:extLst>
-              <a:ext uri="{FF2B5EF4-FFF2-40B4-BE49-F238E27FC236}">
-                <a16:creationId xmlns:a16="http://schemas.microsoft.com/office/drawing/2014/main" id="{15056FC6-EB01-4538-A4D2-E32196144222}"/>
-              </a:ext>
-            </a:extLst>
-          </p:cNvPr>
-          <p:cNvSpPr/>
-          <p:nvPr/>
-        </p:nvSpPr>
-        <p:spPr>
-          <a:xfrm>
-            <a:off x="5555261" y="6300272"/>
-            <a:ext cx="1386277" cy="369332"/>
+            <a:off x="483973" y="43976"/>
+            <a:ext cx="1245357" cy="481185"/>
           </a:xfrm>
           <a:prstGeom prst="rect">
             <a:avLst/>
           </a:prstGeom>
         </p:spPr>
-        <p:txBody>
-          <a:bodyPr wrap="none">
-            <a:spAutoFit/>
-          </a:bodyPr>
-          <a:lstStyle/>
-          <a:p>
-            <a:r>
-              <a:rPr lang="en-CA" dirty="0">
-                <a:hlinkClick r:id="rId4" action="ppaction://hlinkfile"/>
-              </a:rPr>
-              <a:t>More Details</a:t>
-            </a:r>
-            <a:endParaRPr lang="en-US" dirty="0"/>
-          </a:p>
-        </p:txBody>
-      </p:sp>
+      </p:pic>
     </p:spTree>
     <p:extLst>
       <p:ext uri="{BB962C8B-B14F-4D97-AF65-F5344CB8AC3E}">
-        <p14:creationId xmlns:p14="http://schemas.microsoft.com/office/powerpoint/2010/main" val="1445436857"/>
+        <p14:creationId xmlns:p14="http://schemas.microsoft.com/office/powerpoint/2010/main" val="4236582707"/>
       </p:ext>
     </p:extLst>
   </p:cSld>
@@ -7544,6 +11395,2219 @@
           </a:p>
         </p:txBody>
       </p:sp>
+      <p:graphicFrame>
+        <p:nvGraphicFramePr>
+          <p:cNvPr id="6" name="Table 5">
+            <a:extLst>
+              <a:ext uri="{FF2B5EF4-FFF2-40B4-BE49-F238E27FC236}">
+                <a16:creationId xmlns:a16="http://schemas.microsoft.com/office/drawing/2014/main" id="{D1390651-273C-4D83-8CB8-BD30CCEF3B2B}"/>
+              </a:ext>
+            </a:extLst>
+          </p:cNvPr>
+          <p:cNvGraphicFramePr>
+            <a:graphicFrameLocks noGrp="1"/>
+          </p:cNvGraphicFramePr>
+          <p:nvPr>
+            <p:extLst>
+              <p:ext uri="{D42A27DB-BD31-4B8C-83A1-F6EECF244321}">
+                <p14:modId xmlns:p14="http://schemas.microsoft.com/office/powerpoint/2010/main" val="826809362"/>
+              </p:ext>
+            </p:extLst>
+          </p:nvPr>
+        </p:nvGraphicFramePr>
+        <p:xfrm>
+          <a:off x="92675" y="30892"/>
+          <a:ext cx="12051511" cy="6957060"/>
+        </p:xfrm>
+        <a:graphic>
+          <a:graphicData uri="http://schemas.openxmlformats.org/drawingml/2006/table">
+            <a:tbl>
+              <a:tblPr firstRow="1" bandRow="1">
+                <a:tableStyleId>{5C22544A-7EE6-4342-B048-85BDC9FD1C3A}</a:tableStyleId>
+              </a:tblPr>
+              <a:tblGrid>
+                <a:gridCol w="505560">
+                  <a:extLst>
+                    <a:ext uri="{9D8B030D-6E8A-4147-A177-3AD203B41FA5}">
+                      <a16:colId xmlns:a16="http://schemas.microsoft.com/office/drawing/2014/main" val="1131969667"/>
+                    </a:ext>
+                  </a:extLst>
+                </a:gridCol>
+                <a:gridCol w="3707459">
+                  <a:extLst>
+                    <a:ext uri="{9D8B030D-6E8A-4147-A177-3AD203B41FA5}">
+                      <a16:colId xmlns:a16="http://schemas.microsoft.com/office/drawing/2014/main" val="2224254184"/>
+                    </a:ext>
+                  </a:extLst>
+                </a:gridCol>
+                <a:gridCol w="2431725">
+                  <a:extLst>
+                    <a:ext uri="{9D8B030D-6E8A-4147-A177-3AD203B41FA5}">
+                      <a16:colId xmlns:a16="http://schemas.microsoft.com/office/drawing/2014/main" val="2482270979"/>
+                    </a:ext>
+                  </a:extLst>
+                </a:gridCol>
+                <a:gridCol w="1470720">
+                  <a:extLst>
+                    <a:ext uri="{9D8B030D-6E8A-4147-A177-3AD203B41FA5}">
+                      <a16:colId xmlns:a16="http://schemas.microsoft.com/office/drawing/2014/main" val="2056432797"/>
+                    </a:ext>
+                  </a:extLst>
+                </a:gridCol>
+                <a:gridCol w="1405278">
+                  <a:extLst>
+                    <a:ext uri="{9D8B030D-6E8A-4147-A177-3AD203B41FA5}">
+                      <a16:colId xmlns:a16="http://schemas.microsoft.com/office/drawing/2014/main" val="2337707653"/>
+                    </a:ext>
+                  </a:extLst>
+                </a:gridCol>
+                <a:gridCol w="1133674">
+                  <a:extLst>
+                    <a:ext uri="{9D8B030D-6E8A-4147-A177-3AD203B41FA5}">
+                      <a16:colId xmlns:a16="http://schemas.microsoft.com/office/drawing/2014/main" val="1660718486"/>
+                    </a:ext>
+                  </a:extLst>
+                </a:gridCol>
+                <a:gridCol w="1397095">
+                  <a:extLst>
+                    <a:ext uri="{9D8B030D-6E8A-4147-A177-3AD203B41FA5}">
+                      <a16:colId xmlns:a16="http://schemas.microsoft.com/office/drawing/2014/main" val="1616338848"/>
+                    </a:ext>
+                  </a:extLst>
+                </a:gridCol>
+              </a:tblGrid>
+              <a:tr h="300802">
+                <a:tc gridSpan="7">
+                  <a:txBody>
+                    <a:bodyPr/>
+                    <a:lstStyle/>
+                    <a:p>
+                      <a:pPr algn="ctr" rtl="0" fontAlgn="b"/>
+                      <a:r>
+                        <a:rPr lang="en-US" dirty="0">
+                          <a:effectLst/>
+                        </a:rPr>
+                        <a:t>SPRINT BACKLOG</a:t>
+                      </a:r>
+                      <a:endParaRPr lang="en-US" b="1" dirty="0">
+                        <a:effectLst/>
+                      </a:endParaRPr>
+                    </a:p>
+                  </a:txBody>
+                  <a:tcPr marL="28575" marR="28575" marT="19050" marB="19050" anchor="b"/>
+                </a:tc>
+                <a:tc hMerge="1">
+                  <a:txBody>
+                    <a:bodyPr/>
+                    <a:lstStyle/>
+                    <a:p>
+                      <a:endParaRPr lang="en-US"/>
+                    </a:p>
+                  </a:txBody>
+                  <a:tcPr/>
+                </a:tc>
+                <a:tc hMerge="1">
+                  <a:txBody>
+                    <a:bodyPr/>
+                    <a:lstStyle/>
+                    <a:p>
+                      <a:endParaRPr lang="en-US"/>
+                    </a:p>
+                  </a:txBody>
+                  <a:tcPr/>
+                </a:tc>
+                <a:tc hMerge="1">
+                  <a:txBody>
+                    <a:bodyPr/>
+                    <a:lstStyle/>
+                    <a:p>
+                      <a:endParaRPr lang="en-US"/>
+                    </a:p>
+                  </a:txBody>
+                  <a:tcPr/>
+                </a:tc>
+                <a:tc hMerge="1">
+                  <a:txBody>
+                    <a:bodyPr/>
+                    <a:lstStyle/>
+                    <a:p>
+                      <a:endParaRPr lang="en-US"/>
+                    </a:p>
+                  </a:txBody>
+                  <a:tcPr/>
+                </a:tc>
+                <a:tc hMerge="1">
+                  <a:txBody>
+                    <a:bodyPr/>
+                    <a:lstStyle/>
+                    <a:p>
+                      <a:endParaRPr lang="en-US"/>
+                    </a:p>
+                  </a:txBody>
+                  <a:tcPr/>
+                </a:tc>
+                <a:tc hMerge="1">
+                  <a:txBody>
+                    <a:bodyPr/>
+                    <a:lstStyle/>
+                    <a:p>
+                      <a:endParaRPr lang="en-US"/>
+                    </a:p>
+                  </a:txBody>
+                  <a:tcPr/>
+                </a:tc>
+                <a:extLst>
+                  <a:ext uri="{0D108BD9-81ED-4DB2-BD59-A6C34878D82A}">
+                    <a16:rowId xmlns:a16="http://schemas.microsoft.com/office/drawing/2014/main" val="3376618080"/>
+                  </a:ext>
+                </a:extLst>
+              </a:tr>
+              <a:tr h="564003">
+                <a:tc>
+                  <a:txBody>
+                    <a:bodyPr/>
+                    <a:lstStyle/>
+                    <a:p>
+                      <a:pPr algn="ctr" rtl="0" fontAlgn="b"/>
+                      <a:r>
+                        <a:rPr lang="en-US" dirty="0">
+                          <a:effectLst/>
+                        </a:rPr>
+                        <a:t>ID#</a:t>
+                      </a:r>
+                      <a:endParaRPr lang="en-US" dirty="0">
+                        <a:solidFill>
+                          <a:srgbClr val="FFFFFF"/>
+                        </a:solidFill>
+                        <a:effectLst/>
+                      </a:endParaRPr>
+                    </a:p>
+                  </a:txBody>
+                  <a:tcPr marL="28575" marR="28575" marT="19050" marB="19050" anchor="b"/>
+                </a:tc>
+                <a:tc>
+                  <a:txBody>
+                    <a:bodyPr/>
+                    <a:lstStyle/>
+                    <a:p>
+                      <a:pPr algn="ctr" rtl="0" fontAlgn="b"/>
+                      <a:r>
+                        <a:rPr lang="en-US" dirty="0">
+                          <a:effectLst/>
+                        </a:rPr>
+                        <a:t>Task Name</a:t>
+                      </a:r>
+                      <a:endParaRPr lang="en-US" dirty="0">
+                        <a:solidFill>
+                          <a:srgbClr val="FFFFFF"/>
+                        </a:solidFill>
+                        <a:effectLst/>
+                      </a:endParaRPr>
+                    </a:p>
+                  </a:txBody>
+                  <a:tcPr marL="28575" marR="28575" marT="19050" marB="19050" anchor="b"/>
+                </a:tc>
+                <a:tc>
+                  <a:txBody>
+                    <a:bodyPr/>
+                    <a:lstStyle/>
+                    <a:p>
+                      <a:pPr algn="ctr" rtl="0" fontAlgn="b"/>
+                      <a:r>
+                        <a:rPr lang="en-US" dirty="0">
+                          <a:effectLst/>
+                        </a:rPr>
+                        <a:t>Responsible </a:t>
+                      </a:r>
+                      <a:endParaRPr lang="en-US">
+                        <a:solidFill>
+                          <a:srgbClr val="FFFFFF"/>
+                        </a:solidFill>
+                        <a:effectLst/>
+                      </a:endParaRPr>
+                    </a:p>
+                  </a:txBody>
+                  <a:tcPr marL="28575" marR="28575" marT="19050" marB="19050" anchor="b"/>
+                </a:tc>
+                <a:tc>
+                  <a:txBody>
+                    <a:bodyPr/>
+                    <a:lstStyle/>
+                    <a:p>
+                      <a:pPr algn="ctr" rtl="0" fontAlgn="b"/>
+                      <a:r>
+                        <a:rPr lang="en-US" dirty="0">
+                          <a:effectLst/>
+                        </a:rPr>
+                        <a:t>Start</a:t>
+                      </a:r>
+                      <a:endParaRPr lang="en-US" dirty="0">
+                        <a:solidFill>
+                          <a:srgbClr val="FFFFFF"/>
+                        </a:solidFill>
+                        <a:effectLst/>
+                      </a:endParaRPr>
+                    </a:p>
+                  </a:txBody>
+                  <a:tcPr marL="28575" marR="28575" marT="19050" marB="19050" anchor="b"/>
+                </a:tc>
+                <a:tc>
+                  <a:txBody>
+                    <a:bodyPr/>
+                    <a:lstStyle/>
+                    <a:p>
+                      <a:pPr algn="ctr" rtl="0" fontAlgn="b"/>
+                      <a:r>
+                        <a:rPr lang="en-US" dirty="0">
+                          <a:effectLst/>
+                        </a:rPr>
+                        <a:t>Finish</a:t>
+                      </a:r>
+                      <a:endParaRPr lang="en-US" dirty="0">
+                        <a:solidFill>
+                          <a:srgbClr val="FFFFFF"/>
+                        </a:solidFill>
+                        <a:effectLst/>
+                      </a:endParaRPr>
+                    </a:p>
+                  </a:txBody>
+                  <a:tcPr marL="28575" marR="28575" marT="19050" marB="19050" anchor="b"/>
+                </a:tc>
+                <a:tc>
+                  <a:txBody>
+                    <a:bodyPr/>
+                    <a:lstStyle/>
+                    <a:p>
+                      <a:pPr algn="ctr" rtl="0" fontAlgn="b"/>
+                      <a:r>
+                        <a:rPr lang="en-US" dirty="0">
+                          <a:effectLst/>
+                        </a:rPr>
+                        <a:t>Duration (Days)</a:t>
+                      </a:r>
+                      <a:endParaRPr lang="en-US" dirty="0">
+                        <a:solidFill>
+                          <a:srgbClr val="FFFFFF"/>
+                        </a:solidFill>
+                        <a:effectLst/>
+                      </a:endParaRPr>
+                    </a:p>
+                  </a:txBody>
+                  <a:tcPr marL="28575" marR="28575" marT="19050" marB="19050" anchor="b"/>
+                </a:tc>
+                <a:tc>
+                  <a:txBody>
+                    <a:bodyPr/>
+                    <a:lstStyle/>
+                    <a:p>
+                      <a:pPr algn="ctr" rtl="0" fontAlgn="b"/>
+                      <a:r>
+                        <a:rPr lang="en-US" dirty="0">
+                          <a:effectLst/>
+                        </a:rPr>
+                        <a:t>Status</a:t>
+                      </a:r>
+                      <a:endParaRPr lang="en-US" dirty="0">
+                        <a:solidFill>
+                          <a:srgbClr val="FFFFFF"/>
+                        </a:solidFill>
+                        <a:effectLst/>
+                      </a:endParaRPr>
+                    </a:p>
+                  </a:txBody>
+                  <a:tcPr marL="28575" marR="28575" marT="19050" marB="19050" anchor="b"/>
+                </a:tc>
+                <a:extLst>
+                  <a:ext uri="{0D108BD9-81ED-4DB2-BD59-A6C34878D82A}">
+                    <a16:rowId xmlns:a16="http://schemas.microsoft.com/office/drawing/2014/main" val="1355937326"/>
+                  </a:ext>
+                </a:extLst>
+              </a:tr>
+              <a:tr h="564003">
+                <a:tc>
+                  <a:txBody>
+                    <a:bodyPr/>
+                    <a:lstStyle/>
+                    <a:p>
+                      <a:pPr algn="ctr" rtl="0" fontAlgn="b"/>
+                      <a:r>
+                        <a:rPr lang="en-US" dirty="0">
+                          <a:effectLst/>
+                        </a:rPr>
+                        <a:t>1</a:t>
+                      </a:r>
+                    </a:p>
+                  </a:txBody>
+                  <a:tcPr marL="28575" marR="28575" marT="19050" marB="19050" anchor="b"/>
+                </a:tc>
+                <a:tc>
+                  <a:txBody>
+                    <a:bodyPr/>
+                    <a:lstStyle/>
+                    <a:p>
+                      <a:pPr rtl="0" fontAlgn="b"/>
+                      <a:r>
+                        <a:rPr lang="en-US" dirty="0">
+                          <a:effectLst/>
+                        </a:rPr>
+                        <a:t>Receive suggested workouts based on personal data</a:t>
+                      </a:r>
+                    </a:p>
+                  </a:txBody>
+                  <a:tcPr marL="28575" marR="28575" marT="19050" marB="19050" anchor="b"/>
+                </a:tc>
+                <a:tc>
+                  <a:txBody>
+                    <a:bodyPr/>
+                    <a:lstStyle/>
+                    <a:p>
+                      <a:pPr algn="ctr" rtl="0" fontAlgn="b"/>
+                      <a:r>
+                        <a:rPr lang="en-US" dirty="0">
+                          <a:effectLst/>
+                        </a:rPr>
+                        <a:t>Nadezhda </a:t>
+                      </a:r>
+                      <a:r>
+                        <a:rPr lang="en-US" dirty="0" err="1">
+                          <a:effectLst/>
+                        </a:rPr>
+                        <a:t>Mokhireva</a:t>
+                      </a:r>
+                    </a:p>
+                  </a:txBody>
+                  <a:tcPr marL="28575" marR="28575" marT="19050" marB="19050" anchor="b"/>
+                </a:tc>
+                <a:tc>
+                  <a:txBody>
+                    <a:bodyPr/>
+                    <a:lstStyle/>
+                    <a:p>
+                      <a:pPr algn="ctr" rtl="0" fontAlgn="b"/>
+                      <a:r>
+                        <a:rPr lang="en-US" dirty="0">
+                          <a:effectLst/>
+                        </a:rPr>
+                        <a:t>9/25/2019</a:t>
+                      </a:r>
+                    </a:p>
+                  </a:txBody>
+                  <a:tcPr marL="28575" marR="28575" marT="19050" marB="19050" anchor="b"/>
+                </a:tc>
+                <a:tc>
+                  <a:txBody>
+                    <a:bodyPr/>
+                    <a:lstStyle/>
+                    <a:p>
+                      <a:pPr algn="ctr" rtl="0" fontAlgn="b"/>
+                      <a:r>
+                        <a:rPr lang="en-US" dirty="0">
+                          <a:effectLst/>
+                        </a:rPr>
+                        <a:t>10/07/2019</a:t>
+                      </a:r>
+                    </a:p>
+                  </a:txBody>
+                  <a:tcPr marL="28575" marR="28575" marT="19050" marB="19050" anchor="b"/>
+                </a:tc>
+                <a:tc>
+                  <a:txBody>
+                    <a:bodyPr/>
+                    <a:lstStyle/>
+                    <a:p>
+                      <a:pPr algn="ctr" rtl="0" fontAlgn="b"/>
+                      <a:r>
+                        <a:rPr lang="en-US" dirty="0">
+                          <a:effectLst/>
+                        </a:rPr>
+                        <a:t>12</a:t>
+                      </a:r>
+                    </a:p>
+                  </a:txBody>
+                  <a:tcPr marL="28575" marR="28575" marT="19050" marB="19050" anchor="b"/>
+                </a:tc>
+                <a:tc>
+                  <a:txBody>
+                    <a:bodyPr/>
+                    <a:lstStyle/>
+                    <a:p>
+                      <a:pPr algn="ctr" rtl="0" fontAlgn="b"/>
+                      <a:r>
+                        <a:rPr lang="en-US" dirty="0">
+                          <a:effectLst/>
+                        </a:rPr>
+                        <a:t>Complete</a:t>
+                      </a:r>
+                    </a:p>
+                  </a:txBody>
+                  <a:tcPr marL="28575" marR="28575" marT="19050" marB="19050" anchor="b"/>
+                </a:tc>
+                <a:extLst>
+                  <a:ext uri="{0D108BD9-81ED-4DB2-BD59-A6C34878D82A}">
+                    <a16:rowId xmlns:a16="http://schemas.microsoft.com/office/drawing/2014/main" val="1424687307"/>
+                  </a:ext>
+                </a:extLst>
+              </a:tr>
+              <a:tr h="300802">
+                <a:tc>
+                  <a:txBody>
+                    <a:bodyPr/>
+                    <a:lstStyle/>
+                    <a:p>
+                      <a:pPr algn="ctr" rtl="0" fontAlgn="b"/>
+                      <a:r>
+                        <a:rPr lang="en-US" dirty="0">
+                          <a:effectLst/>
+                        </a:rPr>
+                        <a:t>2</a:t>
+                      </a:r>
+                    </a:p>
+                  </a:txBody>
+                  <a:tcPr marL="28575" marR="28575" marT="19050" marB="19050" anchor="b"/>
+                </a:tc>
+                <a:tc>
+                  <a:txBody>
+                    <a:bodyPr/>
+                    <a:lstStyle/>
+                    <a:p>
+                      <a:pPr rtl="0" fontAlgn="b"/>
+                      <a:r>
+                        <a:rPr lang="en-US" dirty="0">
+                          <a:effectLst/>
+                        </a:rPr>
+                        <a:t>Collect user feedback</a:t>
+                      </a:r>
+                    </a:p>
+                  </a:txBody>
+                  <a:tcPr marL="28575" marR="28575" marT="19050" marB="19050" anchor="b"/>
+                </a:tc>
+                <a:tc>
+                  <a:txBody>
+                    <a:bodyPr/>
+                    <a:lstStyle/>
+                    <a:p>
+                      <a:pPr algn="ctr" rtl="0" fontAlgn="b"/>
+                      <a:r>
+                        <a:rPr lang="en-US" dirty="0">
+                          <a:effectLst/>
+                        </a:rPr>
+                        <a:t>Mahdi </a:t>
+                      </a:r>
+                      <a:r>
+                        <a:rPr lang="en-US" dirty="0" err="1">
+                          <a:effectLst/>
+                        </a:rPr>
+                        <a:t>Esmaeelpour</a:t>
+                      </a:r>
+                    </a:p>
+                  </a:txBody>
+                  <a:tcPr marL="28575" marR="28575" marT="19050" marB="19050" anchor="b"/>
+                </a:tc>
+                <a:tc>
+                  <a:txBody>
+                    <a:bodyPr/>
+                    <a:lstStyle/>
+                    <a:p>
+                      <a:pPr algn="ctr" rtl="0" fontAlgn="b"/>
+                      <a:r>
+                        <a:rPr lang="en-US" dirty="0">
+                          <a:effectLst/>
+                        </a:rPr>
+                        <a:t>9/25/2019</a:t>
+                      </a:r>
+                    </a:p>
+                  </a:txBody>
+                  <a:tcPr marL="28575" marR="28575" marT="19050" marB="19050" anchor="b"/>
+                </a:tc>
+                <a:tc>
+                  <a:txBody>
+                    <a:bodyPr/>
+                    <a:lstStyle/>
+                    <a:p>
+                      <a:pPr algn="ctr" rtl="0" fontAlgn="b"/>
+                      <a:r>
+                        <a:rPr lang="en-US" dirty="0">
+                          <a:effectLst/>
+                        </a:rPr>
+                        <a:t>9/28/2019</a:t>
+                      </a:r>
+                    </a:p>
+                  </a:txBody>
+                  <a:tcPr marL="28575" marR="28575" marT="19050" marB="19050" anchor="b"/>
+                </a:tc>
+                <a:tc>
+                  <a:txBody>
+                    <a:bodyPr/>
+                    <a:lstStyle/>
+                    <a:p>
+                      <a:pPr algn="ctr" rtl="0" fontAlgn="b"/>
+                      <a:r>
+                        <a:rPr lang="en-US" dirty="0">
+                          <a:effectLst/>
+                        </a:rPr>
+                        <a:t>3</a:t>
+                      </a:r>
+                    </a:p>
+                  </a:txBody>
+                  <a:tcPr marL="28575" marR="28575" marT="19050" marB="19050" anchor="b"/>
+                </a:tc>
+                <a:tc>
+                  <a:txBody>
+                    <a:bodyPr/>
+                    <a:lstStyle/>
+                    <a:p>
+                      <a:pPr algn="ctr" rtl="0" fontAlgn="b"/>
+                      <a:r>
+                        <a:rPr lang="en-US" dirty="0">
+                          <a:effectLst/>
+                        </a:rPr>
+                        <a:t>Complete</a:t>
+                      </a:r>
+                    </a:p>
+                  </a:txBody>
+                  <a:tcPr marL="28575" marR="28575" marT="19050" marB="19050" anchor="b"/>
+                </a:tc>
+                <a:extLst>
+                  <a:ext uri="{0D108BD9-81ED-4DB2-BD59-A6C34878D82A}">
+                    <a16:rowId xmlns:a16="http://schemas.microsoft.com/office/drawing/2014/main" val="2194915290"/>
+                  </a:ext>
+                </a:extLst>
+              </a:tr>
+              <a:tr h="300802">
+                <a:tc>
+                  <a:txBody>
+                    <a:bodyPr/>
+                    <a:lstStyle/>
+                    <a:p>
+                      <a:pPr algn="ctr" rtl="0" fontAlgn="b"/>
+                      <a:r>
+                        <a:rPr lang="en-US" dirty="0">
+                          <a:effectLst/>
+                        </a:rPr>
+                        <a:t>3</a:t>
+                      </a:r>
+                    </a:p>
+                  </a:txBody>
+                  <a:tcPr marL="28575" marR="28575" marT="19050" marB="19050" anchor="b"/>
+                </a:tc>
+                <a:tc>
+                  <a:txBody>
+                    <a:bodyPr/>
+                    <a:lstStyle/>
+                    <a:p>
+                      <a:pPr rtl="0" fontAlgn="b"/>
+                      <a:r>
+                        <a:rPr lang="en-US" dirty="0">
+                          <a:effectLst/>
+                        </a:rPr>
+                        <a:t>Change a workout content</a:t>
+                      </a:r>
+                    </a:p>
+                  </a:txBody>
+                  <a:tcPr marL="28575" marR="28575" marT="19050" marB="19050" anchor="b"/>
+                </a:tc>
+                <a:tc>
+                  <a:txBody>
+                    <a:bodyPr/>
+                    <a:lstStyle/>
+                    <a:p>
+                      <a:pPr algn="ctr" rtl="0" fontAlgn="b"/>
+                      <a:r>
+                        <a:rPr lang="en-US" dirty="0">
+                          <a:effectLst/>
+                        </a:rPr>
+                        <a:t>Nadezhda </a:t>
+                      </a:r>
+                      <a:r>
+                        <a:rPr lang="en-US" dirty="0" err="1">
+                          <a:effectLst/>
+                        </a:rPr>
+                        <a:t>Mokhireva</a:t>
+                      </a:r>
+                    </a:p>
+                  </a:txBody>
+                  <a:tcPr marL="28575" marR="28575" marT="19050" marB="19050" anchor="b"/>
+                </a:tc>
+                <a:tc>
+                  <a:txBody>
+                    <a:bodyPr/>
+                    <a:lstStyle/>
+                    <a:p>
+                      <a:pPr algn="ctr" rtl="0" fontAlgn="b"/>
+                      <a:r>
+                        <a:rPr lang="en-US" dirty="0">
+                          <a:effectLst/>
+                        </a:rPr>
+                        <a:t>10/03/2019</a:t>
+                      </a:r>
+                    </a:p>
+                  </a:txBody>
+                  <a:tcPr marL="28575" marR="28575" marT="19050" marB="19050" anchor="b"/>
+                </a:tc>
+                <a:tc>
+                  <a:txBody>
+                    <a:bodyPr/>
+                    <a:lstStyle/>
+                    <a:p>
+                      <a:pPr algn="ctr" rtl="0" fontAlgn="b"/>
+                      <a:r>
+                        <a:rPr lang="en-US" dirty="0">
+                          <a:effectLst/>
+                        </a:rPr>
+                        <a:t>10/12/2019</a:t>
+                      </a:r>
+                    </a:p>
+                  </a:txBody>
+                  <a:tcPr marL="28575" marR="28575" marT="19050" marB="19050" anchor="b"/>
+                </a:tc>
+                <a:tc>
+                  <a:txBody>
+                    <a:bodyPr/>
+                    <a:lstStyle/>
+                    <a:p>
+                      <a:pPr algn="ctr" rtl="0" fontAlgn="b"/>
+                      <a:r>
+                        <a:rPr lang="en-US" dirty="0">
+                          <a:effectLst/>
+                        </a:rPr>
+                        <a:t>8</a:t>
+                      </a:r>
+                    </a:p>
+                  </a:txBody>
+                  <a:tcPr marL="28575" marR="28575" marT="19050" marB="19050" anchor="b"/>
+                </a:tc>
+                <a:tc>
+                  <a:txBody>
+                    <a:bodyPr/>
+                    <a:lstStyle/>
+                    <a:p>
+                      <a:pPr algn="ctr" rtl="0" fontAlgn="b"/>
+                      <a:r>
+                        <a:rPr lang="en-US" dirty="0">
+                          <a:effectLst/>
+                        </a:rPr>
+                        <a:t>In Progress</a:t>
+                      </a:r>
+                    </a:p>
+                  </a:txBody>
+                  <a:tcPr marL="28575" marR="28575" marT="19050" marB="19050" anchor="b"/>
+                </a:tc>
+                <a:extLst>
+                  <a:ext uri="{0D108BD9-81ED-4DB2-BD59-A6C34878D82A}">
+                    <a16:rowId xmlns:a16="http://schemas.microsoft.com/office/drawing/2014/main" val="813774213"/>
+                  </a:ext>
+                </a:extLst>
+              </a:tr>
+              <a:tr h="564003">
+                <a:tc>
+                  <a:txBody>
+                    <a:bodyPr/>
+                    <a:lstStyle/>
+                    <a:p>
+                      <a:pPr algn="ctr" rtl="0" fontAlgn="b"/>
+                      <a:r>
+                        <a:rPr lang="en-US" dirty="0">
+                          <a:effectLst/>
+                        </a:rPr>
+                        <a:t>4</a:t>
+                      </a:r>
+                    </a:p>
+                  </a:txBody>
+                  <a:tcPr marL="28575" marR="28575" marT="19050" marB="19050" anchor="b"/>
+                </a:tc>
+                <a:tc>
+                  <a:txBody>
+                    <a:bodyPr/>
+                    <a:lstStyle/>
+                    <a:p>
+                      <a:pPr rtl="0" fontAlgn="b"/>
+                      <a:r>
+                        <a:rPr lang="en-US" dirty="0">
+                          <a:effectLst/>
+                        </a:rPr>
+                        <a:t>Communicate technical issues to the development team</a:t>
+                      </a:r>
+                    </a:p>
+                  </a:txBody>
+                  <a:tcPr marL="28575" marR="28575" marT="19050" marB="19050" anchor="b"/>
+                </a:tc>
+                <a:tc>
+                  <a:txBody>
+                    <a:bodyPr/>
+                    <a:lstStyle/>
+                    <a:p>
+                      <a:pPr algn="ctr" rtl="0" fontAlgn="b"/>
+                      <a:r>
+                        <a:rPr lang="en-US" dirty="0">
+                          <a:effectLst/>
+                        </a:rPr>
+                        <a:t>Mahdi </a:t>
+                      </a:r>
+                      <a:r>
+                        <a:rPr lang="en-US" dirty="0" err="1">
+                          <a:effectLst/>
+                        </a:rPr>
+                        <a:t>Esmaeelpour</a:t>
+                      </a:r>
+                    </a:p>
+                  </a:txBody>
+                  <a:tcPr marL="28575" marR="28575" marT="19050" marB="19050" anchor="b"/>
+                </a:tc>
+                <a:tc>
+                  <a:txBody>
+                    <a:bodyPr/>
+                    <a:lstStyle/>
+                    <a:p>
+                      <a:pPr algn="ctr" rtl="0" fontAlgn="b"/>
+                      <a:r>
+                        <a:rPr lang="en-US" dirty="0">
+                          <a:effectLst/>
+                        </a:rPr>
+                        <a:t>9/30/2019</a:t>
+                      </a:r>
+                    </a:p>
+                  </a:txBody>
+                  <a:tcPr marL="28575" marR="28575" marT="19050" marB="19050" anchor="b"/>
+                </a:tc>
+                <a:tc>
+                  <a:txBody>
+                    <a:bodyPr/>
+                    <a:lstStyle/>
+                    <a:p>
+                      <a:pPr algn="ctr" rtl="0" fontAlgn="b"/>
+                      <a:r>
+                        <a:rPr lang="en-US" dirty="0">
+                          <a:effectLst/>
+                        </a:rPr>
+                        <a:t>10/04/2019</a:t>
+                      </a:r>
+                    </a:p>
+                  </a:txBody>
+                  <a:tcPr marL="28575" marR="28575" marT="19050" marB="19050" anchor="b"/>
+                </a:tc>
+                <a:tc>
+                  <a:txBody>
+                    <a:bodyPr/>
+                    <a:lstStyle/>
+                    <a:p>
+                      <a:pPr algn="ctr" rtl="0" fontAlgn="b"/>
+                      <a:r>
+                        <a:rPr lang="en-US" dirty="0">
+                          <a:effectLst/>
+                        </a:rPr>
+                        <a:t>5</a:t>
+                      </a:r>
+                    </a:p>
+                  </a:txBody>
+                  <a:tcPr marL="28575" marR="28575" marT="19050" marB="19050" anchor="b"/>
+                </a:tc>
+                <a:tc>
+                  <a:txBody>
+                    <a:bodyPr/>
+                    <a:lstStyle/>
+                    <a:p>
+                      <a:pPr algn="ctr" rtl="0" fontAlgn="b"/>
+                      <a:r>
+                        <a:rPr lang="en-US" dirty="0">
+                          <a:effectLst/>
+                        </a:rPr>
+                        <a:t>Not Started</a:t>
+                      </a:r>
+                    </a:p>
+                  </a:txBody>
+                  <a:tcPr marL="28575" marR="28575" marT="19050" marB="19050" anchor="b"/>
+                </a:tc>
+                <a:extLst>
+                  <a:ext uri="{0D108BD9-81ED-4DB2-BD59-A6C34878D82A}">
+                    <a16:rowId xmlns:a16="http://schemas.microsoft.com/office/drawing/2014/main" val="1654853307"/>
+                  </a:ext>
+                </a:extLst>
+              </a:tr>
+              <a:tr h="564003">
+                <a:tc>
+                  <a:txBody>
+                    <a:bodyPr/>
+                    <a:lstStyle/>
+                    <a:p>
+                      <a:pPr algn="ctr" rtl="0" fontAlgn="b"/>
+                      <a:r>
+                        <a:rPr lang="en-US" dirty="0">
+                          <a:effectLst/>
+                        </a:rPr>
+                        <a:t>5</a:t>
+                      </a:r>
+                    </a:p>
+                  </a:txBody>
+                  <a:tcPr marL="28575" marR="28575" marT="19050" marB="19050" anchor="b"/>
+                </a:tc>
+                <a:tc>
+                  <a:txBody>
+                    <a:bodyPr/>
+                    <a:lstStyle/>
+                    <a:p>
+                      <a:pPr rtl="0" fontAlgn="b"/>
+                      <a:r>
+                        <a:rPr lang="en-US" dirty="0">
+                          <a:effectLst/>
+                        </a:rPr>
+                        <a:t>Modify personal data stored by the application</a:t>
+                      </a:r>
+                    </a:p>
+                  </a:txBody>
+                  <a:tcPr marL="28575" marR="28575" marT="19050" marB="19050" anchor="b"/>
+                </a:tc>
+                <a:tc>
+                  <a:txBody>
+                    <a:bodyPr/>
+                    <a:lstStyle/>
+                    <a:p>
+                      <a:pPr algn="ctr" rtl="0" fontAlgn="b"/>
+                      <a:r>
+                        <a:rPr lang="en-US" dirty="0">
+                          <a:effectLst/>
+                        </a:rPr>
+                        <a:t>Nadezhda </a:t>
+                      </a:r>
+                      <a:r>
+                        <a:rPr lang="en-US" dirty="0" err="1">
+                          <a:effectLst/>
+                        </a:rPr>
+                        <a:t>Mokhireva</a:t>
+                      </a:r>
+                    </a:p>
+                  </a:txBody>
+                  <a:tcPr marL="28575" marR="28575" marT="19050" marB="19050" anchor="b"/>
+                </a:tc>
+                <a:tc>
+                  <a:txBody>
+                    <a:bodyPr/>
+                    <a:lstStyle/>
+                    <a:p>
+                      <a:pPr algn="ctr" rtl="0" fontAlgn="b"/>
+                      <a:r>
+                        <a:rPr lang="en-US" dirty="0">
+                          <a:effectLst/>
+                        </a:rPr>
+                        <a:t>10/12/2019</a:t>
+                      </a:r>
+                    </a:p>
+                  </a:txBody>
+                  <a:tcPr marL="28575" marR="28575" marT="19050" marB="19050" anchor="b"/>
+                </a:tc>
+                <a:tc>
+                  <a:txBody>
+                    <a:bodyPr/>
+                    <a:lstStyle/>
+                    <a:p>
+                      <a:pPr algn="ctr" rtl="0" fontAlgn="b"/>
+                      <a:r>
+                        <a:rPr lang="en-US" dirty="0">
+                          <a:effectLst/>
+                        </a:rPr>
+                        <a:t>10/19/2019</a:t>
+                      </a:r>
+                    </a:p>
+                  </a:txBody>
+                  <a:tcPr marL="28575" marR="28575" marT="19050" marB="19050" anchor="b"/>
+                </a:tc>
+                <a:tc>
+                  <a:txBody>
+                    <a:bodyPr/>
+                    <a:lstStyle/>
+                    <a:p>
+                      <a:pPr algn="ctr" rtl="0" fontAlgn="b"/>
+                      <a:r>
+                        <a:rPr lang="en-US" dirty="0">
+                          <a:effectLst/>
+                        </a:rPr>
+                        <a:t>7</a:t>
+                      </a:r>
+                    </a:p>
+                  </a:txBody>
+                  <a:tcPr marL="28575" marR="28575" marT="19050" marB="19050" anchor="b"/>
+                </a:tc>
+                <a:tc>
+                  <a:txBody>
+                    <a:bodyPr/>
+                    <a:lstStyle/>
+                    <a:p>
+                      <a:pPr algn="ctr" rtl="0" fontAlgn="b"/>
+                      <a:r>
+                        <a:rPr lang="en-US" dirty="0">
+                          <a:effectLst/>
+                        </a:rPr>
+                        <a:t>Not Started</a:t>
+                      </a:r>
+                    </a:p>
+                  </a:txBody>
+                  <a:tcPr marL="28575" marR="28575" marT="19050" marB="19050" anchor="b"/>
+                </a:tc>
+                <a:extLst>
+                  <a:ext uri="{0D108BD9-81ED-4DB2-BD59-A6C34878D82A}">
+                    <a16:rowId xmlns:a16="http://schemas.microsoft.com/office/drawing/2014/main" val="2055609910"/>
+                  </a:ext>
+                </a:extLst>
+              </a:tr>
+              <a:tr h="300802">
+                <a:tc>
+                  <a:txBody>
+                    <a:bodyPr/>
+                    <a:lstStyle/>
+                    <a:p>
+                      <a:pPr algn="ctr" rtl="0" fontAlgn="b"/>
+                      <a:r>
+                        <a:rPr lang="en-US" dirty="0">
+                          <a:effectLst/>
+                        </a:rPr>
+                        <a:t>6</a:t>
+                      </a:r>
+                    </a:p>
+                  </a:txBody>
+                  <a:tcPr marL="28575" marR="28575" marT="19050" marB="19050" anchor="b"/>
+                </a:tc>
+                <a:tc>
+                  <a:txBody>
+                    <a:bodyPr/>
+                    <a:lstStyle/>
+                    <a:p>
+                      <a:pPr rtl="0" fontAlgn="b"/>
+                      <a:r>
+                        <a:rPr lang="en-US" dirty="0">
+                          <a:effectLst/>
+                        </a:rPr>
+                        <a:t>Change workout preference any time</a:t>
+                      </a:r>
+                    </a:p>
+                  </a:txBody>
+                  <a:tcPr marL="28575" marR="28575" marT="19050" marB="19050" anchor="b"/>
+                </a:tc>
+                <a:tc>
+                  <a:txBody>
+                    <a:bodyPr/>
+                    <a:lstStyle/>
+                    <a:p>
+                      <a:pPr algn="ctr" rtl="0" fontAlgn="b"/>
+                      <a:r>
+                        <a:rPr lang="en-US" dirty="0">
+                          <a:effectLst/>
+                        </a:rPr>
+                        <a:t>Nadezhda </a:t>
+                      </a:r>
+                      <a:r>
+                        <a:rPr lang="en-US" dirty="0" err="1">
+                          <a:effectLst/>
+                        </a:rPr>
+                        <a:t>Mokhireva</a:t>
+                      </a:r>
+                    </a:p>
+                  </a:txBody>
+                  <a:tcPr marL="28575" marR="28575" marT="19050" marB="19050" anchor="b"/>
+                </a:tc>
+                <a:tc>
+                  <a:txBody>
+                    <a:bodyPr/>
+                    <a:lstStyle/>
+                    <a:p>
+                      <a:pPr algn="ctr" rtl="0" fontAlgn="b"/>
+                      <a:r>
+                        <a:rPr lang="en-US" dirty="0">
+                          <a:effectLst/>
+                        </a:rPr>
+                        <a:t>10/19/2019</a:t>
+                      </a:r>
+                    </a:p>
+                  </a:txBody>
+                  <a:tcPr marL="28575" marR="28575" marT="19050" marB="19050" anchor="b"/>
+                </a:tc>
+                <a:tc>
+                  <a:txBody>
+                    <a:bodyPr/>
+                    <a:lstStyle/>
+                    <a:p>
+                      <a:pPr algn="ctr" rtl="0" fontAlgn="b"/>
+                      <a:r>
+                        <a:rPr lang="en-US" dirty="0">
+                          <a:effectLst/>
+                        </a:rPr>
+                        <a:t>10/23/2019</a:t>
+                      </a:r>
+                    </a:p>
+                  </a:txBody>
+                  <a:tcPr marL="28575" marR="28575" marT="19050" marB="19050" anchor="b"/>
+                </a:tc>
+                <a:tc>
+                  <a:txBody>
+                    <a:bodyPr/>
+                    <a:lstStyle/>
+                    <a:p>
+                      <a:pPr algn="ctr" rtl="0" fontAlgn="b"/>
+                      <a:r>
+                        <a:rPr lang="en-US" dirty="0">
+                          <a:effectLst/>
+                        </a:rPr>
+                        <a:t>4</a:t>
+                      </a:r>
+                    </a:p>
+                  </a:txBody>
+                  <a:tcPr marL="28575" marR="28575" marT="19050" marB="19050" anchor="b"/>
+                </a:tc>
+                <a:tc>
+                  <a:txBody>
+                    <a:bodyPr/>
+                    <a:lstStyle/>
+                    <a:p>
+                      <a:pPr algn="ctr" rtl="0" fontAlgn="b"/>
+                      <a:r>
+                        <a:rPr lang="en-US" dirty="0">
+                          <a:effectLst/>
+                        </a:rPr>
+                        <a:t>Not Started</a:t>
+                      </a:r>
+                    </a:p>
+                  </a:txBody>
+                  <a:tcPr marL="28575" marR="28575" marT="19050" marB="19050" anchor="b"/>
+                </a:tc>
+                <a:extLst>
+                  <a:ext uri="{0D108BD9-81ED-4DB2-BD59-A6C34878D82A}">
+                    <a16:rowId xmlns:a16="http://schemas.microsoft.com/office/drawing/2014/main" val="1255042298"/>
+                  </a:ext>
+                </a:extLst>
+              </a:tr>
+              <a:tr h="300802">
+                <a:tc>
+                  <a:txBody>
+                    <a:bodyPr/>
+                    <a:lstStyle/>
+                    <a:p>
+                      <a:pPr algn="ctr" rtl="0" fontAlgn="b"/>
+                      <a:r>
+                        <a:rPr lang="en-US" dirty="0">
+                          <a:effectLst/>
+                        </a:rPr>
+                        <a:t>7</a:t>
+                      </a:r>
+                    </a:p>
+                  </a:txBody>
+                  <a:tcPr marL="28575" marR="28575" marT="19050" marB="19050" anchor="b"/>
+                </a:tc>
+                <a:tc>
+                  <a:txBody>
+                    <a:bodyPr/>
+                    <a:lstStyle/>
+                    <a:p>
+                      <a:pPr rtl="0" fontAlgn="b"/>
+                      <a:r>
+                        <a:rPr lang="en-US" dirty="0">
+                          <a:effectLst/>
+                        </a:rPr>
+                        <a:t>Contact technical support</a:t>
+                      </a:r>
+                    </a:p>
+                  </a:txBody>
+                  <a:tcPr marL="28575" marR="28575" marT="19050" marB="19050" anchor="b"/>
+                </a:tc>
+                <a:tc>
+                  <a:txBody>
+                    <a:bodyPr/>
+                    <a:lstStyle/>
+                    <a:p>
+                      <a:pPr algn="ctr" rtl="0" fontAlgn="b"/>
+                      <a:r>
+                        <a:rPr lang="en-US" dirty="0">
+                          <a:effectLst/>
+                        </a:rPr>
+                        <a:t>Parisa </a:t>
+                      </a:r>
+                      <a:r>
+                        <a:rPr lang="en-US" dirty="0" err="1">
+                          <a:effectLst/>
+                        </a:rPr>
+                        <a:t>Khataei</a:t>
+                      </a:r>
+                    </a:p>
+                  </a:txBody>
+                  <a:tcPr marL="28575" marR="28575" marT="19050" marB="19050" anchor="b"/>
+                </a:tc>
+                <a:tc>
+                  <a:txBody>
+                    <a:bodyPr/>
+                    <a:lstStyle/>
+                    <a:p>
+                      <a:pPr algn="ctr" rtl="0" fontAlgn="b"/>
+                      <a:r>
+                        <a:rPr lang="en-US" dirty="0">
+                          <a:effectLst/>
+                        </a:rPr>
+                        <a:t>10/25/2019</a:t>
+                      </a:r>
+                    </a:p>
+                  </a:txBody>
+                  <a:tcPr marL="28575" marR="28575" marT="19050" marB="19050" anchor="b"/>
+                </a:tc>
+                <a:tc>
+                  <a:txBody>
+                    <a:bodyPr/>
+                    <a:lstStyle/>
+                    <a:p>
+                      <a:pPr algn="ctr" rtl="0" fontAlgn="b"/>
+                      <a:r>
+                        <a:rPr lang="en-US" dirty="0">
+                          <a:effectLst/>
+                        </a:rPr>
+                        <a:t>10/27/2019</a:t>
+                      </a:r>
+                    </a:p>
+                  </a:txBody>
+                  <a:tcPr marL="28575" marR="28575" marT="19050" marB="19050" anchor="b"/>
+                </a:tc>
+                <a:tc>
+                  <a:txBody>
+                    <a:bodyPr/>
+                    <a:lstStyle/>
+                    <a:p>
+                      <a:pPr algn="ctr" rtl="0" fontAlgn="b"/>
+                      <a:r>
+                        <a:rPr lang="en-US" dirty="0">
+                          <a:effectLst/>
+                        </a:rPr>
+                        <a:t>2</a:t>
+                      </a:r>
+                    </a:p>
+                  </a:txBody>
+                  <a:tcPr marL="28575" marR="28575" marT="19050" marB="19050" anchor="b"/>
+                </a:tc>
+                <a:tc>
+                  <a:txBody>
+                    <a:bodyPr/>
+                    <a:lstStyle/>
+                    <a:p>
+                      <a:pPr algn="ctr" rtl="0" fontAlgn="b"/>
+                      <a:r>
+                        <a:rPr lang="en-US" dirty="0">
+                          <a:effectLst/>
+                        </a:rPr>
+                        <a:t>Not Started</a:t>
+                      </a:r>
+                    </a:p>
+                  </a:txBody>
+                  <a:tcPr marL="28575" marR="28575" marT="19050" marB="19050" anchor="b"/>
+                </a:tc>
+                <a:extLst>
+                  <a:ext uri="{0D108BD9-81ED-4DB2-BD59-A6C34878D82A}">
+                    <a16:rowId xmlns:a16="http://schemas.microsoft.com/office/drawing/2014/main" val="176133657"/>
+                  </a:ext>
+                </a:extLst>
+              </a:tr>
+              <a:tr h="300802">
+                <a:tc>
+                  <a:txBody>
+                    <a:bodyPr/>
+                    <a:lstStyle/>
+                    <a:p>
+                      <a:pPr algn="ctr" rtl="0" fontAlgn="b"/>
+                      <a:r>
+                        <a:rPr lang="en-US" dirty="0">
+                          <a:effectLst/>
+                        </a:rPr>
+                        <a:t>8</a:t>
+                      </a:r>
+                    </a:p>
+                  </a:txBody>
+                  <a:tcPr marL="28575" marR="28575" marT="19050" marB="19050" anchor="b"/>
+                </a:tc>
+                <a:tc>
+                  <a:txBody>
+                    <a:bodyPr/>
+                    <a:lstStyle/>
+                    <a:p>
+                      <a:pPr rtl="0" fontAlgn="b"/>
+                      <a:r>
+                        <a:rPr lang="en-US" dirty="0">
+                          <a:effectLst/>
+                        </a:rPr>
+                        <a:t>Reschedule a workout</a:t>
+                      </a:r>
+                    </a:p>
+                  </a:txBody>
+                  <a:tcPr marL="28575" marR="28575" marT="19050" marB="19050" anchor="b"/>
+                </a:tc>
+                <a:tc>
+                  <a:txBody>
+                    <a:bodyPr/>
+                    <a:lstStyle/>
+                    <a:p>
+                      <a:pPr algn="ctr" rtl="0" fontAlgn="b"/>
+                      <a:r>
+                        <a:rPr lang="en-US" dirty="0">
+                          <a:effectLst/>
+                        </a:rPr>
+                        <a:t>Parisa </a:t>
+                      </a:r>
+                      <a:r>
+                        <a:rPr lang="en-US" dirty="0" err="1">
+                          <a:effectLst/>
+                        </a:rPr>
+                        <a:t>Khataei</a:t>
+                      </a:r>
+                    </a:p>
+                  </a:txBody>
+                  <a:tcPr marL="28575" marR="28575" marT="19050" marB="19050" anchor="b"/>
+                </a:tc>
+                <a:tc>
+                  <a:txBody>
+                    <a:bodyPr/>
+                    <a:lstStyle/>
+                    <a:p>
+                      <a:pPr algn="ctr" rtl="0" fontAlgn="b"/>
+                      <a:r>
+                        <a:rPr lang="en-US" dirty="0">
+                          <a:effectLst/>
+                        </a:rPr>
+                        <a:t>11/01/2019</a:t>
+                      </a:r>
+                    </a:p>
+                  </a:txBody>
+                  <a:tcPr marL="28575" marR="28575" marT="19050" marB="19050" anchor="b"/>
+                </a:tc>
+                <a:tc>
+                  <a:txBody>
+                    <a:bodyPr/>
+                    <a:lstStyle/>
+                    <a:p>
+                      <a:pPr algn="ctr" rtl="0" fontAlgn="b"/>
+                      <a:r>
+                        <a:rPr lang="en-US" dirty="0">
+                          <a:effectLst/>
+                        </a:rPr>
+                        <a:t>11/08/2019</a:t>
+                      </a:r>
+                    </a:p>
+                  </a:txBody>
+                  <a:tcPr marL="28575" marR="28575" marT="19050" marB="19050" anchor="b"/>
+                </a:tc>
+                <a:tc>
+                  <a:txBody>
+                    <a:bodyPr/>
+                    <a:lstStyle/>
+                    <a:p>
+                      <a:pPr algn="ctr" rtl="0" fontAlgn="b"/>
+                      <a:r>
+                        <a:rPr lang="en-US" dirty="0">
+                          <a:effectLst/>
+                        </a:rPr>
+                        <a:t>7</a:t>
+                      </a:r>
+                    </a:p>
+                  </a:txBody>
+                  <a:tcPr marL="28575" marR="28575" marT="19050" marB="19050" anchor="b"/>
+                </a:tc>
+                <a:tc>
+                  <a:txBody>
+                    <a:bodyPr/>
+                    <a:lstStyle/>
+                    <a:p>
+                      <a:pPr algn="ctr" rtl="0" fontAlgn="b"/>
+                      <a:r>
+                        <a:rPr lang="en-US" dirty="0">
+                          <a:effectLst/>
+                        </a:rPr>
+                        <a:t>Not Started</a:t>
+                      </a:r>
+                    </a:p>
+                  </a:txBody>
+                  <a:tcPr marL="28575" marR="28575" marT="19050" marB="19050" anchor="b"/>
+                </a:tc>
+                <a:extLst>
+                  <a:ext uri="{0D108BD9-81ED-4DB2-BD59-A6C34878D82A}">
+                    <a16:rowId xmlns:a16="http://schemas.microsoft.com/office/drawing/2014/main" val="1780836461"/>
+                  </a:ext>
+                </a:extLst>
+              </a:tr>
+              <a:tr h="564003">
+                <a:tc>
+                  <a:txBody>
+                    <a:bodyPr/>
+                    <a:lstStyle/>
+                    <a:p>
+                      <a:pPr algn="ctr" rtl="0" fontAlgn="b"/>
+                      <a:r>
+                        <a:rPr lang="en-US" dirty="0">
+                          <a:effectLst/>
+                        </a:rPr>
+                        <a:t>9</a:t>
+                      </a:r>
+                    </a:p>
+                  </a:txBody>
+                  <a:tcPr marL="28575" marR="28575" marT="19050" marB="19050" anchor="b"/>
+                </a:tc>
+                <a:tc>
+                  <a:txBody>
+                    <a:bodyPr/>
+                    <a:lstStyle/>
+                    <a:p>
+                      <a:pPr rtl="0" fontAlgn="b"/>
+                      <a:r>
+                        <a:rPr lang="en-US" dirty="0">
+                          <a:effectLst/>
+                        </a:rPr>
+                        <a:t>Receive notifications about an upcoming workout</a:t>
+                      </a:r>
+                    </a:p>
+                  </a:txBody>
+                  <a:tcPr marL="28575" marR="28575" marT="19050" marB="19050" anchor="b"/>
+                </a:tc>
+                <a:tc>
+                  <a:txBody>
+                    <a:bodyPr/>
+                    <a:lstStyle/>
+                    <a:p>
+                      <a:pPr algn="ctr" rtl="0" fontAlgn="b"/>
+                      <a:r>
+                        <a:rPr lang="en-US" dirty="0">
+                          <a:effectLst/>
+                        </a:rPr>
+                        <a:t>Muhammad Talha Sultan</a:t>
+                      </a:r>
+                    </a:p>
+                  </a:txBody>
+                  <a:tcPr marL="28575" marR="28575" marT="19050" marB="19050" anchor="b"/>
+                </a:tc>
+                <a:tc>
+                  <a:txBody>
+                    <a:bodyPr/>
+                    <a:lstStyle/>
+                    <a:p>
+                      <a:pPr algn="ctr" rtl="0" fontAlgn="b"/>
+                      <a:r>
+                        <a:rPr lang="en-US" dirty="0">
+                          <a:effectLst/>
+                        </a:rPr>
+                        <a:t>11/08/2019</a:t>
+                      </a:r>
+                    </a:p>
+                  </a:txBody>
+                  <a:tcPr marL="28575" marR="28575" marT="19050" marB="19050" anchor="b"/>
+                </a:tc>
+                <a:tc>
+                  <a:txBody>
+                    <a:bodyPr/>
+                    <a:lstStyle/>
+                    <a:p>
+                      <a:pPr algn="ctr" rtl="0" fontAlgn="b"/>
+                      <a:r>
+                        <a:rPr lang="en-US" dirty="0">
+                          <a:effectLst/>
+                        </a:rPr>
+                        <a:t>11/18/2019</a:t>
+                      </a:r>
+                    </a:p>
+                  </a:txBody>
+                  <a:tcPr marL="28575" marR="28575" marT="19050" marB="19050" anchor="b"/>
+                </a:tc>
+                <a:tc>
+                  <a:txBody>
+                    <a:bodyPr/>
+                    <a:lstStyle/>
+                    <a:p>
+                      <a:pPr algn="ctr" rtl="0" fontAlgn="b"/>
+                      <a:r>
+                        <a:rPr lang="en-US" dirty="0">
+                          <a:effectLst/>
+                        </a:rPr>
+                        <a:t>10</a:t>
+                      </a:r>
+                    </a:p>
+                  </a:txBody>
+                  <a:tcPr marL="28575" marR="28575" marT="19050" marB="19050" anchor="b"/>
+                </a:tc>
+                <a:tc>
+                  <a:txBody>
+                    <a:bodyPr/>
+                    <a:lstStyle/>
+                    <a:p>
+                      <a:pPr algn="ctr" rtl="0" fontAlgn="b"/>
+                      <a:r>
+                        <a:rPr lang="en-US" dirty="0">
+                          <a:effectLst/>
+                        </a:rPr>
+                        <a:t>Not Started</a:t>
+                      </a:r>
+                    </a:p>
+                  </a:txBody>
+                  <a:tcPr marL="28575" marR="28575" marT="19050" marB="19050" anchor="b"/>
+                </a:tc>
+                <a:extLst>
+                  <a:ext uri="{0D108BD9-81ED-4DB2-BD59-A6C34878D82A}">
+                    <a16:rowId xmlns:a16="http://schemas.microsoft.com/office/drawing/2014/main" val="3126065995"/>
+                  </a:ext>
+                </a:extLst>
+              </a:tr>
+              <a:tr h="300802">
+                <a:tc>
+                  <a:txBody>
+                    <a:bodyPr/>
+                    <a:lstStyle/>
+                    <a:p>
+                      <a:pPr algn="ctr" rtl="0" fontAlgn="b"/>
+                      <a:r>
+                        <a:rPr lang="en-US" dirty="0">
+                          <a:effectLst/>
+                        </a:rPr>
+                        <a:t>10</a:t>
+                      </a:r>
+                    </a:p>
+                  </a:txBody>
+                  <a:tcPr marL="28575" marR="28575" marT="19050" marB="19050" anchor="b"/>
+                </a:tc>
+                <a:tc>
+                  <a:txBody>
+                    <a:bodyPr/>
+                    <a:lstStyle/>
+                    <a:p>
+                      <a:pPr rtl="0" fontAlgn="b"/>
+                      <a:r>
+                        <a:rPr lang="en-US" dirty="0">
+                          <a:effectLst/>
+                        </a:rPr>
+                        <a:t>Track daily activity</a:t>
+                      </a:r>
+                    </a:p>
+                  </a:txBody>
+                  <a:tcPr marL="28575" marR="28575" marT="19050" marB="19050" anchor="b"/>
+                </a:tc>
+                <a:tc>
+                  <a:txBody>
+                    <a:bodyPr/>
+                    <a:lstStyle/>
+                    <a:p>
+                      <a:pPr algn="ctr" rtl="0" fontAlgn="b"/>
+                      <a:r>
+                        <a:rPr lang="en-US" dirty="0" err="1">
+                          <a:effectLst/>
+                        </a:rPr>
+                        <a:t>Vladyslav</a:t>
+                      </a:r>
+                      <a:r>
+                        <a:rPr lang="en-US" dirty="0">
+                          <a:effectLst/>
+                        </a:rPr>
+                        <a:t> </a:t>
+                      </a:r>
+                      <a:r>
+                        <a:rPr lang="en-US" dirty="0" err="1">
+                          <a:effectLst/>
+                        </a:rPr>
+                        <a:t>Bordiug</a:t>
+                      </a:r>
+                    </a:p>
+                  </a:txBody>
+                  <a:tcPr marL="28575" marR="28575" marT="19050" marB="19050" anchor="b"/>
+                </a:tc>
+                <a:tc>
+                  <a:txBody>
+                    <a:bodyPr/>
+                    <a:lstStyle/>
+                    <a:p>
+                      <a:pPr algn="ctr" rtl="0" fontAlgn="b"/>
+                      <a:r>
+                        <a:rPr lang="en-US" dirty="0">
+                          <a:effectLst/>
+                        </a:rPr>
+                        <a:t>11/19/2019</a:t>
+                      </a:r>
+                    </a:p>
+                  </a:txBody>
+                  <a:tcPr marL="28575" marR="28575" marT="19050" marB="19050" anchor="b"/>
+                </a:tc>
+                <a:tc>
+                  <a:txBody>
+                    <a:bodyPr/>
+                    <a:lstStyle/>
+                    <a:p>
+                      <a:pPr algn="ctr" rtl="0" fontAlgn="b"/>
+                      <a:r>
+                        <a:rPr lang="en-US" dirty="0">
+                          <a:effectLst/>
+                        </a:rPr>
+                        <a:t>11/29/2019</a:t>
+                      </a:r>
+                    </a:p>
+                  </a:txBody>
+                  <a:tcPr marL="28575" marR="28575" marT="19050" marB="19050" anchor="b"/>
+                </a:tc>
+                <a:tc>
+                  <a:txBody>
+                    <a:bodyPr/>
+                    <a:lstStyle/>
+                    <a:p>
+                      <a:pPr algn="ctr" rtl="0" fontAlgn="b"/>
+                      <a:r>
+                        <a:rPr lang="en-US" dirty="0">
+                          <a:effectLst/>
+                        </a:rPr>
+                        <a:t>10</a:t>
+                      </a:r>
+                    </a:p>
+                  </a:txBody>
+                  <a:tcPr marL="28575" marR="28575" marT="19050" marB="19050" anchor="b"/>
+                </a:tc>
+                <a:tc>
+                  <a:txBody>
+                    <a:bodyPr/>
+                    <a:lstStyle/>
+                    <a:p>
+                      <a:pPr algn="ctr" rtl="0" fontAlgn="b"/>
+                      <a:r>
+                        <a:rPr lang="en-US" dirty="0">
+                          <a:effectLst/>
+                        </a:rPr>
+                        <a:t>Not Started</a:t>
+                      </a:r>
+                    </a:p>
+                  </a:txBody>
+                  <a:tcPr marL="28575" marR="28575" marT="19050" marB="19050" anchor="b"/>
+                </a:tc>
+                <a:extLst>
+                  <a:ext uri="{0D108BD9-81ED-4DB2-BD59-A6C34878D82A}">
+                    <a16:rowId xmlns:a16="http://schemas.microsoft.com/office/drawing/2014/main" val="2048008127"/>
+                  </a:ext>
+                </a:extLst>
+              </a:tr>
+              <a:tr h="300802">
+                <a:tc>
+                  <a:txBody>
+                    <a:bodyPr/>
+                    <a:lstStyle/>
+                    <a:p>
+                      <a:pPr algn="ctr" rtl="0" fontAlgn="b"/>
+                      <a:r>
+                        <a:rPr lang="en-US" dirty="0">
+                          <a:effectLst/>
+                        </a:rPr>
+                        <a:t>11</a:t>
+                      </a:r>
+                    </a:p>
+                  </a:txBody>
+                  <a:tcPr marL="28575" marR="28575" marT="19050" marB="19050" anchor="b"/>
+                </a:tc>
+                <a:tc>
+                  <a:txBody>
+                    <a:bodyPr/>
+                    <a:lstStyle/>
+                    <a:p>
+                      <a:pPr rtl="0" fontAlgn="b"/>
+                      <a:r>
+                        <a:rPr lang="en-US" dirty="0">
+                          <a:effectLst/>
+                        </a:rPr>
+                        <a:t>Track a progress</a:t>
+                      </a:r>
+                    </a:p>
+                  </a:txBody>
+                  <a:tcPr marL="28575" marR="28575" marT="19050" marB="19050" anchor="b"/>
+                </a:tc>
+                <a:tc>
+                  <a:txBody>
+                    <a:bodyPr/>
+                    <a:lstStyle/>
+                    <a:p>
+                      <a:pPr algn="ctr" rtl="0" fontAlgn="b"/>
+                      <a:r>
+                        <a:rPr lang="en-US" dirty="0">
+                          <a:effectLst/>
+                        </a:rPr>
+                        <a:t>Muhammad Talha Sultan</a:t>
+                      </a:r>
+                    </a:p>
+                  </a:txBody>
+                  <a:tcPr marL="28575" marR="28575" marT="19050" marB="19050" anchor="b"/>
+                </a:tc>
+                <a:tc>
+                  <a:txBody>
+                    <a:bodyPr/>
+                    <a:lstStyle/>
+                    <a:p>
+                      <a:pPr algn="ctr" rtl="0" fontAlgn="b"/>
+                      <a:r>
+                        <a:rPr lang="en-US" dirty="0">
+                          <a:effectLst/>
+                        </a:rPr>
+                        <a:t>12/01/2019</a:t>
+                      </a:r>
+                    </a:p>
+                  </a:txBody>
+                  <a:tcPr marL="28575" marR="28575" marT="19050" marB="19050" anchor="b"/>
+                </a:tc>
+                <a:tc>
+                  <a:txBody>
+                    <a:bodyPr/>
+                    <a:lstStyle/>
+                    <a:p>
+                      <a:pPr algn="ctr" rtl="0" fontAlgn="b"/>
+                      <a:r>
+                        <a:rPr lang="en-US" dirty="0">
+                          <a:effectLst/>
+                        </a:rPr>
+                        <a:t>12/15/2019</a:t>
+                      </a:r>
+                    </a:p>
+                  </a:txBody>
+                  <a:tcPr marL="28575" marR="28575" marT="19050" marB="19050" anchor="b"/>
+                </a:tc>
+                <a:tc>
+                  <a:txBody>
+                    <a:bodyPr/>
+                    <a:lstStyle/>
+                    <a:p>
+                      <a:pPr algn="ctr" rtl="0" fontAlgn="b"/>
+                      <a:r>
+                        <a:rPr lang="en-US" dirty="0">
+                          <a:effectLst/>
+                        </a:rPr>
+                        <a:t>14</a:t>
+                      </a:r>
+                    </a:p>
+                  </a:txBody>
+                  <a:tcPr marL="28575" marR="28575" marT="19050" marB="19050" anchor="b"/>
+                </a:tc>
+                <a:tc>
+                  <a:txBody>
+                    <a:bodyPr/>
+                    <a:lstStyle/>
+                    <a:p>
+                      <a:pPr algn="ctr" rtl="0" fontAlgn="b"/>
+                      <a:r>
+                        <a:rPr lang="en-US" dirty="0">
+                          <a:effectLst/>
+                        </a:rPr>
+                        <a:t>Not Started</a:t>
+                      </a:r>
+                    </a:p>
+                  </a:txBody>
+                  <a:tcPr marL="28575" marR="28575" marT="19050" marB="19050" anchor="b"/>
+                </a:tc>
+                <a:extLst>
+                  <a:ext uri="{0D108BD9-81ED-4DB2-BD59-A6C34878D82A}">
+                    <a16:rowId xmlns:a16="http://schemas.microsoft.com/office/drawing/2014/main" val="551166006"/>
+                  </a:ext>
+                </a:extLst>
+              </a:tr>
+              <a:tr h="300802">
+                <a:tc>
+                  <a:txBody>
+                    <a:bodyPr/>
+                    <a:lstStyle/>
+                    <a:p>
+                      <a:pPr algn="ctr" rtl="0" fontAlgn="b"/>
+                      <a:r>
+                        <a:rPr lang="en-US" dirty="0">
+                          <a:effectLst/>
+                        </a:rPr>
+                        <a:t>12</a:t>
+                      </a:r>
+                    </a:p>
+                  </a:txBody>
+                  <a:tcPr marL="28575" marR="28575" marT="19050" marB="19050" anchor="b"/>
+                </a:tc>
+                <a:tc>
+                  <a:txBody>
+                    <a:bodyPr/>
+                    <a:lstStyle/>
+                    <a:p>
+                      <a:pPr rtl="0" fontAlgn="b"/>
+                      <a:r>
+                        <a:rPr lang="en-US" dirty="0">
+                          <a:effectLst/>
+                        </a:rPr>
+                        <a:t>Be able to delete account</a:t>
+                      </a:r>
+                    </a:p>
+                  </a:txBody>
+                  <a:tcPr marL="28575" marR="28575" marT="19050" marB="19050" anchor="b"/>
+                </a:tc>
+                <a:tc>
+                  <a:txBody>
+                    <a:bodyPr/>
+                    <a:lstStyle/>
+                    <a:p>
+                      <a:pPr algn="ctr" rtl="0" fontAlgn="b"/>
+                      <a:r>
+                        <a:rPr lang="en-US" dirty="0" err="1">
+                          <a:effectLst/>
+                        </a:rPr>
+                        <a:t>Vladyslav</a:t>
+                      </a:r>
+                      <a:r>
+                        <a:rPr lang="en-US" dirty="0">
+                          <a:effectLst/>
+                        </a:rPr>
+                        <a:t> </a:t>
+                      </a:r>
+                      <a:r>
+                        <a:rPr lang="en-US" dirty="0" err="1">
+                          <a:effectLst/>
+                        </a:rPr>
+                        <a:t>Bordiug</a:t>
+                      </a:r>
+                    </a:p>
+                  </a:txBody>
+                  <a:tcPr marL="28575" marR="28575" marT="19050" marB="19050" anchor="b"/>
+                </a:tc>
+                <a:tc>
+                  <a:txBody>
+                    <a:bodyPr/>
+                    <a:lstStyle/>
+                    <a:p>
+                      <a:pPr algn="ctr" rtl="0" fontAlgn="b"/>
+                      <a:r>
+                        <a:rPr lang="en-US" dirty="0">
+                          <a:effectLst/>
+                        </a:rPr>
+                        <a:t>12/17/2019</a:t>
+                      </a:r>
+                    </a:p>
+                  </a:txBody>
+                  <a:tcPr marL="28575" marR="28575" marT="19050" marB="19050" anchor="b"/>
+                </a:tc>
+                <a:tc>
+                  <a:txBody>
+                    <a:bodyPr/>
+                    <a:lstStyle/>
+                    <a:p>
+                      <a:pPr algn="ctr" rtl="0" fontAlgn="b"/>
+                      <a:r>
+                        <a:rPr lang="en-US" dirty="0">
+                          <a:effectLst/>
+                        </a:rPr>
+                        <a:t>12/29/2019</a:t>
+                      </a:r>
+                    </a:p>
+                  </a:txBody>
+                  <a:tcPr marL="28575" marR="28575" marT="19050" marB="19050" anchor="b"/>
+                </a:tc>
+                <a:tc>
+                  <a:txBody>
+                    <a:bodyPr/>
+                    <a:lstStyle/>
+                    <a:p>
+                      <a:pPr algn="ctr" rtl="0" fontAlgn="b"/>
+                      <a:r>
+                        <a:rPr lang="en-US" dirty="0">
+                          <a:effectLst/>
+                        </a:rPr>
+                        <a:t>12</a:t>
+                      </a:r>
+                    </a:p>
+                  </a:txBody>
+                  <a:tcPr marL="28575" marR="28575" marT="19050" marB="19050" anchor="b"/>
+                </a:tc>
+                <a:tc>
+                  <a:txBody>
+                    <a:bodyPr/>
+                    <a:lstStyle/>
+                    <a:p>
+                      <a:pPr algn="ctr" rtl="0" fontAlgn="b"/>
+                      <a:r>
+                        <a:rPr lang="en-US" dirty="0">
+                          <a:effectLst/>
+                        </a:rPr>
+                        <a:t>Not Started</a:t>
+                      </a:r>
+                    </a:p>
+                  </a:txBody>
+                  <a:tcPr marL="28575" marR="28575" marT="19050" marB="19050" anchor="b"/>
+                </a:tc>
+                <a:extLst>
+                  <a:ext uri="{0D108BD9-81ED-4DB2-BD59-A6C34878D82A}">
+                    <a16:rowId xmlns:a16="http://schemas.microsoft.com/office/drawing/2014/main" val="3586528604"/>
+                  </a:ext>
+                </a:extLst>
+              </a:tr>
+              <a:tr h="300802">
+                <a:tc>
+                  <a:txBody>
+                    <a:bodyPr/>
+                    <a:lstStyle/>
+                    <a:p>
+                      <a:pPr algn="ctr" rtl="0" fontAlgn="b"/>
+                      <a:r>
+                        <a:rPr lang="en-US" dirty="0">
+                          <a:effectLst/>
+                        </a:rPr>
+                        <a:t>13</a:t>
+                      </a:r>
+                    </a:p>
+                  </a:txBody>
+                  <a:tcPr marL="28575" marR="28575" marT="19050" marB="19050" anchor="b"/>
+                </a:tc>
+                <a:tc>
+                  <a:txBody>
+                    <a:bodyPr/>
+                    <a:lstStyle/>
+                    <a:p>
+                      <a:pPr rtl="0" fontAlgn="b"/>
+                      <a:r>
+                        <a:rPr lang="en-US" dirty="0">
+                          <a:effectLst/>
+                        </a:rPr>
+                        <a:t>Remove a workout when it is not used</a:t>
+                      </a:r>
+                    </a:p>
+                  </a:txBody>
+                  <a:tcPr marL="28575" marR="28575" marT="19050" marB="19050" anchor="b"/>
+                </a:tc>
+                <a:tc>
+                  <a:txBody>
+                    <a:bodyPr/>
+                    <a:lstStyle/>
+                    <a:p>
+                      <a:pPr algn="ctr" rtl="0" fontAlgn="b"/>
+                      <a:r>
+                        <a:rPr lang="en-US" dirty="0" err="1">
+                          <a:effectLst/>
+                        </a:rPr>
+                        <a:t>Vladyslav</a:t>
+                      </a:r>
+                      <a:r>
+                        <a:rPr lang="en-US" dirty="0">
+                          <a:effectLst/>
+                        </a:rPr>
+                        <a:t> </a:t>
+                      </a:r>
+                      <a:r>
+                        <a:rPr lang="en-US" dirty="0" err="1">
+                          <a:effectLst/>
+                        </a:rPr>
+                        <a:t>Bordiug</a:t>
+                      </a:r>
+                    </a:p>
+                  </a:txBody>
+                  <a:tcPr marL="28575" marR="28575" marT="19050" marB="19050" anchor="b"/>
+                </a:tc>
+                <a:tc>
+                  <a:txBody>
+                    <a:bodyPr/>
+                    <a:lstStyle/>
+                    <a:p>
+                      <a:pPr algn="ctr" rtl="0" fontAlgn="b"/>
+                      <a:r>
+                        <a:rPr lang="en-US" dirty="0">
+                          <a:effectLst/>
+                        </a:rPr>
+                        <a:t>12/29/2019</a:t>
+                      </a:r>
+                    </a:p>
+                  </a:txBody>
+                  <a:tcPr marL="28575" marR="28575" marT="19050" marB="19050" anchor="b"/>
+                </a:tc>
+                <a:tc>
+                  <a:txBody>
+                    <a:bodyPr/>
+                    <a:lstStyle/>
+                    <a:p>
+                      <a:pPr algn="ctr" rtl="0" fontAlgn="b"/>
+                      <a:r>
+                        <a:rPr lang="en-US" dirty="0">
+                          <a:effectLst/>
+                        </a:rPr>
+                        <a:t>01/05/2020</a:t>
+                      </a:r>
+                    </a:p>
+                  </a:txBody>
+                  <a:tcPr marL="28575" marR="28575" marT="19050" marB="19050" anchor="b"/>
+                </a:tc>
+                <a:tc>
+                  <a:txBody>
+                    <a:bodyPr/>
+                    <a:lstStyle/>
+                    <a:p>
+                      <a:pPr algn="ctr" rtl="0" fontAlgn="b"/>
+                      <a:r>
+                        <a:rPr lang="en-US" dirty="0">
+                          <a:effectLst/>
+                        </a:rPr>
+                        <a:t>8</a:t>
+                      </a:r>
+                    </a:p>
+                  </a:txBody>
+                  <a:tcPr marL="28575" marR="28575" marT="19050" marB="19050" anchor="b"/>
+                </a:tc>
+                <a:tc>
+                  <a:txBody>
+                    <a:bodyPr/>
+                    <a:lstStyle/>
+                    <a:p>
+                      <a:pPr algn="ctr" rtl="0" fontAlgn="b"/>
+                      <a:r>
+                        <a:rPr lang="en-US" dirty="0">
+                          <a:effectLst/>
+                        </a:rPr>
+                        <a:t>Not Started</a:t>
+                      </a:r>
+                    </a:p>
+                  </a:txBody>
+                  <a:tcPr marL="28575" marR="28575" marT="19050" marB="19050" anchor="b"/>
+                </a:tc>
+                <a:extLst>
+                  <a:ext uri="{0D108BD9-81ED-4DB2-BD59-A6C34878D82A}">
+                    <a16:rowId xmlns:a16="http://schemas.microsoft.com/office/drawing/2014/main" val="295760066"/>
+                  </a:ext>
+                </a:extLst>
+              </a:tr>
+              <a:tr h="300802">
+                <a:tc>
+                  <a:txBody>
+                    <a:bodyPr/>
+                    <a:lstStyle/>
+                    <a:p>
+                      <a:pPr algn="ctr" rtl="0" fontAlgn="b"/>
+                      <a:r>
+                        <a:rPr lang="en-US" dirty="0">
+                          <a:effectLst/>
+                        </a:rPr>
+                        <a:t>14</a:t>
+                      </a:r>
+                    </a:p>
+                  </a:txBody>
+                  <a:tcPr marL="28575" marR="28575" marT="19050" marB="19050" anchor="b"/>
+                </a:tc>
+                <a:tc>
+                  <a:txBody>
+                    <a:bodyPr/>
+                    <a:lstStyle/>
+                    <a:p>
+                      <a:pPr rtl="0" fontAlgn="b"/>
+                      <a:r>
+                        <a:rPr lang="en-US" dirty="0">
+                          <a:effectLst/>
+                        </a:rPr>
+                        <a:t>Add a new workout to the system</a:t>
+                      </a:r>
+                    </a:p>
+                  </a:txBody>
+                  <a:tcPr marL="28575" marR="28575" marT="19050" marB="19050" anchor="b"/>
+                </a:tc>
+                <a:tc>
+                  <a:txBody>
+                    <a:bodyPr/>
+                    <a:lstStyle/>
+                    <a:p>
+                      <a:pPr algn="ctr" rtl="0" fontAlgn="b"/>
+                      <a:r>
+                        <a:rPr lang="en-US" dirty="0">
+                          <a:effectLst/>
+                        </a:rPr>
+                        <a:t>Parisa </a:t>
+                      </a:r>
+                      <a:r>
+                        <a:rPr lang="en-US" dirty="0" err="1">
+                          <a:effectLst/>
+                        </a:rPr>
+                        <a:t>Khataei</a:t>
+                      </a:r>
+                    </a:p>
+                  </a:txBody>
+                  <a:tcPr marL="28575" marR="28575" marT="19050" marB="19050" anchor="b"/>
+                </a:tc>
+                <a:tc>
+                  <a:txBody>
+                    <a:bodyPr/>
+                    <a:lstStyle/>
+                    <a:p>
+                      <a:pPr algn="ctr" rtl="0" fontAlgn="b"/>
+                      <a:r>
+                        <a:rPr lang="en-US" dirty="0">
+                          <a:effectLst/>
+                        </a:rPr>
+                        <a:t>01/10/2020</a:t>
+                      </a:r>
+                    </a:p>
+                  </a:txBody>
+                  <a:tcPr marL="28575" marR="28575" marT="19050" marB="19050" anchor="b"/>
+                </a:tc>
+                <a:tc>
+                  <a:txBody>
+                    <a:bodyPr/>
+                    <a:lstStyle/>
+                    <a:p>
+                      <a:pPr algn="ctr" rtl="0" fontAlgn="b"/>
+                      <a:r>
+                        <a:rPr lang="en-US" dirty="0">
+                          <a:effectLst/>
+                        </a:rPr>
+                        <a:t>01/15/2020</a:t>
+                      </a:r>
+                    </a:p>
+                  </a:txBody>
+                  <a:tcPr marL="28575" marR="28575" marT="19050" marB="19050" anchor="b"/>
+                </a:tc>
+                <a:tc>
+                  <a:txBody>
+                    <a:bodyPr/>
+                    <a:lstStyle/>
+                    <a:p>
+                      <a:pPr algn="ctr" rtl="0" fontAlgn="b"/>
+                      <a:r>
+                        <a:rPr lang="en-US" dirty="0">
+                          <a:effectLst/>
+                        </a:rPr>
+                        <a:t>5</a:t>
+                      </a:r>
+                    </a:p>
+                  </a:txBody>
+                  <a:tcPr marL="28575" marR="28575" marT="19050" marB="19050" anchor="b"/>
+                </a:tc>
+                <a:tc>
+                  <a:txBody>
+                    <a:bodyPr/>
+                    <a:lstStyle/>
+                    <a:p>
+                      <a:pPr algn="ctr" rtl="0" fontAlgn="b"/>
+                      <a:r>
+                        <a:rPr lang="en-US" dirty="0">
+                          <a:effectLst/>
+                        </a:rPr>
+                        <a:t>Not Started</a:t>
+                      </a:r>
+                    </a:p>
+                  </a:txBody>
+                  <a:tcPr marL="28575" marR="28575" marT="19050" marB="19050" anchor="b"/>
+                </a:tc>
+                <a:extLst>
+                  <a:ext uri="{0D108BD9-81ED-4DB2-BD59-A6C34878D82A}">
+                    <a16:rowId xmlns:a16="http://schemas.microsoft.com/office/drawing/2014/main" val="3948028635"/>
+                  </a:ext>
+                </a:extLst>
+              </a:tr>
+              <a:tr h="564003">
+                <a:tc>
+                  <a:txBody>
+                    <a:bodyPr/>
+                    <a:lstStyle/>
+                    <a:p>
+                      <a:pPr algn="ctr" rtl="0" fontAlgn="b"/>
+                      <a:r>
+                        <a:rPr lang="en-US" dirty="0">
+                          <a:effectLst/>
+                        </a:rPr>
+                        <a:t>15</a:t>
+                      </a:r>
+                    </a:p>
+                  </a:txBody>
+                  <a:tcPr marL="28575" marR="28575" marT="19050" marB="19050" anchor="b"/>
+                </a:tc>
+                <a:tc>
+                  <a:txBody>
+                    <a:bodyPr/>
+                    <a:lstStyle/>
+                    <a:p>
+                      <a:pPr rtl="0" fontAlgn="b"/>
+                      <a:r>
+                        <a:rPr lang="en-US" dirty="0">
+                          <a:effectLst/>
+                        </a:rPr>
+                        <a:t>Synchronize exercise routines with a calendar</a:t>
+                      </a:r>
+                    </a:p>
+                  </a:txBody>
+                  <a:tcPr marL="28575" marR="28575" marT="19050" marB="19050" anchor="b"/>
+                </a:tc>
+                <a:tc>
+                  <a:txBody>
+                    <a:bodyPr/>
+                    <a:lstStyle/>
+                    <a:p>
+                      <a:pPr algn="ctr" rtl="0" fontAlgn="b"/>
+                      <a:r>
+                        <a:rPr lang="en-US" dirty="0">
+                          <a:effectLst/>
+                        </a:rPr>
+                        <a:t>Nadezhda </a:t>
+                      </a:r>
+                      <a:r>
+                        <a:rPr lang="en-US" dirty="0" err="1">
+                          <a:effectLst/>
+                        </a:rPr>
+                        <a:t>Mokhireva</a:t>
+                      </a:r>
+                    </a:p>
+                  </a:txBody>
+                  <a:tcPr marL="28575" marR="28575" marT="19050" marB="19050" anchor="b"/>
+                </a:tc>
+                <a:tc>
+                  <a:txBody>
+                    <a:bodyPr/>
+                    <a:lstStyle/>
+                    <a:p>
+                      <a:pPr algn="ctr" rtl="0" fontAlgn="b"/>
+                      <a:r>
+                        <a:rPr lang="en-US" dirty="0">
+                          <a:effectLst/>
+                        </a:rPr>
+                        <a:t>01/16/2020</a:t>
+                      </a:r>
+                    </a:p>
+                  </a:txBody>
+                  <a:tcPr marL="28575" marR="28575" marT="19050" marB="19050" anchor="b"/>
+                </a:tc>
+                <a:tc>
+                  <a:txBody>
+                    <a:bodyPr/>
+                    <a:lstStyle/>
+                    <a:p>
+                      <a:pPr algn="ctr" rtl="0" fontAlgn="b"/>
+                      <a:r>
+                        <a:rPr lang="en-US" dirty="0">
+                          <a:effectLst/>
+                        </a:rPr>
+                        <a:t>01/20/2020</a:t>
+                      </a:r>
+                    </a:p>
+                  </a:txBody>
+                  <a:tcPr marL="28575" marR="28575" marT="19050" marB="19050" anchor="b"/>
+                </a:tc>
+                <a:tc>
+                  <a:txBody>
+                    <a:bodyPr/>
+                    <a:lstStyle/>
+                    <a:p>
+                      <a:pPr algn="ctr" rtl="0" fontAlgn="b"/>
+                      <a:r>
+                        <a:rPr lang="en-US" dirty="0">
+                          <a:effectLst/>
+                        </a:rPr>
+                        <a:t>4</a:t>
+                      </a:r>
+                    </a:p>
+                  </a:txBody>
+                  <a:tcPr marL="28575" marR="28575" marT="19050" marB="19050" anchor="b"/>
+                </a:tc>
+                <a:tc>
+                  <a:txBody>
+                    <a:bodyPr/>
+                    <a:lstStyle/>
+                    <a:p>
+                      <a:pPr algn="ctr" rtl="0" fontAlgn="b"/>
+                      <a:r>
+                        <a:rPr lang="en-US" dirty="0">
+                          <a:effectLst/>
+                        </a:rPr>
+                        <a:t>Not Started</a:t>
+                      </a:r>
+                    </a:p>
+                  </a:txBody>
+                  <a:tcPr marL="28575" marR="28575" marT="19050" marB="19050" anchor="b"/>
+                </a:tc>
+                <a:extLst>
+                  <a:ext uri="{0D108BD9-81ED-4DB2-BD59-A6C34878D82A}">
+                    <a16:rowId xmlns:a16="http://schemas.microsoft.com/office/drawing/2014/main" val="2252236318"/>
+                  </a:ext>
+                </a:extLst>
+              </a:tr>
+            </a:tbl>
+          </a:graphicData>
+        </a:graphic>
+      </p:graphicFrame>
     </p:spTree>
     <p:extLst>
       <p:ext uri="{BB962C8B-B14F-4D97-AF65-F5344CB8AC3E}">
@@ -8348,16 +14412,8 @@
 <file path=customXml/itemProps1.xml><?xml version="1.0" encoding="utf-8"?>
 <ds:datastoreItem xmlns:ds="http://schemas.openxmlformats.org/officeDocument/2006/customXml" ds:itemID="{A75EC8C0-5113-4EFD-AE80-6BEE7563151B}">
   <ds:schemaRefs>
-    <ds:schemaRef ds:uri="http://purl.org/dc/elements/1.1/"/>
     <ds:schemaRef ds:uri="http://schemas.microsoft.com/office/2006/metadata/properties"/>
-    <ds:schemaRef ds:uri="http://purl.org/dc/terms/"/>
-    <ds:schemaRef ds:uri="3a44955a-9611-4e11-b394-5c7f996d2a5e"/>
     <ds:schemaRef ds:uri="http://schemas.microsoft.com/office/infopath/2007/PartnerControls"/>
-    <ds:schemaRef ds:uri="http://schemas.microsoft.com/office/2006/documentManagement/types"/>
-    <ds:schemaRef ds:uri="7a019f6c-b0e0-4e4c-a8bf-0404b70041b7"/>
-    <ds:schemaRef ds:uri="http://schemas.openxmlformats.org/package/2006/metadata/core-properties"/>
-    <ds:schemaRef ds:uri="http://www.w3.org/XML/1998/namespace"/>
-    <ds:schemaRef ds:uri="http://purl.org/dc/dcmitype/"/>
   </ds:schemaRefs>
 </ds:datastoreItem>
 </file>
